--- a/WVSE-GraphViz-Dot.pptx
+++ b/WVSE-GraphViz-Dot.pptx
@@ -11,6 +11,7 @@
     <p:sldId id="259" r:id="rId5"/>
     <p:sldId id="260" r:id="rId6"/>
     <p:sldId id="261" r:id="rId7"/>
+    <p:sldId id="262" r:id="rId8"/>
   </p:sldIdLst>
   <p:sldSz cx="12192000" cy="6858000"/>
   <p:notesSz cx="6858000" cy="9144000"/>
@@ -115,7 +116,7 @@
 <file path=ppt/revisionInfo.xml><?xml version="1.0" encoding="utf-8"?>
 <p1510:revInfo xmlns:a="http://schemas.openxmlformats.org/drawingml/2006/main" xmlns:r="http://schemas.openxmlformats.org/officeDocument/2006/relationships" xmlns:p1510="http://schemas.microsoft.com/office/powerpoint/2015/10/main">
   <p1510:revLst>
-    <p1510:client id="{00D38786-CD10-4F94-88C5-472D689EF0BE}" v="1072" dt="2018-08-02T19:20:51.389"/>
+    <p1510:client id="{00D38786-CD10-4F94-88C5-472D689EF0BE}" v="1115" dt="2018-08-02T19:33:26.010"/>
   </p1510:revLst>
 </p1510:revInfo>
 </file>
@@ -125,7 +126,7 @@
   <pc:docChgLst>
     <pc:chgData userId="f4db449474cb4b0d" providerId="LiveId" clId="{00D38786-CD10-4F94-88C5-472D689EF0BE}"/>
     <pc:docChg chg="undo custSel mod addSld delSld modSld">
-      <pc:chgData name="" userId="f4db449474cb4b0d" providerId="LiveId" clId="{00D38786-CD10-4F94-88C5-472D689EF0BE}" dt="2018-08-02T19:20:51.389" v="1067" actId="14100"/>
+      <pc:chgData name="" userId="f4db449474cb4b0d" providerId="LiveId" clId="{00D38786-CD10-4F94-88C5-472D689EF0BE}" dt="2018-08-02T19:33:26.010" v="1110" actId="26606"/>
       <pc:docMkLst>
         <pc:docMk/>
       </pc:docMkLst>
@@ -278,14 +279,14 @@
           </ac:spMkLst>
         </pc:spChg>
       </pc:sldChg>
-      <pc:sldChg chg="modSp add">
-        <pc:chgData name="" userId="f4db449474cb4b0d" providerId="LiveId" clId="{00D38786-CD10-4F94-88C5-472D689EF0BE}" dt="2018-08-02T19:03:42.391" v="919" actId="20577"/>
+      <pc:sldChg chg="modSp add mod setBg">
+        <pc:chgData name="" userId="f4db449474cb4b0d" providerId="LiveId" clId="{00D38786-CD10-4F94-88C5-472D689EF0BE}" dt="2018-08-02T19:33:26.010" v="1110" actId="26606"/>
         <pc:sldMkLst>
           <pc:docMk/>
           <pc:sldMk cId="3914447399" sldId="260"/>
         </pc:sldMkLst>
         <pc:spChg chg="mod">
-          <ac:chgData name="" userId="f4db449474cb4b0d" providerId="LiveId" clId="{00D38786-CD10-4F94-88C5-472D689EF0BE}" dt="2018-08-02T18:57:09.641" v="421" actId="20577"/>
+          <ac:chgData name="" userId="f4db449474cb4b0d" providerId="LiveId" clId="{00D38786-CD10-4F94-88C5-472D689EF0BE}" dt="2018-08-02T19:33:26.010" v="1110" actId="26606"/>
           <ac:spMkLst>
             <pc:docMk/>
             <pc:sldMk cId="3914447399" sldId="260"/>
@@ -293,7 +294,7 @@
           </ac:spMkLst>
         </pc:spChg>
         <pc:spChg chg="mod">
-          <ac:chgData name="" userId="f4db449474cb4b0d" providerId="LiveId" clId="{00D38786-CD10-4F94-88C5-472D689EF0BE}" dt="2018-08-02T19:03:42.391" v="919" actId="20577"/>
+          <ac:chgData name="" userId="f4db449474cb4b0d" providerId="LiveId" clId="{00D38786-CD10-4F94-88C5-472D689EF0BE}" dt="2018-08-02T19:33:26.010" v="1110" actId="26606"/>
           <ac:spMkLst>
             <pc:docMk/>
             <pc:sldMk cId="3914447399" sldId="260"/>
@@ -301,14 +302,14 @@
           </ac:spMkLst>
         </pc:spChg>
       </pc:sldChg>
-      <pc:sldChg chg="modSp add">
-        <pc:chgData name="" userId="f4db449474cb4b0d" providerId="LiveId" clId="{00D38786-CD10-4F94-88C5-472D689EF0BE}" dt="2018-08-02T19:19:05.177" v="1053" actId="20577"/>
+      <pc:sldChg chg="modSp add mod setBg">
+        <pc:chgData name="" userId="f4db449474cb4b0d" providerId="LiveId" clId="{00D38786-CD10-4F94-88C5-472D689EF0BE}" dt="2018-08-02T19:33:21.206" v="1109" actId="255"/>
         <pc:sldMkLst>
           <pc:docMk/>
           <pc:sldMk cId="2129563506" sldId="261"/>
         </pc:sldMkLst>
         <pc:spChg chg="mod">
-          <ac:chgData name="" userId="f4db449474cb4b0d" providerId="LiveId" clId="{00D38786-CD10-4F94-88C5-472D689EF0BE}" dt="2018-08-02T18:58:34.037" v="637" actId="20577"/>
+          <ac:chgData name="" userId="f4db449474cb4b0d" providerId="LiveId" clId="{00D38786-CD10-4F94-88C5-472D689EF0BE}" dt="2018-08-02T19:33:05.435" v="1108" actId="26606"/>
           <ac:spMkLst>
             <pc:docMk/>
             <pc:sldMk cId="2129563506" sldId="261"/>
@@ -316,13 +317,44 @@
           </ac:spMkLst>
         </pc:spChg>
         <pc:spChg chg="mod">
-          <ac:chgData name="" userId="f4db449474cb4b0d" providerId="LiveId" clId="{00D38786-CD10-4F94-88C5-472D689EF0BE}" dt="2018-08-02T19:19:05.177" v="1053" actId="20577"/>
+          <ac:chgData name="" userId="f4db449474cb4b0d" providerId="LiveId" clId="{00D38786-CD10-4F94-88C5-472D689EF0BE}" dt="2018-08-02T19:33:21.206" v="1109" actId="255"/>
           <ac:spMkLst>
             <pc:docMk/>
             <pc:sldMk cId="2129563506" sldId="261"/>
             <ac:spMk id="3" creationId="{0A495BF7-E4B2-458D-BBA2-B88EA9D0A151}"/>
           </ac:spMkLst>
         </pc:spChg>
+      </pc:sldChg>
+      <pc:sldChg chg="addSp modSp add mod setBg">
+        <pc:chgData name="" userId="f4db449474cb4b0d" providerId="LiveId" clId="{00D38786-CD10-4F94-88C5-472D689EF0BE}" dt="2018-08-02T19:32:54.654" v="1107" actId="26606"/>
+        <pc:sldMkLst>
+          <pc:docMk/>
+          <pc:sldMk cId="1149300295" sldId="262"/>
+        </pc:sldMkLst>
+        <pc:spChg chg="mod">
+          <ac:chgData name="" userId="f4db449474cb4b0d" providerId="LiveId" clId="{00D38786-CD10-4F94-88C5-472D689EF0BE}" dt="2018-08-02T19:32:54.654" v="1107" actId="26606"/>
+          <ac:spMkLst>
+            <pc:docMk/>
+            <pc:sldMk cId="1149300295" sldId="262"/>
+            <ac:spMk id="2" creationId="{522CEEE6-AAF2-4A81-BE28-44E6B2B115ED}"/>
+          </ac:spMkLst>
+        </pc:spChg>
+        <pc:spChg chg="mod">
+          <ac:chgData name="" userId="f4db449474cb4b0d" providerId="LiveId" clId="{00D38786-CD10-4F94-88C5-472D689EF0BE}" dt="2018-08-02T19:32:54.654" v="1107" actId="26606"/>
+          <ac:spMkLst>
+            <pc:docMk/>
+            <pc:sldMk cId="1149300295" sldId="262"/>
+            <ac:spMk id="3" creationId="{71D8C61D-4AF1-4B90-ACDC-20B2CAB4F902}"/>
+          </ac:spMkLst>
+        </pc:spChg>
+        <pc:picChg chg="add">
+          <ac:chgData name="" userId="f4db449474cb4b0d" providerId="LiveId" clId="{00D38786-CD10-4F94-88C5-472D689EF0BE}" dt="2018-08-02T19:32:54.654" v="1107" actId="26606"/>
+          <ac:picMkLst>
+            <pc:docMk/>
+            <pc:sldMk cId="1149300295" sldId="262"/>
+            <ac:picMk id="7" creationId="{500A75E3-B46F-480A-8377-816C57EA0780}"/>
+          </ac:picMkLst>
+        </pc:picChg>
       </pc:sldChg>
       <pc:sldChg chg="add del">
         <pc:chgData name="" userId="f4db449474cb4b0d" providerId="LiveId" clId="{00D38786-CD10-4F94-88C5-472D689EF0BE}" dt="2018-08-02T19:19:18.837" v="1055" actId="2696"/>
@@ -6682,6 +6714,21 @@
 <file path=ppt/slides/slide5.xml><?xml version="1.0" encoding="utf-8"?>
 <p:sld xmlns:a="http://schemas.openxmlformats.org/drawingml/2006/main" xmlns:r="http://schemas.openxmlformats.org/officeDocument/2006/relationships" xmlns:p="http://schemas.openxmlformats.org/presentationml/2006/main">
   <p:cSld>
+    <p:bg>
+      <p:bgPr>
+        <a:blipFill dpi="0" rotWithShape="1">
+          <a:blip r:embed="rId2">
+            <a:lum/>
+            <a:extLst/>
+          </a:blip>
+          <a:srcRect/>
+          <a:stretch>
+            <a:fillRect/>
+          </a:stretch>
+        </a:blipFill>
+        <a:effectLst/>
+      </p:bgPr>
+    </p:bg>
     <p:spTree>
       <p:nvGrpSpPr>
         <p:cNvPr id="1" name=""/>
@@ -6712,22 +6759,27 @@
             <p:ph type="title"/>
           </p:nvPr>
         </p:nvSpPr>
-        <p:spPr/>
-        <p:txBody>
-          <a:bodyPr/>
-          <a:lstStyle/>
-          <a:p>
-            <a:r>
-              <a:rPr lang="en-US" dirty="0"/>
-              <a:t>Who Should Use </a:t>
-            </a:r>
-            <a:r>
-              <a:rPr lang="en-US" dirty="0" err="1"/>
-              <a:t>GraphViz</a:t>
-            </a:r>
-            <a:r>
-              <a:rPr lang="en-US" dirty="0"/>
-              <a:t>?</a:t>
+        <p:spPr>
+          <a:xfrm>
+            <a:off x="838200" y="365125"/>
+            <a:ext cx="7958667" cy="1137104"/>
+          </a:xfrm>
+        </p:spPr>
+        <p:txBody>
+          <a:bodyPr anchor="b">
+            <a:normAutofit/>
+          </a:bodyPr>
+          <a:lstStyle/>
+          <a:p>
+            <a:r>
+              <a:rPr lang="en-US" sz="4400">
+                <a:solidFill>
+                  <a:schemeClr val="tx1">
+                    <a:lumMod val="95000"/>
+                  </a:schemeClr>
+                </a:solidFill>
+              </a:rPr>
+              <a:t>Who Should Use GraphViz?</a:t>
             </a:r>
           </a:p>
         </p:txBody>
@@ -6748,50 +6800,105 @@
             <p:ph idx="1"/>
           </p:nvPr>
         </p:nvSpPr>
-        <p:spPr/>
-        <p:txBody>
-          <a:bodyPr/>
-          <a:lstStyle/>
-          <a:p>
-            <a:r>
-              <a:rPr lang="en-US" dirty="0"/>
+        <p:spPr>
+          <a:xfrm>
+            <a:off x="838200" y="1825625"/>
+            <a:ext cx="7958667" cy="4351338"/>
+          </a:xfrm>
+        </p:spPr>
+        <p:txBody>
+          <a:bodyPr>
+            <a:normAutofit/>
+          </a:bodyPr>
+          <a:lstStyle/>
+          <a:p>
+            <a:r>
+              <a:rPr lang="en-US" sz="2400">
+                <a:solidFill>
+                  <a:schemeClr val="tx1">
+                    <a:lumMod val="95000"/>
+                  </a:schemeClr>
+                </a:solidFill>
+              </a:rPr>
               <a:t>People who suck at drawing</a:t>
             </a:r>
           </a:p>
           <a:p>
             <a:r>
-              <a:rPr lang="en-US" dirty="0"/>
+              <a:rPr lang="en-US" sz="2400">
+                <a:solidFill>
+                  <a:schemeClr val="tx1">
+                    <a:lumMod val="95000"/>
+                  </a:schemeClr>
+                </a:solidFill>
+              </a:rPr>
               <a:t>People who like source control</a:t>
             </a:r>
           </a:p>
           <a:p>
             <a:r>
-              <a:rPr lang="en-US" dirty="0"/>
+              <a:rPr lang="en-US" sz="2400">
+                <a:solidFill>
+                  <a:schemeClr val="tx1">
+                    <a:lumMod val="95000"/>
+                  </a:schemeClr>
+                </a:solidFill>
+              </a:rPr>
               <a:t>Nerds</a:t>
             </a:r>
           </a:p>
           <a:p>
             <a:r>
-              <a:rPr lang="en-US" dirty="0"/>
+              <a:rPr lang="en-US" sz="2400">
+                <a:solidFill>
+                  <a:schemeClr val="tx1">
+                    <a:lumMod val="95000"/>
+                  </a:schemeClr>
+                </a:solidFill>
+              </a:rPr>
               <a:t>People that prefer open-source tools </a:t>
             </a:r>
             <a:br>
-              <a:rPr lang="en-US" dirty="0"/>
+              <a:rPr lang="en-US" sz="2400">
+                <a:solidFill>
+                  <a:schemeClr val="tx1">
+                    <a:lumMod val="95000"/>
+                  </a:schemeClr>
+                </a:solidFill>
+              </a:rPr>
             </a:br>
             <a:r>
-              <a:rPr lang="en-US" i="1" dirty="0"/>
+              <a:rPr lang="en-US" sz="2400" i="1">
+                <a:solidFill>
+                  <a:schemeClr val="tx1">
+                    <a:lumMod val="95000"/>
+                  </a:schemeClr>
+                </a:solidFill>
+              </a:rPr>
               <a:t>(Common Public License Version 1.0)</a:t>
             </a:r>
           </a:p>
           <a:p>
             <a:r>
-              <a:rPr lang="en-US" dirty="0"/>
+              <a:rPr lang="en-US" sz="2400">
+                <a:solidFill>
+                  <a:schemeClr val="tx1">
+                    <a:lumMod val="95000"/>
+                  </a:schemeClr>
+                </a:solidFill>
+              </a:rPr>
               <a:t>People interested in a graphing/charting solution that integrates well with LaTeX</a:t>
             </a:r>
           </a:p>
           <a:p>
             <a:r>
-              <a:rPr lang="en-US" dirty="0"/>
+              <a:rPr lang="en-US" sz="2400">
+                <a:solidFill>
+                  <a:schemeClr val="tx1">
+                    <a:lumMod val="95000"/>
+                  </a:schemeClr>
+                </a:solidFill>
+              </a:rPr>
               <a:t>People who don’t like Visio</a:t>
             </a:r>
           </a:p>
@@ -6813,6 +6920,21 @@
 <file path=ppt/slides/slide6.xml><?xml version="1.0" encoding="utf-8"?>
 <p:sld xmlns:a="http://schemas.openxmlformats.org/drawingml/2006/main" xmlns:r="http://schemas.openxmlformats.org/officeDocument/2006/relationships" xmlns:p="http://schemas.openxmlformats.org/presentationml/2006/main">
   <p:cSld>
+    <p:bg>
+      <p:bgPr>
+        <a:blipFill dpi="0" rotWithShape="1">
+          <a:blip r:embed="rId2">
+            <a:lum/>
+            <a:extLst/>
+          </a:blip>
+          <a:srcRect/>
+          <a:stretch>
+            <a:fillRect/>
+          </a:stretch>
+        </a:blipFill>
+        <a:effectLst/>
+      </p:bgPr>
+    </p:bg>
     <p:spTree>
       <p:nvGrpSpPr>
         <p:cNvPr id="1" name=""/>
@@ -6843,13 +6965,26 @@
             <p:ph type="title"/>
           </p:nvPr>
         </p:nvSpPr>
-        <p:spPr/>
-        <p:txBody>
-          <a:bodyPr/>
-          <a:lstStyle/>
-          <a:p>
-            <a:r>
-              <a:rPr lang="en-US" dirty="0"/>
+        <p:spPr>
+          <a:xfrm>
+            <a:off x="838200" y="365125"/>
+            <a:ext cx="7958667" cy="1137104"/>
+          </a:xfrm>
+        </p:spPr>
+        <p:txBody>
+          <a:bodyPr anchor="b">
+            <a:normAutofit/>
+          </a:bodyPr>
+          <a:lstStyle/>
+          <a:p>
+            <a:r>
+              <a:rPr lang="en-US" sz="4400">
+                <a:solidFill>
+                  <a:schemeClr val="tx1">
+                    <a:lumMod val="95000"/>
+                  </a:schemeClr>
+                </a:solidFill>
+              </a:rPr>
               <a:t>Resources</a:t>
             </a:r>
           </a:p>
@@ -6871,77 +7006,192 @@
             <p:ph idx="1"/>
           </p:nvPr>
         </p:nvSpPr>
-        <p:spPr/>
-        <p:txBody>
-          <a:bodyPr/>
-          <a:lstStyle/>
-          <a:p>
-            <a:r>
-              <a:rPr lang="en-US" dirty="0"/>
+        <p:spPr>
+          <a:xfrm>
+            <a:off x="838200" y="1825625"/>
+            <a:ext cx="7958667" cy="4351338"/>
+          </a:xfrm>
+        </p:spPr>
+        <p:txBody>
+          <a:bodyPr>
+            <a:normAutofit/>
+          </a:bodyPr>
+          <a:lstStyle/>
+          <a:p>
+            <a:r>
+              <a:rPr lang="en-US" sz="2400" dirty="0">
+                <a:solidFill>
+                  <a:schemeClr val="tx1">
+                    <a:lumMod val="95000"/>
+                  </a:schemeClr>
+                </a:solidFill>
+              </a:rPr>
               <a:t>GraphViz.org</a:t>
             </a:r>
             <a:br>
-              <a:rPr lang="en-US" dirty="0"/>
+              <a:rPr lang="en-US" sz="2400" dirty="0">
+                <a:solidFill>
+                  <a:schemeClr val="tx1">
+                    <a:lumMod val="95000"/>
+                  </a:schemeClr>
+                </a:solidFill>
+              </a:rPr>
             </a:br>
             <a:r>
-              <a:rPr lang="en-US" i="1" dirty="0"/>
+              <a:rPr lang="en-US" sz="2400" i="1" dirty="0">
+                <a:solidFill>
+                  <a:schemeClr val="tx1">
+                    <a:lumMod val="95000"/>
+                  </a:schemeClr>
+                </a:solidFill>
+              </a:rPr>
               <a:t>the base site from the creators</a:t>
             </a:r>
-            <a:endParaRPr lang="en-US" dirty="0"/>
-          </a:p>
-          <a:p>
-            <a:r>
-              <a:rPr lang="en-US" dirty="0" err="1"/>
+            <a:endParaRPr lang="en-US" sz="2400" dirty="0">
+              <a:solidFill>
+                <a:schemeClr val="tx1">
+                  <a:lumMod val="95000"/>
+                </a:schemeClr>
+              </a:solidFill>
+            </a:endParaRPr>
+          </a:p>
+          <a:p>
+            <a:r>
+              <a:rPr lang="en-US" sz="2400" dirty="0" err="1">
+                <a:solidFill>
+                  <a:schemeClr val="tx1">
+                    <a:lumMod val="95000"/>
+                  </a:schemeClr>
+                </a:solidFill>
+              </a:rPr>
               <a:t>GraphViz</a:t>
             </a:r>
             <a:r>
-              <a:rPr lang="en-US" dirty="0"/>
+              <a:rPr lang="en-US" sz="2400" dirty="0">
+                <a:solidFill>
+                  <a:schemeClr val="tx1">
+                    <a:lumMod val="95000"/>
+                  </a:schemeClr>
+                </a:solidFill>
+              </a:rPr>
               <a:t> Pocket Reference – (graphs.grevian.org)</a:t>
             </a:r>
             <a:br>
-              <a:rPr lang="en-US" dirty="0"/>
+              <a:rPr lang="en-US" sz="2400" dirty="0">
+                <a:solidFill>
+                  <a:schemeClr val="tx1">
+                    <a:lumMod val="95000"/>
+                  </a:schemeClr>
+                </a:solidFill>
+              </a:rPr>
             </a:br>
             <a:r>
-              <a:rPr lang="en-US" i="1" dirty="0"/>
+              <a:rPr lang="en-US" sz="2400" i="1" dirty="0">
+                <a:solidFill>
+                  <a:schemeClr val="tx1">
+                    <a:lumMod val="95000"/>
+                  </a:schemeClr>
+                </a:solidFill>
+              </a:rPr>
               <a:t>by Josh Hayes-Sheen</a:t>
             </a:r>
-            <a:endParaRPr lang="en-US" dirty="0"/>
-          </a:p>
-          <a:p>
-            <a:r>
-              <a:rPr lang="en-US" dirty="0"/>
+            <a:endParaRPr lang="en-US" sz="2400" dirty="0">
+              <a:solidFill>
+                <a:schemeClr val="tx1">
+                  <a:lumMod val="95000"/>
+                </a:schemeClr>
+              </a:solidFill>
+            </a:endParaRPr>
+          </a:p>
+          <a:p>
+            <a:r>
+              <a:rPr lang="en-US" sz="2400" dirty="0">
+                <a:solidFill>
+                  <a:schemeClr val="tx1">
+                    <a:lumMod val="95000"/>
+                  </a:schemeClr>
+                </a:solidFill>
+              </a:rPr>
               <a:t>WebGraphViz.com</a:t>
             </a:r>
             <a:br>
-              <a:rPr lang="en-US" dirty="0"/>
+              <a:rPr lang="en-US" sz="2400" dirty="0">
+                <a:solidFill>
+                  <a:schemeClr val="tx1">
+                    <a:lumMod val="95000"/>
+                  </a:schemeClr>
+                </a:solidFill>
+              </a:rPr>
             </a:br>
             <a:r>
-              <a:rPr lang="en-US" i="1" dirty="0"/>
+              <a:rPr lang="en-US" sz="2400" i="1" dirty="0">
+                <a:solidFill>
+                  <a:schemeClr val="tx1">
+                    <a:lumMod val="95000"/>
+                  </a:schemeClr>
+                </a:solidFill>
+              </a:rPr>
               <a:t>a web-based tool</a:t>
             </a:r>
           </a:p>
           <a:p>
             <a:r>
-              <a:rPr lang="en-US" dirty="0" err="1"/>
+              <a:rPr lang="en-US" sz="2400" dirty="0" err="1">
+                <a:solidFill>
+                  <a:schemeClr val="tx1">
+                    <a:lumMod val="95000"/>
+                  </a:schemeClr>
+                </a:solidFill>
+              </a:rPr>
               <a:t>GraphViz</a:t>
             </a:r>
             <a:r>
-              <a:rPr lang="en-US" dirty="0"/>
+              <a:rPr lang="en-US" sz="2400" dirty="0">
+                <a:solidFill>
+                  <a:schemeClr val="tx1">
+                    <a:lumMod val="95000"/>
+                  </a:schemeClr>
+                </a:solidFill>
+              </a:rPr>
               <a:t> Preview – Visual Studio Code Plugin</a:t>
             </a:r>
             <a:br>
-              <a:rPr lang="en-US" dirty="0"/>
+              <a:rPr lang="en-US" sz="2400" dirty="0">
+                <a:solidFill>
+                  <a:schemeClr val="tx1">
+                    <a:lumMod val="95000"/>
+                  </a:schemeClr>
+                </a:solidFill>
+              </a:rPr>
             </a:br>
             <a:r>
-              <a:rPr lang="en-US" dirty="0"/>
+              <a:rPr lang="en-US" sz="2400" dirty="0">
+                <a:solidFill>
+                  <a:schemeClr val="tx1">
+                    <a:lumMod val="95000"/>
+                  </a:schemeClr>
+                </a:solidFill>
+              </a:rPr>
               <a:t>(</a:t>
             </a:r>
             <a:r>
-              <a:rPr lang="en-US" sz="2000" dirty="0"/>
+              <a:rPr lang="en-US" sz="1600" dirty="0">
+                <a:solidFill>
+                  <a:schemeClr val="tx1">
+                    <a:lumMod val="95000"/>
+                  </a:schemeClr>
+                </a:solidFill>
+              </a:rPr>
               <a:t>https://marketplace.visualstudio.com/items?itemName=EFanZh.graphviz-preview</a:t>
             </a:r>
             <a:r>
-              <a:rPr lang="en-US" dirty="0"/>
+              <a:rPr lang="en-US" sz="2400" dirty="0">
+                <a:solidFill>
+                  <a:schemeClr val="tx1">
+                    <a:lumMod val="95000"/>
+                  </a:schemeClr>
+                </a:solidFill>
+              </a:rPr>
               <a:t>)</a:t>
             </a:r>
           </a:p>
@@ -6951,6 +7201,224 @@
     <p:extLst>
       <p:ext uri="{BB962C8B-B14F-4D97-AF65-F5344CB8AC3E}">
         <p14:creationId xmlns:p14="http://schemas.microsoft.com/office/powerpoint/2010/main" val="2129563506"/>
+      </p:ext>
+    </p:extLst>
+  </p:cSld>
+  <p:clrMapOvr>
+    <a:masterClrMapping/>
+  </p:clrMapOvr>
+</p:sld>
+</file>
+
+<file path=ppt/slides/slide7.xml><?xml version="1.0" encoding="utf-8"?>
+<p:sld xmlns:a="http://schemas.openxmlformats.org/drawingml/2006/main" xmlns:r="http://schemas.openxmlformats.org/officeDocument/2006/relationships" xmlns:p="http://schemas.openxmlformats.org/presentationml/2006/main">
+  <p:cSld>
+    <p:bg>
+      <p:bgPr>
+        <a:blipFill dpi="0" rotWithShape="1">
+          <a:blip r:embed="rId2">
+            <a:lum/>
+            <a:extLst/>
+          </a:blip>
+          <a:srcRect/>
+          <a:stretch>
+            <a:fillRect/>
+          </a:stretch>
+        </a:blipFill>
+        <a:effectLst/>
+      </p:bgPr>
+    </p:bg>
+    <p:spTree>
+      <p:nvGrpSpPr>
+        <p:cNvPr id="1" name=""/>
+        <p:cNvGrpSpPr/>
+        <p:nvPr/>
+      </p:nvGrpSpPr>
+      <p:grpSpPr>
+        <a:xfrm>
+          <a:off x="0" y="0"/>
+          <a:ext cx="0" cy="0"/>
+          <a:chOff x="0" y="0"/>
+          <a:chExt cx="0" cy="0"/>
+        </a:xfrm>
+      </p:grpSpPr>
+      <p:sp>
+        <p:nvSpPr>
+          <p:cNvPr id="2" name="Title 1">
+            <a:extLst>
+              <a:ext uri="{FF2B5EF4-FFF2-40B4-BE49-F238E27FC236}">
+                <a16:creationId xmlns:a16="http://schemas.microsoft.com/office/drawing/2014/main" id="{522CEEE6-AAF2-4A81-BE28-44E6B2B115ED}"/>
+              </a:ext>
+            </a:extLst>
+          </p:cNvPr>
+          <p:cNvSpPr>
+            <a:spLocks noGrp="1"/>
+          </p:cNvSpPr>
+          <p:nvPr>
+            <p:ph type="title"/>
+          </p:nvPr>
+        </p:nvSpPr>
+        <p:spPr>
+          <a:xfrm>
+            <a:off x="838200" y="5145932"/>
+            <a:ext cx="10515600" cy="959586"/>
+          </a:xfrm>
+        </p:spPr>
+        <p:txBody>
+          <a:bodyPr vert="horz" wrap="none" lIns="91440" tIns="45720" rIns="91440" bIns="45720" rtlCol="0" anchor="t">
+            <a:normAutofit/>
+          </a:bodyPr>
+          <a:lstStyle/>
+          <a:p>
+            <a:pPr algn="r"/>
+            <a:r>
+              <a:rPr lang="en-US" sz="4000" spc="-300">
+                <a:gradFill flip="none" rotWithShape="1">
+                  <a:gsLst>
+                    <a:gs pos="32000">
+                      <a:schemeClr val="tx1">
+                        <a:lumMod val="89000"/>
+                      </a:schemeClr>
+                    </a:gs>
+                    <a:gs pos="0">
+                      <a:schemeClr val="bg1">
+                        <a:lumMod val="41000"/>
+                        <a:lumOff val="59000"/>
+                      </a:schemeClr>
+                    </a:gs>
+                    <a:gs pos="100000">
+                      <a:schemeClr val="tx2">
+                        <a:lumMod val="0"/>
+                        <a:lumOff val="100000"/>
+                      </a:schemeClr>
+                    </a:gs>
+                  </a:gsLst>
+                  <a:lin ang="8100000" scaled="1"/>
+                  <a:tileRect/>
+                </a:gradFill>
+                <a:effectLst>
+                  <a:outerShdw blurRad="469900" dist="342900" dir="5400000" sy="-20000" rotWithShape="0">
+                    <a:prstClr val="black">
+                      <a:alpha val="66000"/>
+                    </a:prstClr>
+                  </a:outerShdw>
+                </a:effectLst>
+              </a:rPr>
+              <a:t>Presentation Resources</a:t>
+            </a:r>
+          </a:p>
+        </p:txBody>
+      </p:sp>
+      <p:sp>
+        <p:nvSpPr>
+          <p:cNvPr id="3" name="Content Placeholder 2">
+            <a:extLst>
+              <a:ext uri="{FF2B5EF4-FFF2-40B4-BE49-F238E27FC236}">
+                <a16:creationId xmlns:a16="http://schemas.microsoft.com/office/drawing/2014/main" id="{71D8C61D-4AF1-4B90-ACDC-20B2CAB4F902}"/>
+              </a:ext>
+            </a:extLst>
+          </p:cNvPr>
+          <p:cNvSpPr>
+            <a:spLocks noGrp="1"/>
+          </p:cNvSpPr>
+          <p:nvPr>
+            <p:ph idx="1"/>
+          </p:nvPr>
+        </p:nvSpPr>
+        <p:spPr>
+          <a:xfrm>
+            <a:off x="2209799" y="4533089"/>
+            <a:ext cx="9144000" cy="612843"/>
+          </a:xfrm>
+        </p:spPr>
+        <p:txBody>
+          <a:bodyPr vert="horz" lIns="91440" tIns="45720" rIns="91440" bIns="45720" rtlCol="0" anchor="b">
+            <a:normAutofit/>
+          </a:bodyPr>
+          <a:lstStyle/>
+          <a:p>
+            <a:pPr marL="0" indent="0" algn="r">
+              <a:buNone/>
+            </a:pPr>
+            <a:r>
+              <a:rPr lang="en-US" sz="2000">
+                <a:gradFill flip="none" rotWithShape="1">
+                  <a:gsLst>
+                    <a:gs pos="15000">
+                      <a:schemeClr val="tx2"/>
+                    </a:gs>
+                    <a:gs pos="73000">
+                      <a:schemeClr val="tx2">
+                        <a:lumMod val="60000"/>
+                        <a:lumOff val="40000"/>
+                      </a:schemeClr>
+                    </a:gs>
+                    <a:gs pos="0">
+                      <a:schemeClr val="tx2">
+                        <a:lumMod val="90000"/>
+                        <a:lumOff val="10000"/>
+                      </a:schemeClr>
+                    </a:gs>
+                    <a:gs pos="100000">
+                      <a:schemeClr val="tx2">
+                        <a:lumMod val="0"/>
+                        <a:lumOff val="100000"/>
+                      </a:schemeClr>
+                    </a:gs>
+                  </a:gsLst>
+                  <a:lin ang="16200000" scaled="1"/>
+                  <a:tileRect/>
+                </a:gradFill>
+                <a:latin typeface="+mj-lt"/>
+              </a:rPr>
+              <a:t>https://github.com/whoiskevinrich/GraphViz-LightningTalk</a:t>
+            </a:r>
+          </a:p>
+        </p:txBody>
+      </p:sp>
+      <p:pic>
+        <p:nvPicPr>
+          <p:cNvPr id="7" name="Graphic 6" descr="Teacher">
+            <a:extLst>
+              <a:ext uri="{FF2B5EF4-FFF2-40B4-BE49-F238E27FC236}">
+                <a16:creationId xmlns:a16="http://schemas.microsoft.com/office/drawing/2014/main" id="{500A75E3-B46F-480A-8377-816C57EA0780}"/>
+              </a:ext>
+            </a:extLst>
+          </p:cNvPr>
+          <p:cNvPicPr>
+            <a:picLocks noChangeAspect="1"/>
+          </p:cNvPicPr>
+          <p:nvPr/>
+        </p:nvPicPr>
+        <p:blipFill>
+          <a:blip r:embed="rId3">
+            <a:extLst>
+              <a:ext uri="{28A0092B-C50C-407E-A947-70E740481C1C}">
+                <a14:useLocalDpi xmlns:a14="http://schemas.microsoft.com/office/drawing/2010/main" val="0"/>
+              </a:ext>
+              <a:ext uri="{96DAC541-7B7A-43D3-8B79-37D633B846F1}">
+                <asvg:svgBlip xmlns:asvg="http://schemas.microsoft.com/office/drawing/2016/SVG/main" r:embed="rId4"/>
+              </a:ext>
+            </a:extLst>
+          </a:blip>
+          <a:stretch>
+            <a:fillRect/>
+          </a:stretch>
+        </p:blipFill>
+        <p:spPr>
+          <a:xfrm>
+            <a:off x="838201" y="643464"/>
+            <a:ext cx="3889625" cy="3889625"/>
+          </a:xfrm>
+          <a:prstGeom prst="rect">
+            <a:avLst/>
+          </a:prstGeom>
+        </p:spPr>
+      </p:pic>
+    </p:spTree>
+    <p:extLst>
+      <p:ext uri="{BB962C8B-B14F-4D97-AF65-F5344CB8AC3E}">
+        <p14:creationId xmlns:p14="http://schemas.microsoft.com/office/powerpoint/2010/main" val="1149300295"/>
       </p:ext>
     </p:extLst>
   </p:cSld>

--- a/WVSE-GraphViz-Dot.pptx
+++ b/WVSE-GraphViz-Dot.pptx
@@ -9,9 +9,25 @@
     <p:sldId id="257" r:id="rId3"/>
     <p:sldId id="258" r:id="rId4"/>
     <p:sldId id="259" r:id="rId5"/>
-    <p:sldId id="260" r:id="rId6"/>
-    <p:sldId id="261" r:id="rId7"/>
-    <p:sldId id="262" r:id="rId8"/>
+    <p:sldId id="263" r:id="rId6"/>
+    <p:sldId id="264" r:id="rId7"/>
+    <p:sldId id="265" r:id="rId8"/>
+    <p:sldId id="266" r:id="rId9"/>
+    <p:sldId id="267" r:id="rId10"/>
+    <p:sldId id="268" r:id="rId11"/>
+    <p:sldId id="269" r:id="rId12"/>
+    <p:sldId id="270" r:id="rId13"/>
+    <p:sldId id="271" r:id="rId14"/>
+    <p:sldId id="272" r:id="rId15"/>
+    <p:sldId id="277" r:id="rId16"/>
+    <p:sldId id="273" r:id="rId17"/>
+    <p:sldId id="274" r:id="rId18"/>
+    <p:sldId id="275" r:id="rId19"/>
+    <p:sldId id="276" r:id="rId20"/>
+    <p:sldId id="278" r:id="rId21"/>
+    <p:sldId id="260" r:id="rId22"/>
+    <p:sldId id="261" r:id="rId23"/>
+    <p:sldId id="262" r:id="rId24"/>
   </p:sldIdLst>
   <p:sldSz cx="12192000" cy="6858000"/>
   <p:notesSz cx="6858000" cy="9144000"/>
@@ -110,6 +126,11 @@
       </a:defRPr>
     </a:lvl9pPr>
   </p:defaultTextStyle>
+  <p:extLst>
+    <p:ext uri="{EFAFB233-063F-42B5-8137-9DF3F51BA10A}">
+      <p15:sldGuideLst xmlns:p15="http://schemas.microsoft.com/office/powerpoint/2012/main"/>
+    </p:ext>
+  </p:extLst>
 </p:presentation>
 </file>
 
@@ -564,7 +585,7 @@
           <a:p>
             <a:fld id="{20A96A68-6512-4ACF-BE81-5CB7B3C1F077}" type="datetimeFigureOut">
               <a:rPr lang="en-US" smtClean="0"/>
-              <a:t>8/2/2018</a:t>
+              <a:t>9/19/2018</a:t>
             </a:fld>
             <a:endParaRPr lang="en-US"/>
           </a:p>
@@ -845,7 +866,7 @@
           <a:p>
             <a:fld id="{20A96A68-6512-4ACF-BE81-5CB7B3C1F077}" type="datetimeFigureOut">
               <a:rPr lang="en-US" smtClean="0"/>
-              <a:t>8/2/2018</a:t>
+              <a:t>9/19/2018</a:t>
             </a:fld>
             <a:endParaRPr lang="en-US"/>
           </a:p>
@@ -1037,7 +1058,7 @@
           <a:p>
             <a:fld id="{20A96A68-6512-4ACF-BE81-5CB7B3C1F077}" type="datetimeFigureOut">
               <a:rPr lang="en-US" smtClean="0"/>
-              <a:t>8/2/2018</a:t>
+              <a:t>9/19/2018</a:t>
             </a:fld>
             <a:endParaRPr lang="en-US"/>
           </a:p>
@@ -1298,7 +1319,7 @@
           <a:p>
             <a:fld id="{20A96A68-6512-4ACF-BE81-5CB7B3C1F077}" type="datetimeFigureOut">
               <a:rPr lang="en-US" smtClean="0"/>
-              <a:t>8/2/2018</a:t>
+              <a:t>9/19/2018</a:t>
             </a:fld>
             <a:endParaRPr lang="en-US"/>
           </a:p>
@@ -1724,7 +1745,7 @@
           <a:p>
             <a:fld id="{20A96A68-6512-4ACF-BE81-5CB7B3C1F077}" type="datetimeFigureOut">
               <a:rPr lang="en-US" smtClean="0"/>
-              <a:t>8/2/2018</a:t>
+              <a:t>9/19/2018</a:t>
             </a:fld>
             <a:endParaRPr lang="en-US"/>
           </a:p>
@@ -2270,7 +2291,7 @@
           <a:p>
             <a:fld id="{20A96A68-6512-4ACF-BE81-5CB7B3C1F077}" type="datetimeFigureOut">
               <a:rPr lang="en-US" smtClean="0"/>
-              <a:t>8/2/2018</a:t>
+              <a:t>9/19/2018</a:t>
             </a:fld>
             <a:endParaRPr lang="en-US"/>
           </a:p>
@@ -3101,7 +3122,7 @@
           <a:p>
             <a:fld id="{20A96A68-6512-4ACF-BE81-5CB7B3C1F077}" type="datetimeFigureOut">
               <a:rPr lang="en-US" smtClean="0"/>
-              <a:t>8/2/2018</a:t>
+              <a:t>9/19/2018</a:t>
             </a:fld>
             <a:endParaRPr lang="en-US"/>
           </a:p>
@@ -3271,7 +3292,7 @@
           <a:p>
             <a:fld id="{20A96A68-6512-4ACF-BE81-5CB7B3C1F077}" type="datetimeFigureOut">
               <a:rPr lang="en-US" smtClean="0"/>
-              <a:t>8/2/2018</a:t>
+              <a:t>9/19/2018</a:t>
             </a:fld>
             <a:endParaRPr lang="en-US"/>
           </a:p>
@@ -3451,7 +3472,7 @@
           <a:p>
             <a:fld id="{20A96A68-6512-4ACF-BE81-5CB7B3C1F077}" type="datetimeFigureOut">
               <a:rPr lang="en-US" smtClean="0"/>
-              <a:t>8/2/2018</a:t>
+              <a:t>9/19/2018</a:t>
             </a:fld>
             <a:endParaRPr lang="en-US"/>
           </a:p>
@@ -3621,7 +3642,7 @@
           <a:p>
             <a:fld id="{20A96A68-6512-4ACF-BE81-5CB7B3C1F077}" type="datetimeFigureOut">
               <a:rPr lang="en-US" smtClean="0"/>
-              <a:t>8/2/2018</a:t>
+              <a:t>9/19/2018</a:t>
             </a:fld>
             <a:endParaRPr lang="en-US"/>
           </a:p>
@@ -3878,7 +3899,7 @@
           <a:p>
             <a:fld id="{20A96A68-6512-4ACF-BE81-5CB7B3C1F077}" type="datetimeFigureOut">
               <a:rPr lang="en-US" smtClean="0"/>
-              <a:t>8/2/2018</a:t>
+              <a:t>9/19/2018</a:t>
             </a:fld>
             <a:endParaRPr lang="en-US"/>
           </a:p>
@@ -4110,7 +4131,7 @@
           <a:p>
             <a:fld id="{20A96A68-6512-4ACF-BE81-5CB7B3C1F077}" type="datetimeFigureOut">
               <a:rPr lang="en-US" smtClean="0"/>
-              <a:t>8/2/2018</a:t>
+              <a:t>9/19/2018</a:t>
             </a:fld>
             <a:endParaRPr lang="en-US"/>
           </a:p>
@@ -4503,7 +4524,7 @@
           <a:p>
             <a:fld id="{20A96A68-6512-4ACF-BE81-5CB7B3C1F077}" type="datetimeFigureOut">
               <a:rPr lang="en-US" smtClean="0"/>
-              <a:t>8/2/2018</a:t>
+              <a:t>9/19/2018</a:t>
             </a:fld>
             <a:endParaRPr lang="en-US"/>
           </a:p>
@@ -4621,7 +4642,7 @@
           <a:p>
             <a:fld id="{20A96A68-6512-4ACF-BE81-5CB7B3C1F077}" type="datetimeFigureOut">
               <a:rPr lang="en-US" smtClean="0"/>
-              <a:t>8/2/2018</a:t>
+              <a:t>9/19/2018</a:t>
             </a:fld>
             <a:endParaRPr lang="en-US"/>
           </a:p>
@@ -4716,7 +4737,7 @@
           <a:p>
             <a:fld id="{20A96A68-6512-4ACF-BE81-5CB7B3C1F077}" type="datetimeFigureOut">
               <a:rPr lang="en-US" smtClean="0"/>
-              <a:t>8/2/2018</a:t>
+              <a:t>9/19/2018</a:t>
             </a:fld>
             <a:endParaRPr lang="en-US"/>
           </a:p>
@@ -4989,7 +5010,7 @@
           <a:p>
             <a:fld id="{20A96A68-6512-4ACF-BE81-5CB7B3C1F077}" type="datetimeFigureOut">
               <a:rPr lang="en-US" smtClean="0"/>
-              <a:t>8/2/2018</a:t>
+              <a:t>9/19/2018</a:t>
             </a:fld>
             <a:endParaRPr lang="en-US"/>
           </a:p>
@@ -5270,7 +5291,7 @@
           <a:p>
             <a:fld id="{20A96A68-6512-4ACF-BE81-5CB7B3C1F077}" type="datetimeFigureOut">
               <a:rPr lang="en-US" smtClean="0"/>
-              <a:t>8/2/2018</a:t>
+              <a:t>9/19/2018</a:t>
             </a:fld>
             <a:endParaRPr lang="en-US"/>
           </a:p>
@@ -5510,7 +5531,7 @@
           <a:p>
             <a:fld id="{20A96A68-6512-4ACF-BE81-5CB7B3C1F077}" type="datetimeFigureOut">
               <a:rPr lang="en-US" smtClean="0"/>
-              <a:t>8/2/2018</a:t>
+              <a:t>9/19/2018</a:t>
             </a:fld>
             <a:endParaRPr lang="en-US"/>
           </a:p>
@@ -6231,6 +6252,2946 @@
 </p:sld>
 </file>
 
+<file path=ppt/slides/slide10.xml><?xml version="1.0" encoding="utf-8"?>
+<p:sld xmlns:a="http://schemas.openxmlformats.org/drawingml/2006/main" xmlns:r="http://schemas.openxmlformats.org/officeDocument/2006/relationships" xmlns:p="http://schemas.openxmlformats.org/presentationml/2006/main">
+  <p:cSld>
+    <p:bg>
+      <p:bgPr>
+        <a:blipFill dpi="0" rotWithShape="1">
+          <a:blip r:embed="rId2">
+            <a:lum/>
+            <a:extLst/>
+          </a:blip>
+          <a:srcRect/>
+          <a:stretch>
+            <a:fillRect/>
+          </a:stretch>
+        </a:blipFill>
+        <a:effectLst/>
+      </p:bgPr>
+    </p:bg>
+    <p:spTree>
+      <p:nvGrpSpPr>
+        <p:cNvPr id="1" name=""/>
+        <p:cNvGrpSpPr/>
+        <p:nvPr/>
+      </p:nvGrpSpPr>
+      <p:grpSpPr>
+        <a:xfrm>
+          <a:off x="0" y="0"/>
+          <a:ext cx="0" cy="0"/>
+          <a:chOff x="0" y="0"/>
+          <a:chExt cx="0" cy="0"/>
+        </a:xfrm>
+      </p:grpSpPr>
+      <p:sp useBgFill="1">
+        <p:nvSpPr>
+          <p:cNvPr id="51" name="Rectangle 50">
+            <a:extLst>
+              <a:ext uri="{FF2B5EF4-FFF2-40B4-BE49-F238E27FC236}">
+                <a16:creationId xmlns:a16="http://schemas.microsoft.com/office/drawing/2014/main" id="{53C572C3-50CF-4B3D-9D6B-34AE74C16FC3}"/>
+              </a:ext>
+              <a:ext uri="{C183D7F6-B498-43B3-948B-1728B52AA6E4}">
+                <adec:decorative xmlns:adec="http://schemas.microsoft.com/office/drawing/2017/decorative" val="1"/>
+              </a:ext>
+            </a:extLst>
+          </p:cNvPr>
+          <p:cNvSpPr>
+            <a:spLocks noGrp="1" noRot="1" noChangeAspect="1" noMove="1" noResize="1" noEditPoints="1" noAdjustHandles="1" noChangeArrowheads="1" noChangeShapeType="1" noTextEdit="1"/>
+          </p:cNvSpPr>
+          <p:nvPr>
+            <p:extLst>
+              <p:ext uri="{386F3935-93C4-4BCD-93E2-E3B085C9AB24}">
+                <p16:designElem xmlns:p16="http://schemas.microsoft.com/office/powerpoint/2015/main" val="1"/>
+              </p:ext>
+            </p:extLst>
+          </p:nvPr>
+        </p:nvSpPr>
+        <p:spPr>
+          <a:xfrm>
+            <a:off x="0" y="0"/>
+            <a:ext cx="12192000" cy="6858000"/>
+          </a:xfrm>
+          <a:prstGeom prst="rect">
+            <a:avLst/>
+          </a:prstGeom>
+          <a:ln>
+            <a:noFill/>
+          </a:ln>
+        </p:spPr>
+        <p:style>
+          <a:lnRef idx="2">
+            <a:schemeClr val="accent1">
+              <a:shade val="50000"/>
+            </a:schemeClr>
+          </a:lnRef>
+          <a:fillRef idx="1">
+            <a:schemeClr val="accent1"/>
+          </a:fillRef>
+          <a:effectRef idx="0">
+            <a:schemeClr val="accent1"/>
+          </a:effectRef>
+          <a:fontRef idx="minor">
+            <a:schemeClr val="lt1"/>
+          </a:fontRef>
+        </p:style>
+        <p:txBody>
+          <a:bodyPr rtlCol="0" anchor="ctr"/>
+          <a:lstStyle/>
+          <a:p>
+            <a:pPr algn="ctr"/>
+            <a:endParaRPr lang="en-US"/>
+          </a:p>
+        </p:txBody>
+      </p:sp>
+      <p:sp>
+        <p:nvSpPr>
+          <p:cNvPr id="53" name="Rectangle 52">
+            <a:extLst>
+              <a:ext uri="{FF2B5EF4-FFF2-40B4-BE49-F238E27FC236}">
+                <a16:creationId xmlns:a16="http://schemas.microsoft.com/office/drawing/2014/main" id="{3E0D47CB-7BD5-4AB9-B25C-56750B645835}"/>
+              </a:ext>
+              <a:ext uri="{C183D7F6-B498-43B3-948B-1728B52AA6E4}">
+                <adec:decorative xmlns:adec="http://schemas.microsoft.com/office/drawing/2017/decorative" val="1"/>
+              </a:ext>
+            </a:extLst>
+          </p:cNvPr>
+          <p:cNvSpPr>
+            <a:spLocks noGrp="1" noRot="1" noChangeAspect="1" noMove="1" noResize="1" noEditPoints="1" noAdjustHandles="1" noChangeArrowheads="1" noChangeShapeType="1" noTextEdit="1"/>
+          </p:cNvSpPr>
+          <p:nvPr>
+            <p:extLst>
+              <p:ext uri="{386F3935-93C4-4BCD-93E2-E3B085C9AB24}">
+                <p16:designElem xmlns:p16="http://schemas.microsoft.com/office/powerpoint/2015/main" val="1"/>
+              </p:ext>
+            </p:extLst>
+          </p:nvPr>
+        </p:nvSpPr>
+        <p:spPr>
+          <a:xfrm>
+            <a:off x="643466" y="643468"/>
+            <a:ext cx="10905067" cy="5571066"/>
+          </a:xfrm>
+          <a:prstGeom prst="rect">
+            <a:avLst/>
+          </a:prstGeom>
+          <a:solidFill>
+            <a:srgbClr val="FFFFFF"/>
+          </a:solidFill>
+          <a:ln>
+            <a:noFill/>
+          </a:ln>
+        </p:spPr>
+        <p:style>
+          <a:lnRef idx="2">
+            <a:schemeClr val="accent1">
+              <a:shade val="50000"/>
+            </a:schemeClr>
+          </a:lnRef>
+          <a:fillRef idx="1">
+            <a:schemeClr val="accent1"/>
+          </a:fillRef>
+          <a:effectRef idx="0">
+            <a:schemeClr val="accent1"/>
+          </a:effectRef>
+          <a:fontRef idx="minor">
+            <a:schemeClr val="lt1"/>
+          </a:fontRef>
+        </p:style>
+        <p:txBody>
+          <a:bodyPr rtlCol="0" anchor="ctr"/>
+          <a:lstStyle/>
+          <a:p>
+            <a:pPr algn="ctr"/>
+            <a:endParaRPr lang="en-US"/>
+          </a:p>
+        </p:txBody>
+      </p:sp>
+      <p:cxnSp>
+        <p:nvCxnSpPr>
+          <p:cNvPr id="55" name="Straight Connector 54">
+            <a:extLst>
+              <a:ext uri="{FF2B5EF4-FFF2-40B4-BE49-F238E27FC236}">
+                <a16:creationId xmlns:a16="http://schemas.microsoft.com/office/drawing/2014/main" id="{CB93E6D0-3FB9-4871-8AD0-DC05E0E6FA74}"/>
+              </a:ext>
+              <a:ext uri="{C183D7F6-B498-43B3-948B-1728B52AA6E4}">
+                <adec:decorative xmlns:adec="http://schemas.microsoft.com/office/drawing/2017/decorative" val="1"/>
+              </a:ext>
+            </a:extLst>
+          </p:cNvPr>
+          <p:cNvCxnSpPr>
+            <a:cxnSpLocks noGrp="1" noRot="1" noChangeAspect="1" noMove="1" noResize="1" noEditPoints="1" noAdjustHandles="1" noChangeArrowheads="1" noChangeShapeType="1"/>
+          </p:cNvCxnSpPr>
+          <p:nvPr>
+            <p:extLst>
+              <p:ext uri="{386F3935-93C4-4BCD-93E2-E3B085C9AB24}">
+                <p16:designElem xmlns:p16="http://schemas.microsoft.com/office/powerpoint/2015/main" val="1"/>
+              </p:ext>
+            </p:extLst>
+          </p:nvPr>
+        </p:nvCxnSpPr>
+        <p:spPr>
+          <a:xfrm>
+            <a:off x="6096000" y="1482969"/>
+            <a:ext cx="0" cy="3848100"/>
+          </a:xfrm>
+          <a:prstGeom prst="line">
+            <a:avLst/>
+          </a:prstGeom>
+          <a:ln>
+            <a:solidFill>
+              <a:schemeClr val="tx1">
+                <a:lumMod val="75000"/>
+              </a:schemeClr>
+            </a:solidFill>
+          </a:ln>
+        </p:spPr>
+        <p:style>
+          <a:lnRef idx="1">
+            <a:schemeClr val="accent1"/>
+          </a:lnRef>
+          <a:fillRef idx="0">
+            <a:schemeClr val="accent1"/>
+          </a:fillRef>
+          <a:effectRef idx="0">
+            <a:schemeClr val="accent1"/>
+          </a:effectRef>
+          <a:fontRef idx="minor">
+            <a:schemeClr val="tx1"/>
+          </a:fontRef>
+        </p:style>
+      </p:cxnSp>
+      <p:pic>
+        <p:nvPicPr>
+          <p:cNvPr id="3" name="Picture 2">
+            <a:extLst>
+              <a:ext uri="{FF2B5EF4-FFF2-40B4-BE49-F238E27FC236}">
+                <a16:creationId xmlns:a16="http://schemas.microsoft.com/office/drawing/2014/main" id="{DA771831-44F2-4974-81C5-1F8BF10C61A5}"/>
+              </a:ext>
+            </a:extLst>
+          </p:cNvPr>
+          <p:cNvPicPr>
+            <a:picLocks noChangeAspect="1"/>
+          </p:cNvPicPr>
+          <p:nvPr/>
+        </p:nvPicPr>
+        <p:blipFill>
+          <a:blip r:embed="rId3"/>
+          <a:stretch>
+            <a:fillRect/>
+          </a:stretch>
+        </p:blipFill>
+        <p:spPr>
+          <a:xfrm>
+            <a:off x="962520" y="2555070"/>
+            <a:ext cx="4840229" cy="1747860"/>
+          </a:xfrm>
+          <a:prstGeom prst="rect">
+            <a:avLst/>
+          </a:prstGeom>
+        </p:spPr>
+      </p:pic>
+      <p:pic>
+        <p:nvPicPr>
+          <p:cNvPr id="5" name="Picture 4">
+            <a:extLst>
+              <a:ext uri="{FF2B5EF4-FFF2-40B4-BE49-F238E27FC236}">
+                <a16:creationId xmlns:a16="http://schemas.microsoft.com/office/drawing/2014/main" id="{003DE127-F3DA-4BD3-877F-88DBCF924A24}"/>
+              </a:ext>
+            </a:extLst>
+          </p:cNvPr>
+          <p:cNvPicPr>
+            <a:picLocks noChangeAspect="1"/>
+          </p:cNvPicPr>
+          <p:nvPr/>
+        </p:nvPicPr>
+        <p:blipFill>
+          <a:blip r:embed="rId4"/>
+          <a:stretch>
+            <a:fillRect/>
+          </a:stretch>
+        </p:blipFill>
+        <p:spPr>
+          <a:xfrm>
+            <a:off x="6446215" y="2571750"/>
+            <a:ext cx="4419600" cy="1714500"/>
+          </a:xfrm>
+          <a:prstGeom prst="rect">
+            <a:avLst/>
+          </a:prstGeom>
+        </p:spPr>
+      </p:pic>
+    </p:spTree>
+    <p:extLst>
+      <p:ext uri="{BB962C8B-B14F-4D97-AF65-F5344CB8AC3E}">
+        <p14:creationId xmlns:p14="http://schemas.microsoft.com/office/powerpoint/2010/main" val="2293225289"/>
+      </p:ext>
+    </p:extLst>
+  </p:cSld>
+  <p:clrMapOvr>
+    <a:masterClrMapping/>
+  </p:clrMapOvr>
+</p:sld>
+</file>
+
+<file path=ppt/slides/slide11.xml><?xml version="1.0" encoding="utf-8"?>
+<p:sld xmlns:a="http://schemas.openxmlformats.org/drawingml/2006/main" xmlns:r="http://schemas.openxmlformats.org/officeDocument/2006/relationships" xmlns:p="http://schemas.openxmlformats.org/presentationml/2006/main">
+  <p:cSld>
+    <p:bg>
+      <p:bgPr>
+        <a:blipFill dpi="0" rotWithShape="1">
+          <a:blip r:embed="rId2">
+            <a:lum/>
+            <a:extLst/>
+          </a:blip>
+          <a:srcRect/>
+          <a:stretch>
+            <a:fillRect/>
+          </a:stretch>
+        </a:blipFill>
+        <a:effectLst/>
+      </p:bgPr>
+    </p:bg>
+    <p:spTree>
+      <p:nvGrpSpPr>
+        <p:cNvPr id="1" name=""/>
+        <p:cNvGrpSpPr/>
+        <p:nvPr/>
+      </p:nvGrpSpPr>
+      <p:grpSpPr>
+        <a:xfrm>
+          <a:off x="0" y="0"/>
+          <a:ext cx="0" cy="0"/>
+          <a:chOff x="0" y="0"/>
+          <a:chExt cx="0" cy="0"/>
+        </a:xfrm>
+      </p:grpSpPr>
+      <p:sp useBgFill="1">
+        <p:nvSpPr>
+          <p:cNvPr id="51" name="Rectangle 50">
+            <a:extLst>
+              <a:ext uri="{FF2B5EF4-FFF2-40B4-BE49-F238E27FC236}">
+                <a16:creationId xmlns:a16="http://schemas.microsoft.com/office/drawing/2014/main" id="{53C572C3-50CF-4B3D-9D6B-34AE74C16FC3}"/>
+              </a:ext>
+              <a:ext uri="{C183D7F6-B498-43B3-948B-1728B52AA6E4}">
+                <adec:decorative xmlns:adec="http://schemas.microsoft.com/office/drawing/2017/decorative" val="1"/>
+              </a:ext>
+            </a:extLst>
+          </p:cNvPr>
+          <p:cNvSpPr>
+            <a:spLocks noGrp="1" noRot="1" noChangeAspect="1" noMove="1" noResize="1" noEditPoints="1" noAdjustHandles="1" noChangeArrowheads="1" noChangeShapeType="1" noTextEdit="1"/>
+          </p:cNvSpPr>
+          <p:nvPr>
+            <p:extLst>
+              <p:ext uri="{386F3935-93C4-4BCD-93E2-E3B085C9AB24}">
+                <p16:designElem xmlns:p16="http://schemas.microsoft.com/office/powerpoint/2015/main" val="1"/>
+              </p:ext>
+            </p:extLst>
+          </p:nvPr>
+        </p:nvSpPr>
+        <p:spPr>
+          <a:xfrm>
+            <a:off x="0" y="0"/>
+            <a:ext cx="12192000" cy="6858000"/>
+          </a:xfrm>
+          <a:prstGeom prst="rect">
+            <a:avLst/>
+          </a:prstGeom>
+          <a:ln>
+            <a:noFill/>
+          </a:ln>
+        </p:spPr>
+        <p:style>
+          <a:lnRef idx="2">
+            <a:schemeClr val="accent1">
+              <a:shade val="50000"/>
+            </a:schemeClr>
+          </a:lnRef>
+          <a:fillRef idx="1">
+            <a:schemeClr val="accent1"/>
+          </a:fillRef>
+          <a:effectRef idx="0">
+            <a:schemeClr val="accent1"/>
+          </a:effectRef>
+          <a:fontRef idx="minor">
+            <a:schemeClr val="lt1"/>
+          </a:fontRef>
+        </p:style>
+        <p:txBody>
+          <a:bodyPr rtlCol="0" anchor="ctr"/>
+          <a:lstStyle/>
+          <a:p>
+            <a:pPr algn="ctr"/>
+            <a:endParaRPr lang="en-US"/>
+          </a:p>
+        </p:txBody>
+      </p:sp>
+      <p:sp>
+        <p:nvSpPr>
+          <p:cNvPr id="53" name="Rectangle 52">
+            <a:extLst>
+              <a:ext uri="{FF2B5EF4-FFF2-40B4-BE49-F238E27FC236}">
+                <a16:creationId xmlns:a16="http://schemas.microsoft.com/office/drawing/2014/main" id="{3E0D47CB-7BD5-4AB9-B25C-56750B645835}"/>
+              </a:ext>
+              <a:ext uri="{C183D7F6-B498-43B3-948B-1728B52AA6E4}">
+                <adec:decorative xmlns:adec="http://schemas.microsoft.com/office/drawing/2017/decorative" val="1"/>
+              </a:ext>
+            </a:extLst>
+          </p:cNvPr>
+          <p:cNvSpPr>
+            <a:spLocks noGrp="1" noRot="1" noChangeAspect="1" noMove="1" noResize="1" noEditPoints="1" noAdjustHandles="1" noChangeArrowheads="1" noChangeShapeType="1" noTextEdit="1"/>
+          </p:cNvSpPr>
+          <p:nvPr>
+            <p:extLst>
+              <p:ext uri="{386F3935-93C4-4BCD-93E2-E3B085C9AB24}">
+                <p16:designElem xmlns:p16="http://schemas.microsoft.com/office/powerpoint/2015/main" val="1"/>
+              </p:ext>
+            </p:extLst>
+          </p:nvPr>
+        </p:nvSpPr>
+        <p:spPr>
+          <a:xfrm>
+            <a:off x="643466" y="643468"/>
+            <a:ext cx="10905067" cy="5571066"/>
+          </a:xfrm>
+          <a:prstGeom prst="rect">
+            <a:avLst/>
+          </a:prstGeom>
+          <a:solidFill>
+            <a:srgbClr val="FFFFFF"/>
+          </a:solidFill>
+          <a:ln>
+            <a:noFill/>
+          </a:ln>
+        </p:spPr>
+        <p:style>
+          <a:lnRef idx="2">
+            <a:schemeClr val="accent1">
+              <a:shade val="50000"/>
+            </a:schemeClr>
+          </a:lnRef>
+          <a:fillRef idx="1">
+            <a:schemeClr val="accent1"/>
+          </a:fillRef>
+          <a:effectRef idx="0">
+            <a:schemeClr val="accent1"/>
+          </a:effectRef>
+          <a:fontRef idx="minor">
+            <a:schemeClr val="lt1"/>
+          </a:fontRef>
+        </p:style>
+        <p:txBody>
+          <a:bodyPr rtlCol="0" anchor="ctr"/>
+          <a:lstStyle/>
+          <a:p>
+            <a:pPr algn="ctr"/>
+            <a:endParaRPr lang="en-US"/>
+          </a:p>
+        </p:txBody>
+      </p:sp>
+      <p:cxnSp>
+        <p:nvCxnSpPr>
+          <p:cNvPr id="55" name="Straight Connector 54">
+            <a:extLst>
+              <a:ext uri="{FF2B5EF4-FFF2-40B4-BE49-F238E27FC236}">
+                <a16:creationId xmlns:a16="http://schemas.microsoft.com/office/drawing/2014/main" id="{CB93E6D0-3FB9-4871-8AD0-DC05E0E6FA74}"/>
+              </a:ext>
+              <a:ext uri="{C183D7F6-B498-43B3-948B-1728B52AA6E4}">
+                <adec:decorative xmlns:adec="http://schemas.microsoft.com/office/drawing/2017/decorative" val="1"/>
+              </a:ext>
+            </a:extLst>
+          </p:cNvPr>
+          <p:cNvCxnSpPr>
+            <a:cxnSpLocks noGrp="1" noRot="1" noChangeAspect="1" noMove="1" noResize="1" noEditPoints="1" noAdjustHandles="1" noChangeArrowheads="1" noChangeShapeType="1"/>
+          </p:cNvCxnSpPr>
+          <p:nvPr>
+            <p:extLst>
+              <p:ext uri="{386F3935-93C4-4BCD-93E2-E3B085C9AB24}">
+                <p16:designElem xmlns:p16="http://schemas.microsoft.com/office/powerpoint/2015/main" val="1"/>
+              </p:ext>
+            </p:extLst>
+          </p:nvPr>
+        </p:nvCxnSpPr>
+        <p:spPr>
+          <a:xfrm>
+            <a:off x="6096000" y="1482969"/>
+            <a:ext cx="0" cy="3848100"/>
+          </a:xfrm>
+          <a:prstGeom prst="line">
+            <a:avLst/>
+          </a:prstGeom>
+          <a:ln>
+            <a:solidFill>
+              <a:schemeClr val="tx1">
+                <a:lumMod val="75000"/>
+              </a:schemeClr>
+            </a:solidFill>
+          </a:ln>
+        </p:spPr>
+        <p:style>
+          <a:lnRef idx="1">
+            <a:schemeClr val="accent1"/>
+          </a:lnRef>
+          <a:fillRef idx="0">
+            <a:schemeClr val="accent1"/>
+          </a:fillRef>
+          <a:effectRef idx="0">
+            <a:schemeClr val="accent1"/>
+          </a:effectRef>
+          <a:fontRef idx="minor">
+            <a:schemeClr val="tx1"/>
+          </a:fontRef>
+        </p:style>
+      </p:cxnSp>
+      <p:pic>
+        <p:nvPicPr>
+          <p:cNvPr id="2" name="Picture 1">
+            <a:extLst>
+              <a:ext uri="{FF2B5EF4-FFF2-40B4-BE49-F238E27FC236}">
+                <a16:creationId xmlns:a16="http://schemas.microsoft.com/office/drawing/2014/main" id="{F9E0EE02-EA6E-41FD-9227-0FA7F033AEA3}"/>
+              </a:ext>
+            </a:extLst>
+          </p:cNvPr>
+          <p:cNvPicPr>
+            <a:picLocks noChangeAspect="1"/>
+          </p:cNvPicPr>
+          <p:nvPr/>
+        </p:nvPicPr>
+        <p:blipFill>
+          <a:blip r:embed="rId3"/>
+          <a:stretch>
+            <a:fillRect/>
+          </a:stretch>
+        </p:blipFill>
+        <p:spPr>
+          <a:xfrm>
+            <a:off x="1623199" y="1992556"/>
+            <a:ext cx="3571875" cy="2828925"/>
+          </a:xfrm>
+          <a:prstGeom prst="rect">
+            <a:avLst/>
+          </a:prstGeom>
+        </p:spPr>
+      </p:pic>
+      <p:pic>
+        <p:nvPicPr>
+          <p:cNvPr id="4" name="Picture 3">
+            <a:extLst>
+              <a:ext uri="{FF2B5EF4-FFF2-40B4-BE49-F238E27FC236}">
+                <a16:creationId xmlns:a16="http://schemas.microsoft.com/office/drawing/2014/main" id="{83918691-821F-4499-9AF4-D93DE6E6769F}"/>
+              </a:ext>
+            </a:extLst>
+          </p:cNvPr>
+          <p:cNvPicPr>
+            <a:picLocks noChangeAspect="1"/>
+          </p:cNvPicPr>
+          <p:nvPr/>
+        </p:nvPicPr>
+        <p:blipFill>
+          <a:blip r:embed="rId4"/>
+          <a:stretch>
+            <a:fillRect/>
+          </a:stretch>
+        </p:blipFill>
+        <p:spPr>
+          <a:xfrm>
+            <a:off x="6996927" y="2244969"/>
+            <a:ext cx="3552825" cy="3086100"/>
+          </a:xfrm>
+          <a:prstGeom prst="rect">
+            <a:avLst/>
+          </a:prstGeom>
+        </p:spPr>
+      </p:pic>
+    </p:spTree>
+    <p:extLst>
+      <p:ext uri="{BB962C8B-B14F-4D97-AF65-F5344CB8AC3E}">
+        <p14:creationId xmlns:p14="http://schemas.microsoft.com/office/powerpoint/2010/main" val="1886160005"/>
+      </p:ext>
+    </p:extLst>
+  </p:cSld>
+  <p:clrMapOvr>
+    <a:masterClrMapping/>
+  </p:clrMapOvr>
+</p:sld>
+</file>
+
+<file path=ppt/slides/slide12.xml><?xml version="1.0" encoding="utf-8"?>
+<p:sld xmlns:a="http://schemas.openxmlformats.org/drawingml/2006/main" xmlns:r="http://schemas.openxmlformats.org/officeDocument/2006/relationships" xmlns:p="http://schemas.openxmlformats.org/presentationml/2006/main">
+  <p:cSld>
+    <p:bg>
+      <p:bgPr>
+        <a:blipFill dpi="0" rotWithShape="1">
+          <a:blip r:embed="rId2">
+            <a:lum/>
+            <a:extLst/>
+          </a:blip>
+          <a:srcRect/>
+          <a:stretch>
+            <a:fillRect/>
+          </a:stretch>
+        </a:blipFill>
+        <a:effectLst/>
+      </p:bgPr>
+    </p:bg>
+    <p:spTree>
+      <p:nvGrpSpPr>
+        <p:cNvPr id="1" name=""/>
+        <p:cNvGrpSpPr/>
+        <p:nvPr/>
+      </p:nvGrpSpPr>
+      <p:grpSpPr>
+        <a:xfrm>
+          <a:off x="0" y="0"/>
+          <a:ext cx="0" cy="0"/>
+          <a:chOff x="0" y="0"/>
+          <a:chExt cx="0" cy="0"/>
+        </a:xfrm>
+      </p:grpSpPr>
+      <p:sp useBgFill="1">
+        <p:nvSpPr>
+          <p:cNvPr id="51" name="Rectangle 50">
+            <a:extLst>
+              <a:ext uri="{FF2B5EF4-FFF2-40B4-BE49-F238E27FC236}">
+                <a16:creationId xmlns:a16="http://schemas.microsoft.com/office/drawing/2014/main" id="{53C572C3-50CF-4B3D-9D6B-34AE74C16FC3}"/>
+              </a:ext>
+              <a:ext uri="{C183D7F6-B498-43B3-948B-1728B52AA6E4}">
+                <adec:decorative xmlns:adec="http://schemas.microsoft.com/office/drawing/2017/decorative" val="1"/>
+              </a:ext>
+            </a:extLst>
+          </p:cNvPr>
+          <p:cNvSpPr>
+            <a:spLocks noGrp="1" noRot="1" noChangeAspect="1" noMove="1" noResize="1" noEditPoints="1" noAdjustHandles="1" noChangeArrowheads="1" noChangeShapeType="1" noTextEdit="1"/>
+          </p:cNvSpPr>
+          <p:nvPr>
+            <p:extLst>
+              <p:ext uri="{386F3935-93C4-4BCD-93E2-E3B085C9AB24}">
+                <p16:designElem xmlns:p16="http://schemas.microsoft.com/office/powerpoint/2015/main" val="1"/>
+              </p:ext>
+            </p:extLst>
+          </p:nvPr>
+        </p:nvSpPr>
+        <p:spPr>
+          <a:xfrm>
+            <a:off x="0" y="0"/>
+            <a:ext cx="12192000" cy="6858000"/>
+          </a:xfrm>
+          <a:prstGeom prst="rect">
+            <a:avLst/>
+          </a:prstGeom>
+          <a:ln>
+            <a:noFill/>
+          </a:ln>
+        </p:spPr>
+        <p:style>
+          <a:lnRef idx="2">
+            <a:schemeClr val="accent1">
+              <a:shade val="50000"/>
+            </a:schemeClr>
+          </a:lnRef>
+          <a:fillRef idx="1">
+            <a:schemeClr val="accent1"/>
+          </a:fillRef>
+          <a:effectRef idx="0">
+            <a:schemeClr val="accent1"/>
+          </a:effectRef>
+          <a:fontRef idx="minor">
+            <a:schemeClr val="lt1"/>
+          </a:fontRef>
+        </p:style>
+        <p:txBody>
+          <a:bodyPr rtlCol="0" anchor="ctr"/>
+          <a:lstStyle/>
+          <a:p>
+            <a:pPr algn="ctr"/>
+            <a:endParaRPr lang="en-US"/>
+          </a:p>
+        </p:txBody>
+      </p:sp>
+      <p:sp>
+        <p:nvSpPr>
+          <p:cNvPr id="53" name="Rectangle 52">
+            <a:extLst>
+              <a:ext uri="{FF2B5EF4-FFF2-40B4-BE49-F238E27FC236}">
+                <a16:creationId xmlns:a16="http://schemas.microsoft.com/office/drawing/2014/main" id="{3E0D47CB-7BD5-4AB9-B25C-56750B645835}"/>
+              </a:ext>
+              <a:ext uri="{C183D7F6-B498-43B3-948B-1728B52AA6E4}">
+                <adec:decorative xmlns:adec="http://schemas.microsoft.com/office/drawing/2017/decorative" val="1"/>
+              </a:ext>
+            </a:extLst>
+          </p:cNvPr>
+          <p:cNvSpPr>
+            <a:spLocks noGrp="1" noRot="1" noChangeAspect="1" noMove="1" noResize="1" noEditPoints="1" noAdjustHandles="1" noChangeArrowheads="1" noChangeShapeType="1" noTextEdit="1"/>
+          </p:cNvSpPr>
+          <p:nvPr>
+            <p:extLst>
+              <p:ext uri="{386F3935-93C4-4BCD-93E2-E3B085C9AB24}">
+                <p16:designElem xmlns:p16="http://schemas.microsoft.com/office/powerpoint/2015/main" val="1"/>
+              </p:ext>
+            </p:extLst>
+          </p:nvPr>
+        </p:nvSpPr>
+        <p:spPr>
+          <a:xfrm>
+            <a:off x="643466" y="643468"/>
+            <a:ext cx="10905067" cy="5571066"/>
+          </a:xfrm>
+          <a:prstGeom prst="rect">
+            <a:avLst/>
+          </a:prstGeom>
+          <a:solidFill>
+            <a:srgbClr val="FFFFFF"/>
+          </a:solidFill>
+          <a:ln>
+            <a:noFill/>
+          </a:ln>
+        </p:spPr>
+        <p:style>
+          <a:lnRef idx="2">
+            <a:schemeClr val="accent1">
+              <a:shade val="50000"/>
+            </a:schemeClr>
+          </a:lnRef>
+          <a:fillRef idx="1">
+            <a:schemeClr val="accent1"/>
+          </a:fillRef>
+          <a:effectRef idx="0">
+            <a:schemeClr val="accent1"/>
+          </a:effectRef>
+          <a:fontRef idx="minor">
+            <a:schemeClr val="lt1"/>
+          </a:fontRef>
+        </p:style>
+        <p:txBody>
+          <a:bodyPr rtlCol="0" anchor="ctr"/>
+          <a:lstStyle/>
+          <a:p>
+            <a:pPr algn="ctr"/>
+            <a:endParaRPr lang="en-US"/>
+          </a:p>
+        </p:txBody>
+      </p:sp>
+      <p:cxnSp>
+        <p:nvCxnSpPr>
+          <p:cNvPr id="55" name="Straight Connector 54">
+            <a:extLst>
+              <a:ext uri="{FF2B5EF4-FFF2-40B4-BE49-F238E27FC236}">
+                <a16:creationId xmlns:a16="http://schemas.microsoft.com/office/drawing/2014/main" id="{CB93E6D0-3FB9-4871-8AD0-DC05E0E6FA74}"/>
+              </a:ext>
+              <a:ext uri="{C183D7F6-B498-43B3-948B-1728B52AA6E4}">
+                <adec:decorative xmlns:adec="http://schemas.microsoft.com/office/drawing/2017/decorative" val="1"/>
+              </a:ext>
+            </a:extLst>
+          </p:cNvPr>
+          <p:cNvCxnSpPr>
+            <a:cxnSpLocks noGrp="1" noRot="1" noChangeAspect="1" noMove="1" noResize="1" noEditPoints="1" noAdjustHandles="1" noChangeArrowheads="1" noChangeShapeType="1"/>
+          </p:cNvCxnSpPr>
+          <p:nvPr>
+            <p:extLst>
+              <p:ext uri="{386F3935-93C4-4BCD-93E2-E3B085C9AB24}">
+                <p16:designElem xmlns:p16="http://schemas.microsoft.com/office/powerpoint/2015/main" val="1"/>
+              </p:ext>
+            </p:extLst>
+          </p:nvPr>
+        </p:nvCxnSpPr>
+        <p:spPr>
+          <a:xfrm>
+            <a:off x="6096000" y="1482969"/>
+            <a:ext cx="0" cy="3848100"/>
+          </a:xfrm>
+          <a:prstGeom prst="line">
+            <a:avLst/>
+          </a:prstGeom>
+          <a:ln>
+            <a:solidFill>
+              <a:schemeClr val="tx1">
+                <a:lumMod val="75000"/>
+              </a:schemeClr>
+            </a:solidFill>
+          </a:ln>
+        </p:spPr>
+        <p:style>
+          <a:lnRef idx="1">
+            <a:schemeClr val="accent1"/>
+          </a:lnRef>
+          <a:fillRef idx="0">
+            <a:schemeClr val="accent1"/>
+          </a:fillRef>
+          <a:effectRef idx="0">
+            <a:schemeClr val="accent1"/>
+          </a:effectRef>
+          <a:fontRef idx="minor">
+            <a:schemeClr val="tx1"/>
+          </a:fontRef>
+        </p:style>
+      </p:cxnSp>
+      <p:pic>
+        <p:nvPicPr>
+          <p:cNvPr id="3" name="Picture 2">
+            <a:extLst>
+              <a:ext uri="{FF2B5EF4-FFF2-40B4-BE49-F238E27FC236}">
+                <a16:creationId xmlns:a16="http://schemas.microsoft.com/office/drawing/2014/main" id="{7EDA1915-F3F6-4979-BAFC-CE02444FC559}"/>
+              </a:ext>
+            </a:extLst>
+          </p:cNvPr>
+          <p:cNvPicPr>
+            <a:picLocks noChangeAspect="1"/>
+          </p:cNvPicPr>
+          <p:nvPr/>
+        </p:nvPicPr>
+        <p:blipFill>
+          <a:blip r:embed="rId3"/>
+          <a:stretch>
+            <a:fillRect/>
+          </a:stretch>
+        </p:blipFill>
+        <p:spPr>
+          <a:xfrm>
+            <a:off x="1361420" y="1111265"/>
+            <a:ext cx="3514725" cy="1619250"/>
+          </a:xfrm>
+          <a:prstGeom prst="rect">
+            <a:avLst/>
+          </a:prstGeom>
+        </p:spPr>
+      </p:pic>
+      <p:pic>
+        <p:nvPicPr>
+          <p:cNvPr id="5" name="Picture 4">
+            <a:extLst>
+              <a:ext uri="{FF2B5EF4-FFF2-40B4-BE49-F238E27FC236}">
+                <a16:creationId xmlns:a16="http://schemas.microsoft.com/office/drawing/2014/main" id="{9637576A-48CF-4CF8-AEED-3E4E2CFB2F7A}"/>
+              </a:ext>
+            </a:extLst>
+          </p:cNvPr>
+          <p:cNvPicPr>
+            <a:picLocks noChangeAspect="1"/>
+          </p:cNvPicPr>
+          <p:nvPr/>
+        </p:nvPicPr>
+        <p:blipFill>
+          <a:blip r:embed="rId4"/>
+          <a:stretch>
+            <a:fillRect/>
+          </a:stretch>
+        </p:blipFill>
+        <p:spPr>
+          <a:xfrm>
+            <a:off x="1303322" y="3213717"/>
+            <a:ext cx="3457575" cy="2009775"/>
+          </a:xfrm>
+          <a:prstGeom prst="rect">
+            <a:avLst/>
+          </a:prstGeom>
+        </p:spPr>
+      </p:pic>
+      <p:pic>
+        <p:nvPicPr>
+          <p:cNvPr id="7" name="Picture 6">
+            <a:extLst>
+              <a:ext uri="{FF2B5EF4-FFF2-40B4-BE49-F238E27FC236}">
+                <a16:creationId xmlns:a16="http://schemas.microsoft.com/office/drawing/2014/main" id="{7534D5A6-8CD5-4E47-AF2E-58DBB20C5680}"/>
+              </a:ext>
+            </a:extLst>
+          </p:cNvPr>
+          <p:cNvPicPr>
+            <a:picLocks noChangeAspect="1"/>
+          </p:cNvPicPr>
+          <p:nvPr/>
+        </p:nvPicPr>
+        <p:blipFill>
+          <a:blip r:embed="rId5"/>
+          <a:stretch>
+            <a:fillRect/>
+          </a:stretch>
+        </p:blipFill>
+        <p:spPr>
+          <a:xfrm>
+            <a:off x="7094183" y="4118592"/>
+            <a:ext cx="3048000" cy="1104900"/>
+          </a:xfrm>
+          <a:prstGeom prst="rect">
+            <a:avLst/>
+          </a:prstGeom>
+        </p:spPr>
+      </p:pic>
+      <p:pic>
+        <p:nvPicPr>
+          <p:cNvPr id="8" name="Picture 7">
+            <a:extLst>
+              <a:ext uri="{FF2B5EF4-FFF2-40B4-BE49-F238E27FC236}">
+                <a16:creationId xmlns:a16="http://schemas.microsoft.com/office/drawing/2014/main" id="{21107081-5A4F-44B2-8169-6D04582CB3B1}"/>
+              </a:ext>
+            </a:extLst>
+          </p:cNvPr>
+          <p:cNvPicPr>
+            <a:picLocks noChangeAspect="1"/>
+          </p:cNvPicPr>
+          <p:nvPr/>
+        </p:nvPicPr>
+        <p:blipFill>
+          <a:blip r:embed="rId6"/>
+          <a:stretch>
+            <a:fillRect/>
+          </a:stretch>
+        </p:blipFill>
+        <p:spPr>
+          <a:xfrm>
+            <a:off x="7251346" y="1226152"/>
+            <a:ext cx="2733675" cy="2628900"/>
+          </a:xfrm>
+          <a:prstGeom prst="rect">
+            <a:avLst/>
+          </a:prstGeom>
+        </p:spPr>
+      </p:pic>
+    </p:spTree>
+    <p:extLst>
+      <p:ext uri="{BB962C8B-B14F-4D97-AF65-F5344CB8AC3E}">
+        <p14:creationId xmlns:p14="http://schemas.microsoft.com/office/powerpoint/2010/main" val="402375514"/>
+      </p:ext>
+    </p:extLst>
+  </p:cSld>
+  <p:clrMapOvr>
+    <a:masterClrMapping/>
+  </p:clrMapOvr>
+</p:sld>
+</file>
+
+<file path=ppt/slides/slide13.xml><?xml version="1.0" encoding="utf-8"?>
+<p:sld xmlns:a="http://schemas.openxmlformats.org/drawingml/2006/main" xmlns:r="http://schemas.openxmlformats.org/officeDocument/2006/relationships" xmlns:p="http://schemas.openxmlformats.org/presentationml/2006/main">
+  <p:cSld>
+    <p:bg>
+      <p:bgPr>
+        <a:blipFill dpi="0" rotWithShape="1">
+          <a:blip r:embed="rId2">
+            <a:lum/>
+            <a:extLst/>
+          </a:blip>
+          <a:srcRect/>
+          <a:stretch>
+            <a:fillRect/>
+          </a:stretch>
+        </a:blipFill>
+        <a:effectLst/>
+      </p:bgPr>
+    </p:bg>
+    <p:spTree>
+      <p:nvGrpSpPr>
+        <p:cNvPr id="1" name=""/>
+        <p:cNvGrpSpPr/>
+        <p:nvPr/>
+      </p:nvGrpSpPr>
+      <p:grpSpPr>
+        <a:xfrm>
+          <a:off x="0" y="0"/>
+          <a:ext cx="0" cy="0"/>
+          <a:chOff x="0" y="0"/>
+          <a:chExt cx="0" cy="0"/>
+        </a:xfrm>
+      </p:grpSpPr>
+      <p:sp useBgFill="1">
+        <p:nvSpPr>
+          <p:cNvPr id="51" name="Rectangle 50">
+            <a:extLst>
+              <a:ext uri="{FF2B5EF4-FFF2-40B4-BE49-F238E27FC236}">
+                <a16:creationId xmlns:a16="http://schemas.microsoft.com/office/drawing/2014/main" id="{53C572C3-50CF-4B3D-9D6B-34AE74C16FC3}"/>
+              </a:ext>
+              <a:ext uri="{C183D7F6-B498-43B3-948B-1728B52AA6E4}">
+                <adec:decorative xmlns:adec="http://schemas.microsoft.com/office/drawing/2017/decorative" val="1"/>
+              </a:ext>
+            </a:extLst>
+          </p:cNvPr>
+          <p:cNvSpPr>
+            <a:spLocks noGrp="1" noRot="1" noChangeAspect="1" noMove="1" noResize="1" noEditPoints="1" noAdjustHandles="1" noChangeArrowheads="1" noChangeShapeType="1" noTextEdit="1"/>
+          </p:cNvSpPr>
+          <p:nvPr>
+            <p:extLst>
+              <p:ext uri="{386F3935-93C4-4BCD-93E2-E3B085C9AB24}">
+                <p16:designElem xmlns:p16="http://schemas.microsoft.com/office/powerpoint/2015/main" val="1"/>
+              </p:ext>
+            </p:extLst>
+          </p:nvPr>
+        </p:nvSpPr>
+        <p:spPr>
+          <a:xfrm>
+            <a:off x="0" y="0"/>
+            <a:ext cx="12192000" cy="6858000"/>
+          </a:xfrm>
+          <a:prstGeom prst="rect">
+            <a:avLst/>
+          </a:prstGeom>
+          <a:ln>
+            <a:noFill/>
+          </a:ln>
+        </p:spPr>
+        <p:style>
+          <a:lnRef idx="2">
+            <a:schemeClr val="accent1">
+              <a:shade val="50000"/>
+            </a:schemeClr>
+          </a:lnRef>
+          <a:fillRef idx="1">
+            <a:schemeClr val="accent1"/>
+          </a:fillRef>
+          <a:effectRef idx="0">
+            <a:schemeClr val="accent1"/>
+          </a:effectRef>
+          <a:fontRef idx="minor">
+            <a:schemeClr val="lt1"/>
+          </a:fontRef>
+        </p:style>
+        <p:txBody>
+          <a:bodyPr rtlCol="0" anchor="ctr"/>
+          <a:lstStyle/>
+          <a:p>
+            <a:pPr algn="ctr"/>
+            <a:endParaRPr lang="en-US"/>
+          </a:p>
+        </p:txBody>
+      </p:sp>
+      <p:sp>
+        <p:nvSpPr>
+          <p:cNvPr id="53" name="Rectangle 52">
+            <a:extLst>
+              <a:ext uri="{FF2B5EF4-FFF2-40B4-BE49-F238E27FC236}">
+                <a16:creationId xmlns:a16="http://schemas.microsoft.com/office/drawing/2014/main" id="{3E0D47CB-7BD5-4AB9-B25C-56750B645835}"/>
+              </a:ext>
+              <a:ext uri="{C183D7F6-B498-43B3-948B-1728B52AA6E4}">
+                <adec:decorative xmlns:adec="http://schemas.microsoft.com/office/drawing/2017/decorative" val="1"/>
+              </a:ext>
+            </a:extLst>
+          </p:cNvPr>
+          <p:cNvSpPr>
+            <a:spLocks noGrp="1" noRot="1" noChangeAspect="1" noMove="1" noResize="1" noEditPoints="1" noAdjustHandles="1" noChangeArrowheads="1" noChangeShapeType="1" noTextEdit="1"/>
+          </p:cNvSpPr>
+          <p:nvPr>
+            <p:extLst>
+              <p:ext uri="{386F3935-93C4-4BCD-93E2-E3B085C9AB24}">
+                <p16:designElem xmlns:p16="http://schemas.microsoft.com/office/powerpoint/2015/main" val="1"/>
+              </p:ext>
+            </p:extLst>
+          </p:nvPr>
+        </p:nvSpPr>
+        <p:spPr>
+          <a:xfrm>
+            <a:off x="643466" y="643468"/>
+            <a:ext cx="10905067" cy="5571066"/>
+          </a:xfrm>
+          <a:prstGeom prst="rect">
+            <a:avLst/>
+          </a:prstGeom>
+          <a:solidFill>
+            <a:srgbClr val="FFFFFF"/>
+          </a:solidFill>
+          <a:ln>
+            <a:noFill/>
+          </a:ln>
+        </p:spPr>
+        <p:style>
+          <a:lnRef idx="2">
+            <a:schemeClr val="accent1">
+              <a:shade val="50000"/>
+            </a:schemeClr>
+          </a:lnRef>
+          <a:fillRef idx="1">
+            <a:schemeClr val="accent1"/>
+          </a:fillRef>
+          <a:effectRef idx="0">
+            <a:schemeClr val="accent1"/>
+          </a:effectRef>
+          <a:fontRef idx="minor">
+            <a:schemeClr val="lt1"/>
+          </a:fontRef>
+        </p:style>
+        <p:txBody>
+          <a:bodyPr rtlCol="0" anchor="ctr"/>
+          <a:lstStyle/>
+          <a:p>
+            <a:pPr algn="ctr"/>
+            <a:endParaRPr lang="en-US"/>
+          </a:p>
+        </p:txBody>
+      </p:sp>
+      <p:cxnSp>
+        <p:nvCxnSpPr>
+          <p:cNvPr id="55" name="Straight Connector 54">
+            <a:extLst>
+              <a:ext uri="{FF2B5EF4-FFF2-40B4-BE49-F238E27FC236}">
+                <a16:creationId xmlns:a16="http://schemas.microsoft.com/office/drawing/2014/main" id="{CB93E6D0-3FB9-4871-8AD0-DC05E0E6FA74}"/>
+              </a:ext>
+              <a:ext uri="{C183D7F6-B498-43B3-948B-1728B52AA6E4}">
+                <adec:decorative xmlns:adec="http://schemas.microsoft.com/office/drawing/2017/decorative" val="1"/>
+              </a:ext>
+            </a:extLst>
+          </p:cNvPr>
+          <p:cNvCxnSpPr>
+            <a:cxnSpLocks noGrp="1" noRot="1" noChangeAspect="1" noMove="1" noResize="1" noEditPoints="1" noAdjustHandles="1" noChangeArrowheads="1" noChangeShapeType="1"/>
+          </p:cNvCxnSpPr>
+          <p:nvPr>
+            <p:extLst>
+              <p:ext uri="{386F3935-93C4-4BCD-93E2-E3B085C9AB24}">
+                <p16:designElem xmlns:p16="http://schemas.microsoft.com/office/powerpoint/2015/main" val="1"/>
+              </p:ext>
+            </p:extLst>
+          </p:nvPr>
+        </p:nvCxnSpPr>
+        <p:spPr>
+          <a:xfrm>
+            <a:off x="6096000" y="1482969"/>
+            <a:ext cx="0" cy="3848100"/>
+          </a:xfrm>
+          <a:prstGeom prst="line">
+            <a:avLst/>
+          </a:prstGeom>
+          <a:ln>
+            <a:solidFill>
+              <a:schemeClr val="tx1">
+                <a:lumMod val="75000"/>
+              </a:schemeClr>
+            </a:solidFill>
+          </a:ln>
+        </p:spPr>
+        <p:style>
+          <a:lnRef idx="1">
+            <a:schemeClr val="accent1"/>
+          </a:lnRef>
+          <a:fillRef idx="0">
+            <a:schemeClr val="accent1"/>
+          </a:fillRef>
+          <a:effectRef idx="0">
+            <a:schemeClr val="accent1"/>
+          </a:effectRef>
+          <a:fontRef idx="minor">
+            <a:schemeClr val="tx1"/>
+          </a:fontRef>
+        </p:style>
+      </p:cxnSp>
+      <p:pic>
+        <p:nvPicPr>
+          <p:cNvPr id="2" name="Picture 1">
+            <a:extLst>
+              <a:ext uri="{FF2B5EF4-FFF2-40B4-BE49-F238E27FC236}">
+                <a16:creationId xmlns:a16="http://schemas.microsoft.com/office/drawing/2014/main" id="{09597860-D36F-4C08-8258-AB9402D431AC}"/>
+              </a:ext>
+            </a:extLst>
+          </p:cNvPr>
+          <p:cNvPicPr>
+            <a:picLocks noChangeAspect="1"/>
+          </p:cNvPicPr>
+          <p:nvPr/>
+        </p:nvPicPr>
+        <p:blipFill>
+          <a:blip r:embed="rId3"/>
+          <a:stretch>
+            <a:fillRect/>
+          </a:stretch>
+        </p:blipFill>
+        <p:spPr>
+          <a:xfrm>
+            <a:off x="1080558" y="1928812"/>
+            <a:ext cx="4371975" cy="3000375"/>
+          </a:xfrm>
+          <a:prstGeom prst="rect">
+            <a:avLst/>
+          </a:prstGeom>
+        </p:spPr>
+      </p:pic>
+      <p:pic>
+        <p:nvPicPr>
+          <p:cNvPr id="4" name="Picture 3">
+            <a:extLst>
+              <a:ext uri="{FF2B5EF4-FFF2-40B4-BE49-F238E27FC236}">
+                <a16:creationId xmlns:a16="http://schemas.microsoft.com/office/drawing/2014/main" id="{828162F0-7972-4D9C-8A4F-860E2E848AF4}"/>
+              </a:ext>
+            </a:extLst>
+          </p:cNvPr>
+          <p:cNvPicPr>
+            <a:picLocks noChangeAspect="1"/>
+          </p:cNvPicPr>
+          <p:nvPr/>
+        </p:nvPicPr>
+        <p:blipFill>
+          <a:blip r:embed="rId4"/>
+          <a:stretch>
+            <a:fillRect/>
+          </a:stretch>
+        </p:blipFill>
+        <p:spPr>
+          <a:xfrm>
+            <a:off x="7250353" y="2119311"/>
+            <a:ext cx="2466975" cy="2619375"/>
+          </a:xfrm>
+          <a:prstGeom prst="rect">
+            <a:avLst/>
+          </a:prstGeom>
+        </p:spPr>
+      </p:pic>
+    </p:spTree>
+    <p:extLst>
+      <p:ext uri="{BB962C8B-B14F-4D97-AF65-F5344CB8AC3E}">
+        <p14:creationId xmlns:p14="http://schemas.microsoft.com/office/powerpoint/2010/main" val="3071856885"/>
+      </p:ext>
+    </p:extLst>
+  </p:cSld>
+  <p:clrMapOvr>
+    <a:masterClrMapping/>
+  </p:clrMapOvr>
+</p:sld>
+</file>
+
+<file path=ppt/slides/slide14.xml><?xml version="1.0" encoding="utf-8"?>
+<p:sld xmlns:a="http://schemas.openxmlformats.org/drawingml/2006/main" xmlns:r="http://schemas.openxmlformats.org/officeDocument/2006/relationships" xmlns:p="http://schemas.openxmlformats.org/presentationml/2006/main">
+  <p:cSld>
+    <p:bg>
+      <p:bgPr>
+        <a:blipFill dpi="0" rotWithShape="1">
+          <a:blip r:embed="rId2">
+            <a:lum/>
+            <a:extLst/>
+          </a:blip>
+          <a:srcRect/>
+          <a:stretch>
+            <a:fillRect/>
+          </a:stretch>
+        </a:blipFill>
+        <a:effectLst/>
+      </p:bgPr>
+    </p:bg>
+    <p:spTree>
+      <p:nvGrpSpPr>
+        <p:cNvPr id="1" name=""/>
+        <p:cNvGrpSpPr/>
+        <p:nvPr/>
+      </p:nvGrpSpPr>
+      <p:grpSpPr>
+        <a:xfrm>
+          <a:off x="0" y="0"/>
+          <a:ext cx="0" cy="0"/>
+          <a:chOff x="0" y="0"/>
+          <a:chExt cx="0" cy="0"/>
+        </a:xfrm>
+      </p:grpSpPr>
+      <p:sp useBgFill="1">
+        <p:nvSpPr>
+          <p:cNvPr id="51" name="Rectangle 50">
+            <a:extLst>
+              <a:ext uri="{FF2B5EF4-FFF2-40B4-BE49-F238E27FC236}">
+                <a16:creationId xmlns:a16="http://schemas.microsoft.com/office/drawing/2014/main" id="{53C572C3-50CF-4B3D-9D6B-34AE74C16FC3}"/>
+              </a:ext>
+              <a:ext uri="{C183D7F6-B498-43B3-948B-1728B52AA6E4}">
+                <adec:decorative xmlns:adec="http://schemas.microsoft.com/office/drawing/2017/decorative" val="1"/>
+              </a:ext>
+            </a:extLst>
+          </p:cNvPr>
+          <p:cNvSpPr>
+            <a:spLocks noGrp="1" noRot="1" noChangeAspect="1" noMove="1" noResize="1" noEditPoints="1" noAdjustHandles="1" noChangeArrowheads="1" noChangeShapeType="1" noTextEdit="1"/>
+          </p:cNvSpPr>
+          <p:nvPr>
+            <p:extLst>
+              <p:ext uri="{386F3935-93C4-4BCD-93E2-E3B085C9AB24}">
+                <p16:designElem xmlns:p16="http://schemas.microsoft.com/office/powerpoint/2015/main" val="1"/>
+              </p:ext>
+            </p:extLst>
+          </p:nvPr>
+        </p:nvSpPr>
+        <p:spPr>
+          <a:xfrm>
+            <a:off x="0" y="0"/>
+            <a:ext cx="12192000" cy="6858000"/>
+          </a:xfrm>
+          <a:prstGeom prst="rect">
+            <a:avLst/>
+          </a:prstGeom>
+          <a:ln>
+            <a:noFill/>
+          </a:ln>
+        </p:spPr>
+        <p:style>
+          <a:lnRef idx="2">
+            <a:schemeClr val="accent1">
+              <a:shade val="50000"/>
+            </a:schemeClr>
+          </a:lnRef>
+          <a:fillRef idx="1">
+            <a:schemeClr val="accent1"/>
+          </a:fillRef>
+          <a:effectRef idx="0">
+            <a:schemeClr val="accent1"/>
+          </a:effectRef>
+          <a:fontRef idx="minor">
+            <a:schemeClr val="lt1"/>
+          </a:fontRef>
+        </p:style>
+        <p:txBody>
+          <a:bodyPr rtlCol="0" anchor="ctr"/>
+          <a:lstStyle/>
+          <a:p>
+            <a:pPr algn="ctr"/>
+            <a:endParaRPr lang="en-US"/>
+          </a:p>
+        </p:txBody>
+      </p:sp>
+      <p:sp>
+        <p:nvSpPr>
+          <p:cNvPr id="53" name="Rectangle 52">
+            <a:extLst>
+              <a:ext uri="{FF2B5EF4-FFF2-40B4-BE49-F238E27FC236}">
+                <a16:creationId xmlns:a16="http://schemas.microsoft.com/office/drawing/2014/main" id="{3E0D47CB-7BD5-4AB9-B25C-56750B645835}"/>
+              </a:ext>
+              <a:ext uri="{C183D7F6-B498-43B3-948B-1728B52AA6E4}">
+                <adec:decorative xmlns:adec="http://schemas.microsoft.com/office/drawing/2017/decorative" val="1"/>
+              </a:ext>
+            </a:extLst>
+          </p:cNvPr>
+          <p:cNvSpPr>
+            <a:spLocks noGrp="1" noRot="1" noChangeAspect="1" noMove="1" noResize="1" noEditPoints="1" noAdjustHandles="1" noChangeArrowheads="1" noChangeShapeType="1" noTextEdit="1"/>
+          </p:cNvSpPr>
+          <p:nvPr>
+            <p:extLst>
+              <p:ext uri="{386F3935-93C4-4BCD-93E2-E3B085C9AB24}">
+                <p16:designElem xmlns:p16="http://schemas.microsoft.com/office/powerpoint/2015/main" val="1"/>
+              </p:ext>
+            </p:extLst>
+          </p:nvPr>
+        </p:nvSpPr>
+        <p:spPr>
+          <a:xfrm>
+            <a:off x="643466" y="643468"/>
+            <a:ext cx="10905067" cy="5571066"/>
+          </a:xfrm>
+          <a:prstGeom prst="rect">
+            <a:avLst/>
+          </a:prstGeom>
+          <a:solidFill>
+            <a:srgbClr val="FFFFFF"/>
+          </a:solidFill>
+          <a:ln>
+            <a:noFill/>
+          </a:ln>
+        </p:spPr>
+        <p:style>
+          <a:lnRef idx="2">
+            <a:schemeClr val="accent1">
+              <a:shade val="50000"/>
+            </a:schemeClr>
+          </a:lnRef>
+          <a:fillRef idx="1">
+            <a:schemeClr val="accent1"/>
+          </a:fillRef>
+          <a:effectRef idx="0">
+            <a:schemeClr val="accent1"/>
+          </a:effectRef>
+          <a:fontRef idx="minor">
+            <a:schemeClr val="lt1"/>
+          </a:fontRef>
+        </p:style>
+        <p:txBody>
+          <a:bodyPr rtlCol="0" anchor="ctr"/>
+          <a:lstStyle/>
+          <a:p>
+            <a:pPr algn="ctr"/>
+            <a:endParaRPr lang="en-US"/>
+          </a:p>
+        </p:txBody>
+      </p:sp>
+      <p:cxnSp>
+        <p:nvCxnSpPr>
+          <p:cNvPr id="55" name="Straight Connector 54">
+            <a:extLst>
+              <a:ext uri="{FF2B5EF4-FFF2-40B4-BE49-F238E27FC236}">
+                <a16:creationId xmlns:a16="http://schemas.microsoft.com/office/drawing/2014/main" id="{CB93E6D0-3FB9-4871-8AD0-DC05E0E6FA74}"/>
+              </a:ext>
+              <a:ext uri="{C183D7F6-B498-43B3-948B-1728B52AA6E4}">
+                <adec:decorative xmlns:adec="http://schemas.microsoft.com/office/drawing/2017/decorative" val="1"/>
+              </a:ext>
+            </a:extLst>
+          </p:cNvPr>
+          <p:cNvCxnSpPr>
+            <a:cxnSpLocks noGrp="1" noRot="1" noChangeAspect="1" noMove="1" noResize="1" noEditPoints="1" noAdjustHandles="1" noChangeArrowheads="1" noChangeShapeType="1"/>
+          </p:cNvCxnSpPr>
+          <p:nvPr>
+            <p:extLst>
+              <p:ext uri="{386F3935-93C4-4BCD-93E2-E3B085C9AB24}">
+                <p16:designElem xmlns:p16="http://schemas.microsoft.com/office/powerpoint/2015/main" val="1"/>
+              </p:ext>
+            </p:extLst>
+          </p:nvPr>
+        </p:nvCxnSpPr>
+        <p:spPr>
+          <a:xfrm>
+            <a:off x="6096000" y="1482969"/>
+            <a:ext cx="0" cy="3848100"/>
+          </a:xfrm>
+          <a:prstGeom prst="line">
+            <a:avLst/>
+          </a:prstGeom>
+          <a:ln>
+            <a:solidFill>
+              <a:schemeClr val="tx1">
+                <a:lumMod val="75000"/>
+              </a:schemeClr>
+            </a:solidFill>
+          </a:ln>
+        </p:spPr>
+        <p:style>
+          <a:lnRef idx="1">
+            <a:schemeClr val="accent1"/>
+          </a:lnRef>
+          <a:fillRef idx="0">
+            <a:schemeClr val="accent1"/>
+          </a:fillRef>
+          <a:effectRef idx="0">
+            <a:schemeClr val="accent1"/>
+          </a:effectRef>
+          <a:fontRef idx="minor">
+            <a:schemeClr val="tx1"/>
+          </a:fontRef>
+        </p:style>
+      </p:cxnSp>
+      <p:pic>
+        <p:nvPicPr>
+          <p:cNvPr id="3" name="Picture 2">
+            <a:extLst>
+              <a:ext uri="{FF2B5EF4-FFF2-40B4-BE49-F238E27FC236}">
+                <a16:creationId xmlns:a16="http://schemas.microsoft.com/office/drawing/2014/main" id="{0098ED49-A1D1-4C7D-9991-F9FCFD9DF57E}"/>
+              </a:ext>
+            </a:extLst>
+          </p:cNvPr>
+          <p:cNvPicPr>
+            <a:picLocks noChangeAspect="1"/>
+          </p:cNvPicPr>
+          <p:nvPr/>
+        </p:nvPicPr>
+        <p:blipFill>
+          <a:blip r:embed="rId3"/>
+          <a:stretch>
+            <a:fillRect/>
+          </a:stretch>
+        </p:blipFill>
+        <p:spPr>
+          <a:xfrm>
+            <a:off x="1112308" y="1809750"/>
+            <a:ext cx="4514850" cy="3238500"/>
+          </a:xfrm>
+          <a:prstGeom prst="rect">
+            <a:avLst/>
+          </a:prstGeom>
+        </p:spPr>
+      </p:pic>
+      <p:pic>
+        <p:nvPicPr>
+          <p:cNvPr id="5" name="Picture 4">
+            <a:extLst>
+              <a:ext uri="{FF2B5EF4-FFF2-40B4-BE49-F238E27FC236}">
+                <a16:creationId xmlns:a16="http://schemas.microsoft.com/office/drawing/2014/main" id="{480C3122-5BC7-4B4F-916C-6994C8D0AFC2}"/>
+              </a:ext>
+            </a:extLst>
+          </p:cNvPr>
+          <p:cNvPicPr>
+            <a:picLocks noChangeAspect="1"/>
+          </p:cNvPicPr>
+          <p:nvPr/>
+        </p:nvPicPr>
+        <p:blipFill>
+          <a:blip r:embed="rId4"/>
+          <a:stretch>
+            <a:fillRect/>
+          </a:stretch>
+        </p:blipFill>
+        <p:spPr>
+          <a:xfrm>
+            <a:off x="6555846" y="2105025"/>
+            <a:ext cx="3971925" cy="2647950"/>
+          </a:xfrm>
+          <a:prstGeom prst="rect">
+            <a:avLst/>
+          </a:prstGeom>
+        </p:spPr>
+      </p:pic>
+    </p:spTree>
+    <p:extLst>
+      <p:ext uri="{BB962C8B-B14F-4D97-AF65-F5344CB8AC3E}">
+        <p14:creationId xmlns:p14="http://schemas.microsoft.com/office/powerpoint/2010/main" val="2199749234"/>
+      </p:ext>
+    </p:extLst>
+  </p:cSld>
+  <p:clrMapOvr>
+    <a:masterClrMapping/>
+  </p:clrMapOvr>
+</p:sld>
+</file>
+
+<file path=ppt/slides/slide15.xml><?xml version="1.0" encoding="utf-8"?>
+<p:sld xmlns:a="http://schemas.openxmlformats.org/drawingml/2006/main" xmlns:r="http://schemas.openxmlformats.org/officeDocument/2006/relationships" xmlns:p="http://schemas.openxmlformats.org/presentationml/2006/main">
+  <p:cSld>
+    <p:bg>
+      <p:bgPr>
+        <a:blipFill dpi="0" rotWithShape="1">
+          <a:blip r:embed="rId2">
+            <a:lum/>
+            <a:extLst/>
+          </a:blip>
+          <a:srcRect/>
+          <a:stretch>
+            <a:fillRect/>
+          </a:stretch>
+        </a:blipFill>
+        <a:effectLst/>
+      </p:bgPr>
+    </p:bg>
+    <p:spTree>
+      <p:nvGrpSpPr>
+        <p:cNvPr id="1" name=""/>
+        <p:cNvGrpSpPr/>
+        <p:nvPr/>
+      </p:nvGrpSpPr>
+      <p:grpSpPr>
+        <a:xfrm>
+          <a:off x="0" y="0"/>
+          <a:ext cx="0" cy="0"/>
+          <a:chOff x="0" y="0"/>
+          <a:chExt cx="0" cy="0"/>
+        </a:xfrm>
+      </p:grpSpPr>
+      <p:sp useBgFill="1">
+        <p:nvSpPr>
+          <p:cNvPr id="51" name="Rectangle 50">
+            <a:extLst>
+              <a:ext uri="{FF2B5EF4-FFF2-40B4-BE49-F238E27FC236}">
+                <a16:creationId xmlns:a16="http://schemas.microsoft.com/office/drawing/2014/main" id="{53C572C3-50CF-4B3D-9D6B-34AE74C16FC3}"/>
+              </a:ext>
+              <a:ext uri="{C183D7F6-B498-43B3-948B-1728B52AA6E4}">
+                <adec:decorative xmlns:adec="http://schemas.microsoft.com/office/drawing/2017/decorative" val="1"/>
+              </a:ext>
+            </a:extLst>
+          </p:cNvPr>
+          <p:cNvSpPr>
+            <a:spLocks noGrp="1" noRot="1" noChangeAspect="1" noMove="1" noResize="1" noEditPoints="1" noAdjustHandles="1" noChangeArrowheads="1" noChangeShapeType="1" noTextEdit="1"/>
+          </p:cNvSpPr>
+          <p:nvPr>
+            <p:extLst>
+              <p:ext uri="{386F3935-93C4-4BCD-93E2-E3B085C9AB24}">
+                <p16:designElem xmlns:p16="http://schemas.microsoft.com/office/powerpoint/2015/main" val="1"/>
+              </p:ext>
+            </p:extLst>
+          </p:nvPr>
+        </p:nvSpPr>
+        <p:spPr>
+          <a:xfrm>
+            <a:off x="0" y="0"/>
+            <a:ext cx="12192000" cy="6858000"/>
+          </a:xfrm>
+          <a:prstGeom prst="rect">
+            <a:avLst/>
+          </a:prstGeom>
+          <a:ln>
+            <a:noFill/>
+          </a:ln>
+        </p:spPr>
+        <p:style>
+          <a:lnRef idx="2">
+            <a:schemeClr val="accent1">
+              <a:shade val="50000"/>
+            </a:schemeClr>
+          </a:lnRef>
+          <a:fillRef idx="1">
+            <a:schemeClr val="accent1"/>
+          </a:fillRef>
+          <a:effectRef idx="0">
+            <a:schemeClr val="accent1"/>
+          </a:effectRef>
+          <a:fontRef idx="minor">
+            <a:schemeClr val="lt1"/>
+          </a:fontRef>
+        </p:style>
+        <p:txBody>
+          <a:bodyPr rtlCol="0" anchor="ctr"/>
+          <a:lstStyle/>
+          <a:p>
+            <a:pPr algn="ctr"/>
+            <a:endParaRPr lang="en-US"/>
+          </a:p>
+        </p:txBody>
+      </p:sp>
+      <p:sp>
+        <p:nvSpPr>
+          <p:cNvPr id="53" name="Rectangle 52">
+            <a:extLst>
+              <a:ext uri="{FF2B5EF4-FFF2-40B4-BE49-F238E27FC236}">
+                <a16:creationId xmlns:a16="http://schemas.microsoft.com/office/drawing/2014/main" id="{3E0D47CB-7BD5-4AB9-B25C-56750B645835}"/>
+              </a:ext>
+              <a:ext uri="{C183D7F6-B498-43B3-948B-1728B52AA6E4}">
+                <adec:decorative xmlns:adec="http://schemas.microsoft.com/office/drawing/2017/decorative" val="1"/>
+              </a:ext>
+            </a:extLst>
+          </p:cNvPr>
+          <p:cNvSpPr>
+            <a:spLocks noGrp="1" noRot="1" noChangeAspect="1" noMove="1" noResize="1" noEditPoints="1" noAdjustHandles="1" noChangeArrowheads="1" noChangeShapeType="1" noTextEdit="1"/>
+          </p:cNvSpPr>
+          <p:nvPr>
+            <p:extLst>
+              <p:ext uri="{386F3935-93C4-4BCD-93E2-E3B085C9AB24}">
+                <p16:designElem xmlns:p16="http://schemas.microsoft.com/office/powerpoint/2015/main" val="1"/>
+              </p:ext>
+            </p:extLst>
+          </p:nvPr>
+        </p:nvSpPr>
+        <p:spPr>
+          <a:xfrm>
+            <a:off x="643466" y="643468"/>
+            <a:ext cx="10905067" cy="5571066"/>
+          </a:xfrm>
+          <a:prstGeom prst="rect">
+            <a:avLst/>
+          </a:prstGeom>
+          <a:solidFill>
+            <a:srgbClr val="FFFFFF"/>
+          </a:solidFill>
+          <a:ln>
+            <a:noFill/>
+          </a:ln>
+        </p:spPr>
+        <p:style>
+          <a:lnRef idx="2">
+            <a:schemeClr val="accent1">
+              <a:shade val="50000"/>
+            </a:schemeClr>
+          </a:lnRef>
+          <a:fillRef idx="1">
+            <a:schemeClr val="accent1"/>
+          </a:fillRef>
+          <a:effectRef idx="0">
+            <a:schemeClr val="accent1"/>
+          </a:effectRef>
+          <a:fontRef idx="minor">
+            <a:schemeClr val="lt1"/>
+          </a:fontRef>
+        </p:style>
+        <p:txBody>
+          <a:bodyPr rtlCol="0" anchor="ctr"/>
+          <a:lstStyle/>
+          <a:p>
+            <a:pPr algn="ctr"/>
+            <a:endParaRPr lang="en-US"/>
+          </a:p>
+        </p:txBody>
+      </p:sp>
+      <p:cxnSp>
+        <p:nvCxnSpPr>
+          <p:cNvPr id="55" name="Straight Connector 54">
+            <a:extLst>
+              <a:ext uri="{FF2B5EF4-FFF2-40B4-BE49-F238E27FC236}">
+                <a16:creationId xmlns:a16="http://schemas.microsoft.com/office/drawing/2014/main" id="{CB93E6D0-3FB9-4871-8AD0-DC05E0E6FA74}"/>
+              </a:ext>
+              <a:ext uri="{C183D7F6-B498-43B3-948B-1728B52AA6E4}">
+                <adec:decorative xmlns:adec="http://schemas.microsoft.com/office/drawing/2017/decorative" val="1"/>
+              </a:ext>
+            </a:extLst>
+          </p:cNvPr>
+          <p:cNvCxnSpPr>
+            <a:cxnSpLocks noGrp="1" noRot="1" noChangeAspect="1" noMove="1" noResize="1" noEditPoints="1" noAdjustHandles="1" noChangeArrowheads="1" noChangeShapeType="1"/>
+          </p:cNvCxnSpPr>
+          <p:nvPr>
+            <p:extLst>
+              <p:ext uri="{386F3935-93C4-4BCD-93E2-E3B085C9AB24}">
+                <p16:designElem xmlns:p16="http://schemas.microsoft.com/office/powerpoint/2015/main" val="1"/>
+              </p:ext>
+            </p:extLst>
+          </p:nvPr>
+        </p:nvCxnSpPr>
+        <p:spPr>
+          <a:xfrm>
+            <a:off x="6096000" y="1482969"/>
+            <a:ext cx="0" cy="3848100"/>
+          </a:xfrm>
+          <a:prstGeom prst="line">
+            <a:avLst/>
+          </a:prstGeom>
+          <a:ln>
+            <a:solidFill>
+              <a:schemeClr val="tx1">
+                <a:lumMod val="75000"/>
+              </a:schemeClr>
+            </a:solidFill>
+          </a:ln>
+        </p:spPr>
+        <p:style>
+          <a:lnRef idx="1">
+            <a:schemeClr val="accent1"/>
+          </a:lnRef>
+          <a:fillRef idx="0">
+            <a:schemeClr val="accent1"/>
+          </a:fillRef>
+          <a:effectRef idx="0">
+            <a:schemeClr val="accent1"/>
+          </a:effectRef>
+          <a:fontRef idx="minor">
+            <a:schemeClr val="tx1"/>
+          </a:fontRef>
+        </p:style>
+      </p:cxnSp>
+      <p:pic>
+        <p:nvPicPr>
+          <p:cNvPr id="2" name="Picture 1">
+            <a:extLst>
+              <a:ext uri="{FF2B5EF4-FFF2-40B4-BE49-F238E27FC236}">
+                <a16:creationId xmlns:a16="http://schemas.microsoft.com/office/drawing/2014/main" id="{D3D50E00-9B87-4957-B02B-D76E093D7AFF}"/>
+              </a:ext>
+            </a:extLst>
+          </p:cNvPr>
+          <p:cNvPicPr>
+            <a:picLocks noChangeAspect="1"/>
+          </p:cNvPicPr>
+          <p:nvPr/>
+        </p:nvPicPr>
+        <p:blipFill>
+          <a:blip r:embed="rId3"/>
+          <a:stretch>
+            <a:fillRect/>
+          </a:stretch>
+        </p:blipFill>
+        <p:spPr>
+          <a:xfrm>
+            <a:off x="826418" y="839284"/>
+            <a:ext cx="3943350" cy="1981200"/>
+          </a:xfrm>
+          <a:prstGeom prst="rect">
+            <a:avLst/>
+          </a:prstGeom>
+        </p:spPr>
+      </p:pic>
+      <p:pic>
+        <p:nvPicPr>
+          <p:cNvPr id="4" name="Picture 3">
+            <a:extLst>
+              <a:ext uri="{FF2B5EF4-FFF2-40B4-BE49-F238E27FC236}">
+                <a16:creationId xmlns:a16="http://schemas.microsoft.com/office/drawing/2014/main" id="{359EBA91-3CA1-497D-BF7A-5EDEB68B95F4}"/>
+              </a:ext>
+            </a:extLst>
+          </p:cNvPr>
+          <p:cNvPicPr>
+            <a:picLocks noChangeAspect="1"/>
+          </p:cNvPicPr>
+          <p:nvPr/>
+        </p:nvPicPr>
+        <p:blipFill>
+          <a:blip r:embed="rId4"/>
+          <a:stretch>
+            <a:fillRect/>
+          </a:stretch>
+        </p:blipFill>
+        <p:spPr>
+          <a:xfrm>
+            <a:off x="2474513" y="1836208"/>
+            <a:ext cx="3048000" cy="3562350"/>
+          </a:xfrm>
+          <a:prstGeom prst="rect">
+            <a:avLst/>
+          </a:prstGeom>
+        </p:spPr>
+      </p:pic>
+      <p:pic>
+        <p:nvPicPr>
+          <p:cNvPr id="6" name="Picture 5">
+            <a:extLst>
+              <a:ext uri="{FF2B5EF4-FFF2-40B4-BE49-F238E27FC236}">
+                <a16:creationId xmlns:a16="http://schemas.microsoft.com/office/drawing/2014/main" id="{E158B361-DB42-48F5-BD60-C9595E55447C}"/>
+              </a:ext>
+            </a:extLst>
+          </p:cNvPr>
+          <p:cNvPicPr>
+            <a:picLocks noChangeAspect="1"/>
+          </p:cNvPicPr>
+          <p:nvPr/>
+        </p:nvPicPr>
+        <p:blipFill>
+          <a:blip r:embed="rId5"/>
+          <a:stretch>
+            <a:fillRect/>
+          </a:stretch>
+        </p:blipFill>
+        <p:spPr>
+          <a:xfrm>
+            <a:off x="6306544" y="927739"/>
+            <a:ext cx="4114800" cy="3000375"/>
+          </a:xfrm>
+          <a:prstGeom prst="rect">
+            <a:avLst/>
+          </a:prstGeom>
+        </p:spPr>
+      </p:pic>
+      <p:pic>
+        <p:nvPicPr>
+          <p:cNvPr id="7" name="Picture 6">
+            <a:extLst>
+              <a:ext uri="{FF2B5EF4-FFF2-40B4-BE49-F238E27FC236}">
+                <a16:creationId xmlns:a16="http://schemas.microsoft.com/office/drawing/2014/main" id="{3291DEB6-5BF0-4183-A75F-96D6919675CB}"/>
+              </a:ext>
+            </a:extLst>
+          </p:cNvPr>
+          <p:cNvPicPr>
+            <a:picLocks noChangeAspect="1"/>
+          </p:cNvPicPr>
+          <p:nvPr/>
+        </p:nvPicPr>
+        <p:blipFill>
+          <a:blip r:embed="rId6"/>
+          <a:stretch>
+            <a:fillRect/>
+          </a:stretch>
+        </p:blipFill>
+        <p:spPr>
+          <a:xfrm>
+            <a:off x="8796224" y="3510842"/>
+            <a:ext cx="2590800" cy="2609850"/>
+          </a:xfrm>
+          <a:prstGeom prst="rect">
+            <a:avLst/>
+          </a:prstGeom>
+        </p:spPr>
+      </p:pic>
+    </p:spTree>
+    <p:extLst>
+      <p:ext uri="{BB962C8B-B14F-4D97-AF65-F5344CB8AC3E}">
+        <p14:creationId xmlns:p14="http://schemas.microsoft.com/office/powerpoint/2010/main" val="1700363121"/>
+      </p:ext>
+    </p:extLst>
+  </p:cSld>
+  <p:clrMapOvr>
+    <a:masterClrMapping/>
+  </p:clrMapOvr>
+</p:sld>
+</file>
+
+<file path=ppt/slides/slide16.xml><?xml version="1.0" encoding="utf-8"?>
+<p:sld xmlns:a="http://schemas.openxmlformats.org/drawingml/2006/main" xmlns:r="http://schemas.openxmlformats.org/officeDocument/2006/relationships" xmlns:p="http://schemas.openxmlformats.org/presentationml/2006/main">
+  <p:cSld>
+    <p:bg>
+      <p:bgPr>
+        <a:blipFill dpi="0" rotWithShape="1">
+          <a:blip r:embed="rId2">
+            <a:lum/>
+            <a:extLst/>
+          </a:blip>
+          <a:srcRect/>
+          <a:stretch>
+            <a:fillRect/>
+          </a:stretch>
+        </a:blipFill>
+        <a:effectLst/>
+      </p:bgPr>
+    </p:bg>
+    <p:spTree>
+      <p:nvGrpSpPr>
+        <p:cNvPr id="1" name=""/>
+        <p:cNvGrpSpPr/>
+        <p:nvPr/>
+      </p:nvGrpSpPr>
+      <p:grpSpPr>
+        <a:xfrm>
+          <a:off x="0" y="0"/>
+          <a:ext cx="0" cy="0"/>
+          <a:chOff x="0" y="0"/>
+          <a:chExt cx="0" cy="0"/>
+        </a:xfrm>
+      </p:grpSpPr>
+      <p:sp useBgFill="1">
+        <p:nvSpPr>
+          <p:cNvPr id="51" name="Rectangle 50">
+            <a:extLst>
+              <a:ext uri="{FF2B5EF4-FFF2-40B4-BE49-F238E27FC236}">
+                <a16:creationId xmlns:a16="http://schemas.microsoft.com/office/drawing/2014/main" id="{53C572C3-50CF-4B3D-9D6B-34AE74C16FC3}"/>
+              </a:ext>
+              <a:ext uri="{C183D7F6-B498-43B3-948B-1728B52AA6E4}">
+                <adec:decorative xmlns:adec="http://schemas.microsoft.com/office/drawing/2017/decorative" val="1"/>
+              </a:ext>
+            </a:extLst>
+          </p:cNvPr>
+          <p:cNvSpPr>
+            <a:spLocks noGrp="1" noRot="1" noChangeAspect="1" noMove="1" noResize="1" noEditPoints="1" noAdjustHandles="1" noChangeArrowheads="1" noChangeShapeType="1" noTextEdit="1"/>
+          </p:cNvSpPr>
+          <p:nvPr>
+            <p:extLst>
+              <p:ext uri="{386F3935-93C4-4BCD-93E2-E3B085C9AB24}">
+                <p16:designElem xmlns:p16="http://schemas.microsoft.com/office/powerpoint/2015/main" val="1"/>
+              </p:ext>
+            </p:extLst>
+          </p:nvPr>
+        </p:nvSpPr>
+        <p:spPr>
+          <a:xfrm>
+            <a:off x="0" y="0"/>
+            <a:ext cx="12192000" cy="6858000"/>
+          </a:xfrm>
+          <a:prstGeom prst="rect">
+            <a:avLst/>
+          </a:prstGeom>
+          <a:ln>
+            <a:noFill/>
+          </a:ln>
+        </p:spPr>
+        <p:style>
+          <a:lnRef idx="2">
+            <a:schemeClr val="accent1">
+              <a:shade val="50000"/>
+            </a:schemeClr>
+          </a:lnRef>
+          <a:fillRef idx="1">
+            <a:schemeClr val="accent1"/>
+          </a:fillRef>
+          <a:effectRef idx="0">
+            <a:schemeClr val="accent1"/>
+          </a:effectRef>
+          <a:fontRef idx="minor">
+            <a:schemeClr val="lt1"/>
+          </a:fontRef>
+        </p:style>
+        <p:txBody>
+          <a:bodyPr rtlCol="0" anchor="ctr"/>
+          <a:lstStyle/>
+          <a:p>
+            <a:pPr algn="ctr"/>
+            <a:endParaRPr lang="en-US"/>
+          </a:p>
+        </p:txBody>
+      </p:sp>
+      <p:sp>
+        <p:nvSpPr>
+          <p:cNvPr id="53" name="Rectangle 52">
+            <a:extLst>
+              <a:ext uri="{FF2B5EF4-FFF2-40B4-BE49-F238E27FC236}">
+                <a16:creationId xmlns:a16="http://schemas.microsoft.com/office/drawing/2014/main" id="{3E0D47CB-7BD5-4AB9-B25C-56750B645835}"/>
+              </a:ext>
+              <a:ext uri="{C183D7F6-B498-43B3-948B-1728B52AA6E4}">
+                <adec:decorative xmlns:adec="http://schemas.microsoft.com/office/drawing/2017/decorative" val="1"/>
+              </a:ext>
+            </a:extLst>
+          </p:cNvPr>
+          <p:cNvSpPr>
+            <a:spLocks noGrp="1" noRot="1" noChangeAspect="1" noMove="1" noResize="1" noEditPoints="1" noAdjustHandles="1" noChangeArrowheads="1" noChangeShapeType="1" noTextEdit="1"/>
+          </p:cNvSpPr>
+          <p:nvPr>
+            <p:extLst>
+              <p:ext uri="{386F3935-93C4-4BCD-93E2-E3B085C9AB24}">
+                <p16:designElem xmlns:p16="http://schemas.microsoft.com/office/powerpoint/2015/main" val="1"/>
+              </p:ext>
+            </p:extLst>
+          </p:nvPr>
+        </p:nvSpPr>
+        <p:spPr>
+          <a:xfrm>
+            <a:off x="643466" y="643468"/>
+            <a:ext cx="10905067" cy="5571066"/>
+          </a:xfrm>
+          <a:prstGeom prst="rect">
+            <a:avLst/>
+          </a:prstGeom>
+          <a:solidFill>
+            <a:srgbClr val="FFFFFF"/>
+          </a:solidFill>
+          <a:ln>
+            <a:noFill/>
+          </a:ln>
+        </p:spPr>
+        <p:style>
+          <a:lnRef idx="2">
+            <a:schemeClr val="accent1">
+              <a:shade val="50000"/>
+            </a:schemeClr>
+          </a:lnRef>
+          <a:fillRef idx="1">
+            <a:schemeClr val="accent1"/>
+          </a:fillRef>
+          <a:effectRef idx="0">
+            <a:schemeClr val="accent1"/>
+          </a:effectRef>
+          <a:fontRef idx="minor">
+            <a:schemeClr val="lt1"/>
+          </a:fontRef>
+        </p:style>
+        <p:txBody>
+          <a:bodyPr rtlCol="0" anchor="ctr"/>
+          <a:lstStyle/>
+          <a:p>
+            <a:pPr algn="ctr"/>
+            <a:endParaRPr lang="en-US"/>
+          </a:p>
+        </p:txBody>
+      </p:sp>
+      <p:cxnSp>
+        <p:nvCxnSpPr>
+          <p:cNvPr id="55" name="Straight Connector 54">
+            <a:extLst>
+              <a:ext uri="{FF2B5EF4-FFF2-40B4-BE49-F238E27FC236}">
+                <a16:creationId xmlns:a16="http://schemas.microsoft.com/office/drawing/2014/main" id="{CB93E6D0-3FB9-4871-8AD0-DC05E0E6FA74}"/>
+              </a:ext>
+              <a:ext uri="{C183D7F6-B498-43B3-948B-1728B52AA6E4}">
+                <adec:decorative xmlns:adec="http://schemas.microsoft.com/office/drawing/2017/decorative" val="1"/>
+              </a:ext>
+            </a:extLst>
+          </p:cNvPr>
+          <p:cNvCxnSpPr>
+            <a:cxnSpLocks noGrp="1" noRot="1" noChangeAspect="1" noMove="1" noResize="1" noEditPoints="1" noAdjustHandles="1" noChangeArrowheads="1" noChangeShapeType="1"/>
+          </p:cNvCxnSpPr>
+          <p:nvPr>
+            <p:extLst>
+              <p:ext uri="{386F3935-93C4-4BCD-93E2-E3B085C9AB24}">
+                <p16:designElem xmlns:p16="http://schemas.microsoft.com/office/powerpoint/2015/main" val="1"/>
+              </p:ext>
+            </p:extLst>
+          </p:nvPr>
+        </p:nvCxnSpPr>
+        <p:spPr>
+          <a:xfrm>
+            <a:off x="6096000" y="1482969"/>
+            <a:ext cx="0" cy="3848100"/>
+          </a:xfrm>
+          <a:prstGeom prst="line">
+            <a:avLst/>
+          </a:prstGeom>
+          <a:ln>
+            <a:solidFill>
+              <a:schemeClr val="tx1">
+                <a:lumMod val="75000"/>
+              </a:schemeClr>
+            </a:solidFill>
+          </a:ln>
+        </p:spPr>
+        <p:style>
+          <a:lnRef idx="1">
+            <a:schemeClr val="accent1"/>
+          </a:lnRef>
+          <a:fillRef idx="0">
+            <a:schemeClr val="accent1"/>
+          </a:fillRef>
+          <a:effectRef idx="0">
+            <a:schemeClr val="accent1"/>
+          </a:effectRef>
+          <a:fontRef idx="minor">
+            <a:schemeClr val="tx1"/>
+          </a:fontRef>
+        </p:style>
+      </p:cxnSp>
+      <p:pic>
+        <p:nvPicPr>
+          <p:cNvPr id="2" name="Picture 1">
+            <a:extLst>
+              <a:ext uri="{FF2B5EF4-FFF2-40B4-BE49-F238E27FC236}">
+                <a16:creationId xmlns:a16="http://schemas.microsoft.com/office/drawing/2014/main" id="{315263D6-2215-4127-90E4-228652CA6779}"/>
+              </a:ext>
+            </a:extLst>
+          </p:cNvPr>
+          <p:cNvPicPr>
+            <a:picLocks noChangeAspect="1"/>
+          </p:cNvPicPr>
+          <p:nvPr/>
+        </p:nvPicPr>
+        <p:blipFill>
+          <a:blip r:embed="rId3"/>
+          <a:stretch>
+            <a:fillRect/>
+          </a:stretch>
+        </p:blipFill>
+        <p:spPr>
+          <a:xfrm>
+            <a:off x="844768" y="1824037"/>
+            <a:ext cx="5172075" cy="3209925"/>
+          </a:xfrm>
+          <a:prstGeom prst="rect">
+            <a:avLst/>
+          </a:prstGeom>
+        </p:spPr>
+      </p:pic>
+      <p:pic>
+        <p:nvPicPr>
+          <p:cNvPr id="4" name="Picture 3">
+            <a:extLst>
+              <a:ext uri="{FF2B5EF4-FFF2-40B4-BE49-F238E27FC236}">
+                <a16:creationId xmlns:a16="http://schemas.microsoft.com/office/drawing/2014/main" id="{5D90A429-6344-49F4-9041-1176EB18AB99}"/>
+              </a:ext>
+            </a:extLst>
+          </p:cNvPr>
+          <p:cNvPicPr>
+            <a:picLocks noChangeAspect="1"/>
+          </p:cNvPicPr>
+          <p:nvPr/>
+        </p:nvPicPr>
+        <p:blipFill>
+          <a:blip r:embed="rId4"/>
+          <a:stretch>
+            <a:fillRect/>
+          </a:stretch>
+        </p:blipFill>
+        <p:spPr>
+          <a:xfrm>
+            <a:off x="6511827" y="2257424"/>
+            <a:ext cx="4143375" cy="2343150"/>
+          </a:xfrm>
+          <a:prstGeom prst="rect">
+            <a:avLst/>
+          </a:prstGeom>
+        </p:spPr>
+      </p:pic>
+    </p:spTree>
+    <p:extLst>
+      <p:ext uri="{BB962C8B-B14F-4D97-AF65-F5344CB8AC3E}">
+        <p14:creationId xmlns:p14="http://schemas.microsoft.com/office/powerpoint/2010/main" val="3139167436"/>
+      </p:ext>
+    </p:extLst>
+  </p:cSld>
+  <p:clrMapOvr>
+    <a:masterClrMapping/>
+  </p:clrMapOvr>
+</p:sld>
+</file>
+
+<file path=ppt/slides/slide17.xml><?xml version="1.0" encoding="utf-8"?>
+<p:sld xmlns:a="http://schemas.openxmlformats.org/drawingml/2006/main" xmlns:r="http://schemas.openxmlformats.org/officeDocument/2006/relationships" xmlns:p="http://schemas.openxmlformats.org/presentationml/2006/main">
+  <p:cSld>
+    <p:bg>
+      <p:bgPr>
+        <a:blipFill dpi="0" rotWithShape="1">
+          <a:blip r:embed="rId2">
+            <a:lum/>
+            <a:extLst/>
+          </a:blip>
+          <a:srcRect/>
+          <a:stretch>
+            <a:fillRect/>
+          </a:stretch>
+        </a:blipFill>
+        <a:effectLst/>
+      </p:bgPr>
+    </p:bg>
+    <p:spTree>
+      <p:nvGrpSpPr>
+        <p:cNvPr id="1" name=""/>
+        <p:cNvGrpSpPr/>
+        <p:nvPr/>
+      </p:nvGrpSpPr>
+      <p:grpSpPr>
+        <a:xfrm>
+          <a:off x="0" y="0"/>
+          <a:ext cx="0" cy="0"/>
+          <a:chOff x="0" y="0"/>
+          <a:chExt cx="0" cy="0"/>
+        </a:xfrm>
+      </p:grpSpPr>
+      <p:sp useBgFill="1">
+        <p:nvSpPr>
+          <p:cNvPr id="51" name="Rectangle 50">
+            <a:extLst>
+              <a:ext uri="{FF2B5EF4-FFF2-40B4-BE49-F238E27FC236}">
+                <a16:creationId xmlns:a16="http://schemas.microsoft.com/office/drawing/2014/main" id="{53C572C3-50CF-4B3D-9D6B-34AE74C16FC3}"/>
+              </a:ext>
+              <a:ext uri="{C183D7F6-B498-43B3-948B-1728B52AA6E4}">
+                <adec:decorative xmlns:adec="http://schemas.microsoft.com/office/drawing/2017/decorative" val="1"/>
+              </a:ext>
+            </a:extLst>
+          </p:cNvPr>
+          <p:cNvSpPr>
+            <a:spLocks noGrp="1" noRot="1" noChangeAspect="1" noMove="1" noResize="1" noEditPoints="1" noAdjustHandles="1" noChangeArrowheads="1" noChangeShapeType="1" noTextEdit="1"/>
+          </p:cNvSpPr>
+          <p:nvPr>
+            <p:extLst>
+              <p:ext uri="{386F3935-93C4-4BCD-93E2-E3B085C9AB24}">
+                <p16:designElem xmlns:p16="http://schemas.microsoft.com/office/powerpoint/2015/main" val="1"/>
+              </p:ext>
+            </p:extLst>
+          </p:nvPr>
+        </p:nvSpPr>
+        <p:spPr>
+          <a:xfrm>
+            <a:off x="0" y="0"/>
+            <a:ext cx="12192000" cy="6858000"/>
+          </a:xfrm>
+          <a:prstGeom prst="rect">
+            <a:avLst/>
+          </a:prstGeom>
+          <a:ln>
+            <a:noFill/>
+          </a:ln>
+        </p:spPr>
+        <p:style>
+          <a:lnRef idx="2">
+            <a:schemeClr val="accent1">
+              <a:shade val="50000"/>
+            </a:schemeClr>
+          </a:lnRef>
+          <a:fillRef idx="1">
+            <a:schemeClr val="accent1"/>
+          </a:fillRef>
+          <a:effectRef idx="0">
+            <a:schemeClr val="accent1"/>
+          </a:effectRef>
+          <a:fontRef idx="minor">
+            <a:schemeClr val="lt1"/>
+          </a:fontRef>
+        </p:style>
+        <p:txBody>
+          <a:bodyPr rtlCol="0" anchor="ctr"/>
+          <a:lstStyle/>
+          <a:p>
+            <a:pPr algn="ctr"/>
+            <a:endParaRPr lang="en-US"/>
+          </a:p>
+        </p:txBody>
+      </p:sp>
+      <p:sp>
+        <p:nvSpPr>
+          <p:cNvPr id="53" name="Rectangle 52">
+            <a:extLst>
+              <a:ext uri="{FF2B5EF4-FFF2-40B4-BE49-F238E27FC236}">
+                <a16:creationId xmlns:a16="http://schemas.microsoft.com/office/drawing/2014/main" id="{3E0D47CB-7BD5-4AB9-B25C-56750B645835}"/>
+              </a:ext>
+              <a:ext uri="{C183D7F6-B498-43B3-948B-1728B52AA6E4}">
+                <adec:decorative xmlns:adec="http://schemas.microsoft.com/office/drawing/2017/decorative" val="1"/>
+              </a:ext>
+            </a:extLst>
+          </p:cNvPr>
+          <p:cNvSpPr>
+            <a:spLocks noGrp="1" noRot="1" noChangeAspect="1" noMove="1" noResize="1" noEditPoints="1" noAdjustHandles="1" noChangeArrowheads="1" noChangeShapeType="1" noTextEdit="1"/>
+          </p:cNvSpPr>
+          <p:nvPr>
+            <p:extLst>
+              <p:ext uri="{386F3935-93C4-4BCD-93E2-E3B085C9AB24}">
+                <p16:designElem xmlns:p16="http://schemas.microsoft.com/office/powerpoint/2015/main" val="1"/>
+              </p:ext>
+            </p:extLst>
+          </p:nvPr>
+        </p:nvSpPr>
+        <p:spPr>
+          <a:xfrm>
+            <a:off x="643466" y="643468"/>
+            <a:ext cx="10905067" cy="5571066"/>
+          </a:xfrm>
+          <a:prstGeom prst="rect">
+            <a:avLst/>
+          </a:prstGeom>
+          <a:solidFill>
+            <a:srgbClr val="FFFFFF"/>
+          </a:solidFill>
+          <a:ln>
+            <a:noFill/>
+          </a:ln>
+        </p:spPr>
+        <p:style>
+          <a:lnRef idx="2">
+            <a:schemeClr val="accent1">
+              <a:shade val="50000"/>
+            </a:schemeClr>
+          </a:lnRef>
+          <a:fillRef idx="1">
+            <a:schemeClr val="accent1"/>
+          </a:fillRef>
+          <a:effectRef idx="0">
+            <a:schemeClr val="accent1"/>
+          </a:effectRef>
+          <a:fontRef idx="minor">
+            <a:schemeClr val="lt1"/>
+          </a:fontRef>
+        </p:style>
+        <p:txBody>
+          <a:bodyPr rtlCol="0" anchor="ctr"/>
+          <a:lstStyle/>
+          <a:p>
+            <a:pPr algn="ctr"/>
+            <a:endParaRPr lang="en-US"/>
+          </a:p>
+        </p:txBody>
+      </p:sp>
+      <p:cxnSp>
+        <p:nvCxnSpPr>
+          <p:cNvPr id="55" name="Straight Connector 54">
+            <a:extLst>
+              <a:ext uri="{FF2B5EF4-FFF2-40B4-BE49-F238E27FC236}">
+                <a16:creationId xmlns:a16="http://schemas.microsoft.com/office/drawing/2014/main" id="{CB93E6D0-3FB9-4871-8AD0-DC05E0E6FA74}"/>
+              </a:ext>
+              <a:ext uri="{C183D7F6-B498-43B3-948B-1728B52AA6E4}">
+                <adec:decorative xmlns:adec="http://schemas.microsoft.com/office/drawing/2017/decorative" val="1"/>
+              </a:ext>
+            </a:extLst>
+          </p:cNvPr>
+          <p:cNvCxnSpPr>
+            <a:cxnSpLocks noGrp="1" noRot="1" noChangeAspect="1" noMove="1" noResize="1" noEditPoints="1" noAdjustHandles="1" noChangeArrowheads="1" noChangeShapeType="1"/>
+          </p:cNvCxnSpPr>
+          <p:nvPr>
+            <p:extLst>
+              <p:ext uri="{386F3935-93C4-4BCD-93E2-E3B085C9AB24}">
+                <p16:designElem xmlns:p16="http://schemas.microsoft.com/office/powerpoint/2015/main" val="1"/>
+              </p:ext>
+            </p:extLst>
+          </p:nvPr>
+        </p:nvCxnSpPr>
+        <p:spPr>
+          <a:xfrm>
+            <a:off x="6096000" y="1482969"/>
+            <a:ext cx="0" cy="3848100"/>
+          </a:xfrm>
+          <a:prstGeom prst="line">
+            <a:avLst/>
+          </a:prstGeom>
+          <a:ln>
+            <a:solidFill>
+              <a:schemeClr val="tx1">
+                <a:lumMod val="75000"/>
+              </a:schemeClr>
+            </a:solidFill>
+          </a:ln>
+        </p:spPr>
+        <p:style>
+          <a:lnRef idx="1">
+            <a:schemeClr val="accent1"/>
+          </a:lnRef>
+          <a:fillRef idx="0">
+            <a:schemeClr val="accent1"/>
+          </a:fillRef>
+          <a:effectRef idx="0">
+            <a:schemeClr val="accent1"/>
+          </a:effectRef>
+          <a:fontRef idx="minor">
+            <a:schemeClr val="tx1"/>
+          </a:fontRef>
+        </p:style>
+      </p:cxnSp>
+      <p:pic>
+        <p:nvPicPr>
+          <p:cNvPr id="5" name="Picture 4">
+            <a:extLst>
+              <a:ext uri="{FF2B5EF4-FFF2-40B4-BE49-F238E27FC236}">
+                <a16:creationId xmlns:a16="http://schemas.microsoft.com/office/drawing/2014/main" id="{A29FF7FE-74D6-43F2-8CEC-BDD243225D96}"/>
+              </a:ext>
+            </a:extLst>
+          </p:cNvPr>
+          <p:cNvPicPr>
+            <a:picLocks noChangeAspect="1"/>
+          </p:cNvPicPr>
+          <p:nvPr/>
+        </p:nvPicPr>
+        <p:blipFill>
+          <a:blip r:embed="rId3"/>
+          <a:stretch>
+            <a:fillRect/>
+          </a:stretch>
+        </p:blipFill>
+        <p:spPr>
+          <a:xfrm>
+            <a:off x="7480415" y="922459"/>
+            <a:ext cx="2530856" cy="4969119"/>
+          </a:xfrm>
+          <a:prstGeom prst="rect">
+            <a:avLst/>
+          </a:prstGeom>
+        </p:spPr>
+      </p:pic>
+      <p:pic>
+        <p:nvPicPr>
+          <p:cNvPr id="6" name="Picture 5">
+            <a:extLst>
+              <a:ext uri="{FF2B5EF4-FFF2-40B4-BE49-F238E27FC236}">
+                <a16:creationId xmlns:a16="http://schemas.microsoft.com/office/drawing/2014/main" id="{A336D3D2-32C4-4491-93E8-C9B20D4451CF}"/>
+              </a:ext>
+            </a:extLst>
+          </p:cNvPr>
+          <p:cNvPicPr>
+            <a:picLocks noChangeAspect="1"/>
+          </p:cNvPicPr>
+          <p:nvPr/>
+        </p:nvPicPr>
+        <p:blipFill>
+          <a:blip r:embed="rId4"/>
+          <a:stretch>
+            <a:fillRect/>
+          </a:stretch>
+        </p:blipFill>
+        <p:spPr>
+          <a:xfrm>
+            <a:off x="1058921" y="1011480"/>
+            <a:ext cx="3819525" cy="4791075"/>
+          </a:xfrm>
+          <a:prstGeom prst="rect">
+            <a:avLst/>
+          </a:prstGeom>
+        </p:spPr>
+      </p:pic>
+    </p:spTree>
+    <p:extLst>
+      <p:ext uri="{BB962C8B-B14F-4D97-AF65-F5344CB8AC3E}">
+        <p14:creationId xmlns:p14="http://schemas.microsoft.com/office/powerpoint/2010/main" val="1670651791"/>
+      </p:ext>
+    </p:extLst>
+  </p:cSld>
+  <p:clrMapOvr>
+    <a:masterClrMapping/>
+  </p:clrMapOvr>
+</p:sld>
+</file>
+
+<file path=ppt/slides/slide18.xml><?xml version="1.0" encoding="utf-8"?>
+<p:sld xmlns:a="http://schemas.openxmlformats.org/drawingml/2006/main" xmlns:r="http://schemas.openxmlformats.org/officeDocument/2006/relationships" xmlns:p="http://schemas.openxmlformats.org/presentationml/2006/main">
+  <p:cSld>
+    <p:bg>
+      <p:bgPr>
+        <a:blipFill dpi="0" rotWithShape="1">
+          <a:blip r:embed="rId2">
+            <a:lum/>
+            <a:extLst/>
+          </a:blip>
+          <a:srcRect/>
+          <a:stretch>
+            <a:fillRect/>
+          </a:stretch>
+        </a:blipFill>
+        <a:effectLst/>
+      </p:bgPr>
+    </p:bg>
+    <p:spTree>
+      <p:nvGrpSpPr>
+        <p:cNvPr id="1" name=""/>
+        <p:cNvGrpSpPr/>
+        <p:nvPr/>
+      </p:nvGrpSpPr>
+      <p:grpSpPr>
+        <a:xfrm>
+          <a:off x="0" y="0"/>
+          <a:ext cx="0" cy="0"/>
+          <a:chOff x="0" y="0"/>
+          <a:chExt cx="0" cy="0"/>
+        </a:xfrm>
+      </p:grpSpPr>
+      <p:sp useBgFill="1">
+        <p:nvSpPr>
+          <p:cNvPr id="51" name="Rectangle 50">
+            <a:extLst>
+              <a:ext uri="{FF2B5EF4-FFF2-40B4-BE49-F238E27FC236}">
+                <a16:creationId xmlns:a16="http://schemas.microsoft.com/office/drawing/2014/main" id="{53C572C3-50CF-4B3D-9D6B-34AE74C16FC3}"/>
+              </a:ext>
+              <a:ext uri="{C183D7F6-B498-43B3-948B-1728B52AA6E4}">
+                <adec:decorative xmlns:adec="http://schemas.microsoft.com/office/drawing/2017/decorative" val="1"/>
+              </a:ext>
+            </a:extLst>
+          </p:cNvPr>
+          <p:cNvSpPr>
+            <a:spLocks noGrp="1" noRot="1" noChangeAspect="1" noMove="1" noResize="1" noEditPoints="1" noAdjustHandles="1" noChangeArrowheads="1" noChangeShapeType="1" noTextEdit="1"/>
+          </p:cNvSpPr>
+          <p:nvPr>
+            <p:extLst>
+              <p:ext uri="{386F3935-93C4-4BCD-93E2-E3B085C9AB24}">
+                <p16:designElem xmlns:p16="http://schemas.microsoft.com/office/powerpoint/2015/main" val="1"/>
+              </p:ext>
+            </p:extLst>
+          </p:nvPr>
+        </p:nvSpPr>
+        <p:spPr>
+          <a:xfrm>
+            <a:off x="0" y="0"/>
+            <a:ext cx="12192000" cy="6858000"/>
+          </a:xfrm>
+          <a:prstGeom prst="rect">
+            <a:avLst/>
+          </a:prstGeom>
+          <a:ln>
+            <a:noFill/>
+          </a:ln>
+        </p:spPr>
+        <p:style>
+          <a:lnRef idx="2">
+            <a:schemeClr val="accent1">
+              <a:shade val="50000"/>
+            </a:schemeClr>
+          </a:lnRef>
+          <a:fillRef idx="1">
+            <a:schemeClr val="accent1"/>
+          </a:fillRef>
+          <a:effectRef idx="0">
+            <a:schemeClr val="accent1"/>
+          </a:effectRef>
+          <a:fontRef idx="minor">
+            <a:schemeClr val="lt1"/>
+          </a:fontRef>
+        </p:style>
+        <p:txBody>
+          <a:bodyPr rtlCol="0" anchor="ctr"/>
+          <a:lstStyle/>
+          <a:p>
+            <a:pPr algn="ctr"/>
+            <a:endParaRPr lang="en-US"/>
+          </a:p>
+        </p:txBody>
+      </p:sp>
+      <p:sp>
+        <p:nvSpPr>
+          <p:cNvPr id="53" name="Rectangle 52">
+            <a:extLst>
+              <a:ext uri="{FF2B5EF4-FFF2-40B4-BE49-F238E27FC236}">
+                <a16:creationId xmlns:a16="http://schemas.microsoft.com/office/drawing/2014/main" id="{3E0D47CB-7BD5-4AB9-B25C-56750B645835}"/>
+              </a:ext>
+              <a:ext uri="{C183D7F6-B498-43B3-948B-1728B52AA6E4}">
+                <adec:decorative xmlns:adec="http://schemas.microsoft.com/office/drawing/2017/decorative" val="1"/>
+              </a:ext>
+            </a:extLst>
+          </p:cNvPr>
+          <p:cNvSpPr>
+            <a:spLocks noGrp="1" noRot="1" noChangeAspect="1" noMove="1" noResize="1" noEditPoints="1" noAdjustHandles="1" noChangeArrowheads="1" noChangeShapeType="1" noTextEdit="1"/>
+          </p:cNvSpPr>
+          <p:nvPr>
+            <p:extLst>
+              <p:ext uri="{386F3935-93C4-4BCD-93E2-E3B085C9AB24}">
+                <p16:designElem xmlns:p16="http://schemas.microsoft.com/office/powerpoint/2015/main" val="1"/>
+              </p:ext>
+            </p:extLst>
+          </p:nvPr>
+        </p:nvSpPr>
+        <p:spPr>
+          <a:xfrm>
+            <a:off x="643466" y="643468"/>
+            <a:ext cx="10905067" cy="5571066"/>
+          </a:xfrm>
+          <a:prstGeom prst="rect">
+            <a:avLst/>
+          </a:prstGeom>
+          <a:solidFill>
+            <a:srgbClr val="FFFFFF"/>
+          </a:solidFill>
+          <a:ln>
+            <a:noFill/>
+          </a:ln>
+        </p:spPr>
+        <p:style>
+          <a:lnRef idx="2">
+            <a:schemeClr val="accent1">
+              <a:shade val="50000"/>
+            </a:schemeClr>
+          </a:lnRef>
+          <a:fillRef idx="1">
+            <a:schemeClr val="accent1"/>
+          </a:fillRef>
+          <a:effectRef idx="0">
+            <a:schemeClr val="accent1"/>
+          </a:effectRef>
+          <a:fontRef idx="minor">
+            <a:schemeClr val="lt1"/>
+          </a:fontRef>
+        </p:style>
+        <p:txBody>
+          <a:bodyPr rtlCol="0" anchor="ctr"/>
+          <a:lstStyle/>
+          <a:p>
+            <a:pPr algn="ctr"/>
+            <a:endParaRPr lang="en-US"/>
+          </a:p>
+        </p:txBody>
+      </p:sp>
+      <p:cxnSp>
+        <p:nvCxnSpPr>
+          <p:cNvPr id="55" name="Straight Connector 54">
+            <a:extLst>
+              <a:ext uri="{FF2B5EF4-FFF2-40B4-BE49-F238E27FC236}">
+                <a16:creationId xmlns:a16="http://schemas.microsoft.com/office/drawing/2014/main" id="{CB93E6D0-3FB9-4871-8AD0-DC05E0E6FA74}"/>
+              </a:ext>
+              <a:ext uri="{C183D7F6-B498-43B3-948B-1728B52AA6E4}">
+                <adec:decorative xmlns:adec="http://schemas.microsoft.com/office/drawing/2017/decorative" val="1"/>
+              </a:ext>
+            </a:extLst>
+          </p:cNvPr>
+          <p:cNvCxnSpPr>
+            <a:cxnSpLocks noGrp="1" noRot="1" noChangeAspect="1" noMove="1" noResize="1" noEditPoints="1" noAdjustHandles="1" noChangeArrowheads="1" noChangeShapeType="1"/>
+          </p:cNvCxnSpPr>
+          <p:nvPr>
+            <p:extLst>
+              <p:ext uri="{386F3935-93C4-4BCD-93E2-E3B085C9AB24}">
+                <p16:designElem xmlns:p16="http://schemas.microsoft.com/office/powerpoint/2015/main" val="1"/>
+              </p:ext>
+            </p:extLst>
+          </p:nvPr>
+        </p:nvCxnSpPr>
+        <p:spPr>
+          <a:xfrm>
+            <a:off x="6096000" y="1482969"/>
+            <a:ext cx="0" cy="3848100"/>
+          </a:xfrm>
+          <a:prstGeom prst="line">
+            <a:avLst/>
+          </a:prstGeom>
+          <a:ln>
+            <a:solidFill>
+              <a:schemeClr val="tx1">
+                <a:lumMod val="75000"/>
+              </a:schemeClr>
+            </a:solidFill>
+          </a:ln>
+        </p:spPr>
+        <p:style>
+          <a:lnRef idx="1">
+            <a:schemeClr val="accent1"/>
+          </a:lnRef>
+          <a:fillRef idx="0">
+            <a:schemeClr val="accent1"/>
+          </a:fillRef>
+          <a:effectRef idx="0">
+            <a:schemeClr val="accent1"/>
+          </a:effectRef>
+          <a:fontRef idx="minor">
+            <a:schemeClr val="tx1"/>
+          </a:fontRef>
+        </p:style>
+      </p:cxnSp>
+      <p:pic>
+        <p:nvPicPr>
+          <p:cNvPr id="2" name="Picture 1">
+            <a:extLst>
+              <a:ext uri="{FF2B5EF4-FFF2-40B4-BE49-F238E27FC236}">
+                <a16:creationId xmlns:a16="http://schemas.microsoft.com/office/drawing/2014/main" id="{5D6EF41A-C5F4-4A59-987C-A1BFB4C832E6}"/>
+              </a:ext>
+            </a:extLst>
+          </p:cNvPr>
+          <p:cNvPicPr>
+            <a:picLocks noChangeAspect="1"/>
+          </p:cNvPicPr>
+          <p:nvPr/>
+        </p:nvPicPr>
+        <p:blipFill>
+          <a:blip r:embed="rId3"/>
+          <a:stretch>
+            <a:fillRect/>
+          </a:stretch>
+        </p:blipFill>
+        <p:spPr>
+          <a:xfrm>
+            <a:off x="1316567" y="1644893"/>
+            <a:ext cx="4457700" cy="3524250"/>
+          </a:xfrm>
+          <a:prstGeom prst="rect">
+            <a:avLst/>
+          </a:prstGeom>
+        </p:spPr>
+      </p:pic>
+      <p:pic>
+        <p:nvPicPr>
+          <p:cNvPr id="4" name="Picture 3">
+            <a:extLst>
+              <a:ext uri="{FF2B5EF4-FFF2-40B4-BE49-F238E27FC236}">
+                <a16:creationId xmlns:a16="http://schemas.microsoft.com/office/drawing/2014/main" id="{0A8FE311-4C17-4017-BC46-74F8DC04DEF1}"/>
+              </a:ext>
+            </a:extLst>
+          </p:cNvPr>
+          <p:cNvPicPr>
+            <a:picLocks noChangeAspect="1"/>
+          </p:cNvPicPr>
+          <p:nvPr/>
+        </p:nvPicPr>
+        <p:blipFill>
+          <a:blip r:embed="rId4"/>
+          <a:stretch>
+            <a:fillRect/>
+          </a:stretch>
+        </p:blipFill>
+        <p:spPr>
+          <a:xfrm>
+            <a:off x="7274454" y="1168643"/>
+            <a:ext cx="3095625" cy="4476750"/>
+          </a:xfrm>
+          <a:prstGeom prst="rect">
+            <a:avLst/>
+          </a:prstGeom>
+        </p:spPr>
+      </p:pic>
+    </p:spTree>
+    <p:extLst>
+      <p:ext uri="{BB962C8B-B14F-4D97-AF65-F5344CB8AC3E}">
+        <p14:creationId xmlns:p14="http://schemas.microsoft.com/office/powerpoint/2010/main" val="4202424430"/>
+      </p:ext>
+    </p:extLst>
+  </p:cSld>
+  <p:clrMapOvr>
+    <a:masterClrMapping/>
+  </p:clrMapOvr>
+</p:sld>
+</file>
+
+<file path=ppt/slides/slide19.xml><?xml version="1.0" encoding="utf-8"?>
+<p:sld xmlns:a="http://schemas.openxmlformats.org/drawingml/2006/main" xmlns:r="http://schemas.openxmlformats.org/officeDocument/2006/relationships" xmlns:p="http://schemas.openxmlformats.org/presentationml/2006/main">
+  <p:cSld>
+    <p:bg>
+      <p:bgPr>
+        <a:blipFill dpi="0" rotWithShape="1">
+          <a:blip r:embed="rId2">
+            <a:lum/>
+            <a:extLst/>
+          </a:blip>
+          <a:srcRect/>
+          <a:stretch>
+            <a:fillRect/>
+          </a:stretch>
+        </a:blipFill>
+        <a:effectLst/>
+      </p:bgPr>
+    </p:bg>
+    <p:spTree>
+      <p:nvGrpSpPr>
+        <p:cNvPr id="1" name=""/>
+        <p:cNvGrpSpPr/>
+        <p:nvPr/>
+      </p:nvGrpSpPr>
+      <p:grpSpPr>
+        <a:xfrm>
+          <a:off x="0" y="0"/>
+          <a:ext cx="0" cy="0"/>
+          <a:chOff x="0" y="0"/>
+          <a:chExt cx="0" cy="0"/>
+        </a:xfrm>
+      </p:grpSpPr>
+      <p:sp useBgFill="1">
+        <p:nvSpPr>
+          <p:cNvPr id="51" name="Rectangle 50">
+            <a:extLst>
+              <a:ext uri="{FF2B5EF4-FFF2-40B4-BE49-F238E27FC236}">
+                <a16:creationId xmlns:a16="http://schemas.microsoft.com/office/drawing/2014/main" id="{53C572C3-50CF-4B3D-9D6B-34AE74C16FC3}"/>
+              </a:ext>
+              <a:ext uri="{C183D7F6-B498-43B3-948B-1728B52AA6E4}">
+                <adec:decorative xmlns:adec="http://schemas.microsoft.com/office/drawing/2017/decorative" val="1"/>
+              </a:ext>
+            </a:extLst>
+          </p:cNvPr>
+          <p:cNvSpPr>
+            <a:spLocks noGrp="1" noRot="1" noChangeAspect="1" noMove="1" noResize="1" noEditPoints="1" noAdjustHandles="1" noChangeArrowheads="1" noChangeShapeType="1" noTextEdit="1"/>
+          </p:cNvSpPr>
+          <p:nvPr>
+            <p:extLst>
+              <p:ext uri="{386F3935-93C4-4BCD-93E2-E3B085C9AB24}">
+                <p16:designElem xmlns:p16="http://schemas.microsoft.com/office/powerpoint/2015/main" val="1"/>
+              </p:ext>
+            </p:extLst>
+          </p:nvPr>
+        </p:nvSpPr>
+        <p:spPr>
+          <a:xfrm>
+            <a:off x="0" y="0"/>
+            <a:ext cx="12192000" cy="6858000"/>
+          </a:xfrm>
+          <a:prstGeom prst="rect">
+            <a:avLst/>
+          </a:prstGeom>
+          <a:ln>
+            <a:noFill/>
+          </a:ln>
+        </p:spPr>
+        <p:style>
+          <a:lnRef idx="2">
+            <a:schemeClr val="accent1">
+              <a:shade val="50000"/>
+            </a:schemeClr>
+          </a:lnRef>
+          <a:fillRef idx="1">
+            <a:schemeClr val="accent1"/>
+          </a:fillRef>
+          <a:effectRef idx="0">
+            <a:schemeClr val="accent1"/>
+          </a:effectRef>
+          <a:fontRef idx="minor">
+            <a:schemeClr val="lt1"/>
+          </a:fontRef>
+        </p:style>
+        <p:txBody>
+          <a:bodyPr rtlCol="0" anchor="ctr"/>
+          <a:lstStyle/>
+          <a:p>
+            <a:pPr algn="ctr"/>
+            <a:endParaRPr lang="en-US"/>
+          </a:p>
+        </p:txBody>
+      </p:sp>
+      <p:sp>
+        <p:nvSpPr>
+          <p:cNvPr id="53" name="Rectangle 52">
+            <a:extLst>
+              <a:ext uri="{FF2B5EF4-FFF2-40B4-BE49-F238E27FC236}">
+                <a16:creationId xmlns:a16="http://schemas.microsoft.com/office/drawing/2014/main" id="{3E0D47CB-7BD5-4AB9-B25C-56750B645835}"/>
+              </a:ext>
+              <a:ext uri="{C183D7F6-B498-43B3-948B-1728B52AA6E4}">
+                <adec:decorative xmlns:adec="http://schemas.microsoft.com/office/drawing/2017/decorative" val="1"/>
+              </a:ext>
+            </a:extLst>
+          </p:cNvPr>
+          <p:cNvSpPr>
+            <a:spLocks noGrp="1" noRot="1" noChangeAspect="1" noMove="1" noResize="1" noEditPoints="1" noAdjustHandles="1" noChangeArrowheads="1" noChangeShapeType="1" noTextEdit="1"/>
+          </p:cNvSpPr>
+          <p:nvPr>
+            <p:extLst>
+              <p:ext uri="{386F3935-93C4-4BCD-93E2-E3B085C9AB24}">
+                <p16:designElem xmlns:p16="http://schemas.microsoft.com/office/powerpoint/2015/main" val="1"/>
+              </p:ext>
+            </p:extLst>
+          </p:nvPr>
+        </p:nvSpPr>
+        <p:spPr>
+          <a:xfrm>
+            <a:off x="643466" y="643468"/>
+            <a:ext cx="10905067" cy="5571066"/>
+          </a:xfrm>
+          <a:prstGeom prst="rect">
+            <a:avLst/>
+          </a:prstGeom>
+          <a:solidFill>
+            <a:srgbClr val="FFFFFF"/>
+          </a:solidFill>
+          <a:ln>
+            <a:noFill/>
+          </a:ln>
+        </p:spPr>
+        <p:style>
+          <a:lnRef idx="2">
+            <a:schemeClr val="accent1">
+              <a:shade val="50000"/>
+            </a:schemeClr>
+          </a:lnRef>
+          <a:fillRef idx="1">
+            <a:schemeClr val="accent1"/>
+          </a:fillRef>
+          <a:effectRef idx="0">
+            <a:schemeClr val="accent1"/>
+          </a:effectRef>
+          <a:fontRef idx="minor">
+            <a:schemeClr val="lt1"/>
+          </a:fontRef>
+        </p:style>
+        <p:txBody>
+          <a:bodyPr rtlCol="0" anchor="ctr"/>
+          <a:lstStyle/>
+          <a:p>
+            <a:pPr algn="ctr"/>
+            <a:endParaRPr lang="en-US"/>
+          </a:p>
+        </p:txBody>
+      </p:sp>
+      <p:cxnSp>
+        <p:nvCxnSpPr>
+          <p:cNvPr id="55" name="Straight Connector 54">
+            <a:extLst>
+              <a:ext uri="{FF2B5EF4-FFF2-40B4-BE49-F238E27FC236}">
+                <a16:creationId xmlns:a16="http://schemas.microsoft.com/office/drawing/2014/main" id="{CB93E6D0-3FB9-4871-8AD0-DC05E0E6FA74}"/>
+              </a:ext>
+              <a:ext uri="{C183D7F6-B498-43B3-948B-1728B52AA6E4}">
+                <adec:decorative xmlns:adec="http://schemas.microsoft.com/office/drawing/2017/decorative" val="1"/>
+              </a:ext>
+            </a:extLst>
+          </p:cNvPr>
+          <p:cNvCxnSpPr>
+            <a:cxnSpLocks noGrp="1" noRot="1" noChangeAspect="1" noMove="1" noResize="1" noEditPoints="1" noAdjustHandles="1" noChangeArrowheads="1" noChangeShapeType="1"/>
+          </p:cNvCxnSpPr>
+          <p:nvPr>
+            <p:extLst>
+              <p:ext uri="{386F3935-93C4-4BCD-93E2-E3B085C9AB24}">
+                <p16:designElem xmlns:p16="http://schemas.microsoft.com/office/powerpoint/2015/main" val="1"/>
+              </p:ext>
+            </p:extLst>
+          </p:nvPr>
+        </p:nvCxnSpPr>
+        <p:spPr>
+          <a:xfrm>
+            <a:off x="6096000" y="1482969"/>
+            <a:ext cx="0" cy="3848100"/>
+          </a:xfrm>
+          <a:prstGeom prst="line">
+            <a:avLst/>
+          </a:prstGeom>
+          <a:ln>
+            <a:solidFill>
+              <a:schemeClr val="tx1">
+                <a:lumMod val="75000"/>
+              </a:schemeClr>
+            </a:solidFill>
+          </a:ln>
+        </p:spPr>
+        <p:style>
+          <a:lnRef idx="1">
+            <a:schemeClr val="accent1"/>
+          </a:lnRef>
+          <a:fillRef idx="0">
+            <a:schemeClr val="accent1"/>
+          </a:fillRef>
+          <a:effectRef idx="0">
+            <a:schemeClr val="accent1"/>
+          </a:effectRef>
+          <a:fontRef idx="minor">
+            <a:schemeClr val="tx1"/>
+          </a:fontRef>
+        </p:style>
+      </p:cxnSp>
+      <p:pic>
+        <p:nvPicPr>
+          <p:cNvPr id="2" name="Picture 1">
+            <a:extLst>
+              <a:ext uri="{FF2B5EF4-FFF2-40B4-BE49-F238E27FC236}">
+                <a16:creationId xmlns:a16="http://schemas.microsoft.com/office/drawing/2014/main" id="{CBA4F2F9-8908-4E76-9D3C-3BF7468D616C}"/>
+              </a:ext>
+            </a:extLst>
+          </p:cNvPr>
+          <p:cNvPicPr>
+            <a:picLocks noChangeAspect="1"/>
+          </p:cNvPicPr>
+          <p:nvPr/>
+        </p:nvPicPr>
+        <p:blipFill>
+          <a:blip r:embed="rId3"/>
+          <a:stretch>
+            <a:fillRect/>
+          </a:stretch>
+        </p:blipFill>
+        <p:spPr>
+          <a:xfrm>
+            <a:off x="876526" y="1956711"/>
+            <a:ext cx="5181914" cy="2944578"/>
+          </a:xfrm>
+          <a:prstGeom prst="rect">
+            <a:avLst/>
+          </a:prstGeom>
+        </p:spPr>
+      </p:pic>
+      <p:pic>
+        <p:nvPicPr>
+          <p:cNvPr id="4" name="Picture 3">
+            <a:extLst>
+              <a:ext uri="{FF2B5EF4-FFF2-40B4-BE49-F238E27FC236}">
+                <a16:creationId xmlns:a16="http://schemas.microsoft.com/office/drawing/2014/main" id="{C4C8117A-FDC6-4BB0-BA40-6B5D0C6DAF60}"/>
+              </a:ext>
+            </a:extLst>
+          </p:cNvPr>
+          <p:cNvPicPr>
+            <a:picLocks noChangeAspect="1"/>
+          </p:cNvPicPr>
+          <p:nvPr/>
+        </p:nvPicPr>
+        <p:blipFill>
+          <a:blip r:embed="rId4"/>
+          <a:stretch>
+            <a:fillRect/>
+          </a:stretch>
+        </p:blipFill>
+        <p:spPr>
+          <a:xfrm>
+            <a:off x="6526742" y="1119187"/>
+            <a:ext cx="4591050" cy="4619625"/>
+          </a:xfrm>
+          <a:prstGeom prst="rect">
+            <a:avLst/>
+          </a:prstGeom>
+        </p:spPr>
+      </p:pic>
+    </p:spTree>
+    <p:extLst>
+      <p:ext uri="{BB962C8B-B14F-4D97-AF65-F5344CB8AC3E}">
+        <p14:creationId xmlns:p14="http://schemas.microsoft.com/office/powerpoint/2010/main" val="3606791554"/>
+      </p:ext>
+    </p:extLst>
+  </p:cSld>
+  <p:clrMapOvr>
+    <a:masterClrMapping/>
+  </p:clrMapOvr>
+</p:sld>
+</file>
+
 <file path=ppt/slides/slide2.xml><?xml version="1.0" encoding="utf-8"?>
 <p:sld xmlns:a="http://schemas.openxmlformats.org/drawingml/2006/main" xmlns:r="http://schemas.openxmlformats.org/officeDocument/2006/relationships" xmlns:p="http://schemas.openxmlformats.org/presentationml/2006/main">
   <p:cSld>
@@ -6457,6 +9418,829 @@
     <p:extLst>
       <p:ext uri="{BB962C8B-B14F-4D97-AF65-F5344CB8AC3E}">
         <p14:creationId xmlns:p14="http://schemas.microsoft.com/office/powerpoint/2010/main" val="2618473481"/>
+      </p:ext>
+    </p:extLst>
+  </p:cSld>
+  <p:clrMapOvr>
+    <a:masterClrMapping/>
+  </p:clrMapOvr>
+</p:sld>
+</file>
+
+<file path=ppt/slides/slide20.xml><?xml version="1.0" encoding="utf-8"?>
+<p:sld xmlns:a="http://schemas.openxmlformats.org/drawingml/2006/main" xmlns:r="http://schemas.openxmlformats.org/officeDocument/2006/relationships" xmlns:p="http://schemas.openxmlformats.org/presentationml/2006/main">
+  <p:cSld>
+    <p:bg>
+      <p:bgPr>
+        <a:blipFill dpi="0" rotWithShape="1">
+          <a:blip r:embed="rId2">
+            <a:lum/>
+            <a:extLst/>
+          </a:blip>
+          <a:srcRect/>
+          <a:stretch>
+            <a:fillRect/>
+          </a:stretch>
+        </a:blipFill>
+        <a:effectLst/>
+      </p:bgPr>
+    </p:bg>
+    <p:spTree>
+      <p:nvGrpSpPr>
+        <p:cNvPr id="1" name=""/>
+        <p:cNvGrpSpPr/>
+        <p:nvPr/>
+      </p:nvGrpSpPr>
+      <p:grpSpPr>
+        <a:xfrm>
+          <a:off x="0" y="0"/>
+          <a:ext cx="0" cy="0"/>
+          <a:chOff x="0" y="0"/>
+          <a:chExt cx="0" cy="0"/>
+        </a:xfrm>
+      </p:grpSpPr>
+      <p:sp>
+        <p:nvSpPr>
+          <p:cNvPr id="2" name="Title 1">
+            <a:extLst>
+              <a:ext uri="{FF2B5EF4-FFF2-40B4-BE49-F238E27FC236}">
+                <a16:creationId xmlns:a16="http://schemas.microsoft.com/office/drawing/2014/main" id="{339DB8B8-3295-4A75-BA26-50E02C87EFDD}"/>
+              </a:ext>
+            </a:extLst>
+          </p:cNvPr>
+          <p:cNvSpPr>
+            <a:spLocks noGrp="1"/>
+          </p:cNvSpPr>
+          <p:nvPr>
+            <p:ph type="title"/>
+          </p:nvPr>
+        </p:nvSpPr>
+        <p:spPr>
+          <a:xfrm>
+            <a:off x="1524000" y="3087356"/>
+            <a:ext cx="9144000" cy="2486130"/>
+          </a:xfrm>
+        </p:spPr>
+        <p:txBody>
+          <a:bodyPr vert="horz" wrap="square" lIns="91440" tIns="45720" rIns="91440" bIns="45720" rtlCol="0" anchor="t">
+            <a:normAutofit/>
+          </a:bodyPr>
+          <a:lstStyle/>
+          <a:p>
+            <a:pPr algn="ctr"/>
+            <a:r>
+              <a:rPr lang="en-US" spc="-300" dirty="0">
+                <a:solidFill>
+                  <a:schemeClr val="tx1">
+                    <a:lumMod val="95000"/>
+                  </a:schemeClr>
+                </a:solidFill>
+                <a:effectLst>
+                  <a:outerShdw blurRad="469900" dist="342900" dir="5400000" sy="-20000" rotWithShape="0">
+                    <a:prstClr val="black">
+                      <a:alpha val="66000"/>
+                    </a:prstClr>
+                  </a:outerShdw>
+                </a:effectLst>
+              </a:rPr>
+              <a:t>VS Code Demonstration</a:t>
+            </a:r>
+          </a:p>
+        </p:txBody>
+      </p:sp>
+    </p:spTree>
+    <p:extLst>
+      <p:ext uri="{BB962C8B-B14F-4D97-AF65-F5344CB8AC3E}">
+        <p14:creationId xmlns:p14="http://schemas.microsoft.com/office/powerpoint/2010/main" val="2629976989"/>
+      </p:ext>
+    </p:extLst>
+  </p:cSld>
+  <p:clrMapOvr>
+    <a:masterClrMapping/>
+  </p:clrMapOvr>
+</p:sld>
+</file>
+
+<file path=ppt/slides/slide21.xml><?xml version="1.0" encoding="utf-8"?>
+<p:sld xmlns:a="http://schemas.openxmlformats.org/drawingml/2006/main" xmlns:r="http://schemas.openxmlformats.org/officeDocument/2006/relationships" xmlns:p="http://schemas.openxmlformats.org/presentationml/2006/main">
+  <p:cSld>
+    <p:bg>
+      <p:bgPr>
+        <a:blipFill dpi="0" rotWithShape="1">
+          <a:blip r:embed="rId2">
+            <a:lum/>
+            <a:extLst/>
+          </a:blip>
+          <a:srcRect/>
+          <a:stretch>
+            <a:fillRect/>
+          </a:stretch>
+        </a:blipFill>
+        <a:effectLst/>
+      </p:bgPr>
+    </p:bg>
+    <p:spTree>
+      <p:nvGrpSpPr>
+        <p:cNvPr id="1" name=""/>
+        <p:cNvGrpSpPr/>
+        <p:nvPr/>
+      </p:nvGrpSpPr>
+      <p:grpSpPr>
+        <a:xfrm>
+          <a:off x="0" y="0"/>
+          <a:ext cx="0" cy="0"/>
+          <a:chOff x="0" y="0"/>
+          <a:chExt cx="0" cy="0"/>
+        </a:xfrm>
+      </p:grpSpPr>
+      <p:sp>
+        <p:nvSpPr>
+          <p:cNvPr id="2" name="Title 1">
+            <a:extLst>
+              <a:ext uri="{FF2B5EF4-FFF2-40B4-BE49-F238E27FC236}">
+                <a16:creationId xmlns:a16="http://schemas.microsoft.com/office/drawing/2014/main" id="{C92E15D8-3F73-4A6F-ABA4-2D9F1BA18219}"/>
+              </a:ext>
+            </a:extLst>
+          </p:cNvPr>
+          <p:cNvSpPr>
+            <a:spLocks noGrp="1"/>
+          </p:cNvSpPr>
+          <p:nvPr>
+            <p:ph type="title"/>
+          </p:nvPr>
+        </p:nvSpPr>
+        <p:spPr>
+          <a:xfrm>
+            <a:off x="838200" y="365125"/>
+            <a:ext cx="7958667" cy="1137104"/>
+          </a:xfrm>
+        </p:spPr>
+        <p:txBody>
+          <a:bodyPr anchor="b">
+            <a:normAutofit/>
+          </a:bodyPr>
+          <a:lstStyle/>
+          <a:p>
+            <a:r>
+              <a:rPr lang="en-US" sz="4400">
+                <a:solidFill>
+                  <a:schemeClr val="tx1">
+                    <a:lumMod val="95000"/>
+                  </a:schemeClr>
+                </a:solidFill>
+              </a:rPr>
+              <a:t>Who Should Use GraphViz?</a:t>
+            </a:r>
+          </a:p>
+        </p:txBody>
+      </p:sp>
+      <p:sp>
+        <p:nvSpPr>
+          <p:cNvPr id="3" name="Content Placeholder 2">
+            <a:extLst>
+              <a:ext uri="{FF2B5EF4-FFF2-40B4-BE49-F238E27FC236}">
+                <a16:creationId xmlns:a16="http://schemas.microsoft.com/office/drawing/2014/main" id="{B9A87B34-E8D6-4AE4-9FEF-D5F3BABAF3C3}"/>
+              </a:ext>
+            </a:extLst>
+          </p:cNvPr>
+          <p:cNvSpPr>
+            <a:spLocks noGrp="1"/>
+          </p:cNvSpPr>
+          <p:nvPr>
+            <p:ph idx="1"/>
+          </p:nvPr>
+        </p:nvSpPr>
+        <p:spPr>
+          <a:xfrm>
+            <a:off x="838200" y="1825625"/>
+            <a:ext cx="7958667" cy="4351338"/>
+          </a:xfrm>
+        </p:spPr>
+        <p:txBody>
+          <a:bodyPr>
+            <a:normAutofit/>
+          </a:bodyPr>
+          <a:lstStyle/>
+          <a:p>
+            <a:r>
+              <a:rPr lang="en-US" sz="2400" dirty="0">
+                <a:solidFill>
+                  <a:schemeClr val="tx1">
+                    <a:lumMod val="95000"/>
+                  </a:schemeClr>
+                </a:solidFill>
+              </a:rPr>
+              <a:t>People who suck at drawing</a:t>
+            </a:r>
+          </a:p>
+          <a:p>
+            <a:r>
+              <a:rPr lang="en-US" sz="2400" dirty="0">
+                <a:solidFill>
+                  <a:schemeClr val="tx1">
+                    <a:lumMod val="95000"/>
+                  </a:schemeClr>
+                </a:solidFill>
+              </a:rPr>
+              <a:t>People who like source control</a:t>
+            </a:r>
+          </a:p>
+          <a:p>
+            <a:r>
+              <a:rPr lang="en-US" sz="2400" dirty="0">
+                <a:solidFill>
+                  <a:schemeClr val="tx1">
+                    <a:lumMod val="95000"/>
+                  </a:schemeClr>
+                </a:solidFill>
+              </a:rPr>
+              <a:t>Nerds</a:t>
+            </a:r>
+          </a:p>
+          <a:p>
+            <a:r>
+              <a:rPr lang="en-US" sz="2400" dirty="0">
+                <a:solidFill>
+                  <a:schemeClr val="tx1">
+                    <a:lumMod val="95000"/>
+                  </a:schemeClr>
+                </a:solidFill>
+              </a:rPr>
+              <a:t>People that prefer open-source tools </a:t>
+            </a:r>
+            <a:br>
+              <a:rPr lang="en-US" sz="2400" dirty="0">
+                <a:solidFill>
+                  <a:schemeClr val="tx1">
+                    <a:lumMod val="95000"/>
+                  </a:schemeClr>
+                </a:solidFill>
+              </a:rPr>
+            </a:br>
+            <a:r>
+              <a:rPr lang="en-US" sz="2400" i="1" dirty="0">
+                <a:solidFill>
+                  <a:schemeClr val="tx1">
+                    <a:lumMod val="95000"/>
+                  </a:schemeClr>
+                </a:solidFill>
+              </a:rPr>
+              <a:t>(Common Public License Version 1.0)</a:t>
+            </a:r>
+          </a:p>
+          <a:p>
+            <a:r>
+              <a:rPr lang="en-US" sz="2400" dirty="0">
+                <a:solidFill>
+                  <a:schemeClr val="tx1">
+                    <a:lumMod val="95000"/>
+                  </a:schemeClr>
+                </a:solidFill>
+              </a:rPr>
+              <a:t>People interested in a graphing/charting solution that integrates well with LaTeX</a:t>
+            </a:r>
+          </a:p>
+          <a:p>
+            <a:r>
+              <a:rPr lang="en-US" sz="2400" dirty="0">
+                <a:solidFill>
+                  <a:schemeClr val="tx1">
+                    <a:lumMod val="95000"/>
+                  </a:schemeClr>
+                </a:solidFill>
+              </a:rPr>
+              <a:t>People who don’t like Visio</a:t>
+            </a:r>
+          </a:p>
+          <a:p>
+            <a:r>
+              <a:rPr lang="en-US" sz="2400" dirty="0">
+                <a:solidFill>
+                  <a:schemeClr val="tx1">
+                    <a:lumMod val="95000"/>
+                  </a:schemeClr>
+                </a:solidFill>
+              </a:rPr>
+              <a:t>People who still spell Microsoft with a “$” in it</a:t>
+            </a:r>
+          </a:p>
+        </p:txBody>
+      </p:sp>
+    </p:spTree>
+    <p:extLst>
+      <p:ext uri="{BB962C8B-B14F-4D97-AF65-F5344CB8AC3E}">
+        <p14:creationId xmlns:p14="http://schemas.microsoft.com/office/powerpoint/2010/main" val="3914447399"/>
+      </p:ext>
+    </p:extLst>
+  </p:cSld>
+  <p:clrMapOvr>
+    <a:masterClrMapping/>
+  </p:clrMapOvr>
+</p:sld>
+</file>
+
+<file path=ppt/slides/slide22.xml><?xml version="1.0" encoding="utf-8"?>
+<p:sld xmlns:a="http://schemas.openxmlformats.org/drawingml/2006/main" xmlns:r="http://schemas.openxmlformats.org/officeDocument/2006/relationships" xmlns:p="http://schemas.openxmlformats.org/presentationml/2006/main">
+  <p:cSld>
+    <p:bg>
+      <p:bgPr>
+        <a:blipFill dpi="0" rotWithShape="1">
+          <a:blip r:embed="rId2">
+            <a:lum/>
+            <a:extLst/>
+          </a:blip>
+          <a:srcRect/>
+          <a:stretch>
+            <a:fillRect/>
+          </a:stretch>
+        </a:blipFill>
+        <a:effectLst/>
+      </p:bgPr>
+    </p:bg>
+    <p:spTree>
+      <p:nvGrpSpPr>
+        <p:cNvPr id="1" name=""/>
+        <p:cNvGrpSpPr/>
+        <p:nvPr/>
+      </p:nvGrpSpPr>
+      <p:grpSpPr>
+        <a:xfrm>
+          <a:off x="0" y="0"/>
+          <a:ext cx="0" cy="0"/>
+          <a:chOff x="0" y="0"/>
+          <a:chExt cx="0" cy="0"/>
+        </a:xfrm>
+      </p:grpSpPr>
+      <p:sp>
+        <p:nvSpPr>
+          <p:cNvPr id="2" name="Title 1">
+            <a:extLst>
+              <a:ext uri="{FF2B5EF4-FFF2-40B4-BE49-F238E27FC236}">
+                <a16:creationId xmlns:a16="http://schemas.microsoft.com/office/drawing/2014/main" id="{3246C9B7-AAA5-43CE-AE2D-898AD0C05F6D}"/>
+              </a:ext>
+            </a:extLst>
+          </p:cNvPr>
+          <p:cNvSpPr>
+            <a:spLocks noGrp="1"/>
+          </p:cNvSpPr>
+          <p:nvPr>
+            <p:ph type="title"/>
+          </p:nvPr>
+        </p:nvSpPr>
+        <p:spPr>
+          <a:xfrm>
+            <a:off x="838200" y="365125"/>
+            <a:ext cx="7958667" cy="1137104"/>
+          </a:xfrm>
+        </p:spPr>
+        <p:txBody>
+          <a:bodyPr anchor="b">
+            <a:normAutofit/>
+          </a:bodyPr>
+          <a:lstStyle/>
+          <a:p>
+            <a:r>
+              <a:rPr lang="en-US" sz="4400">
+                <a:solidFill>
+                  <a:schemeClr val="tx1">
+                    <a:lumMod val="95000"/>
+                  </a:schemeClr>
+                </a:solidFill>
+              </a:rPr>
+              <a:t>Resources</a:t>
+            </a:r>
+          </a:p>
+        </p:txBody>
+      </p:sp>
+      <p:sp>
+        <p:nvSpPr>
+          <p:cNvPr id="3" name="Content Placeholder 2">
+            <a:extLst>
+              <a:ext uri="{FF2B5EF4-FFF2-40B4-BE49-F238E27FC236}">
+                <a16:creationId xmlns:a16="http://schemas.microsoft.com/office/drawing/2014/main" id="{0A495BF7-E4B2-458D-BBA2-B88EA9D0A151}"/>
+              </a:ext>
+            </a:extLst>
+          </p:cNvPr>
+          <p:cNvSpPr>
+            <a:spLocks noGrp="1"/>
+          </p:cNvSpPr>
+          <p:nvPr>
+            <p:ph idx="1"/>
+          </p:nvPr>
+        </p:nvSpPr>
+        <p:spPr>
+          <a:xfrm>
+            <a:off x="838200" y="1825625"/>
+            <a:ext cx="7958667" cy="4351338"/>
+          </a:xfrm>
+        </p:spPr>
+        <p:txBody>
+          <a:bodyPr>
+            <a:normAutofit/>
+          </a:bodyPr>
+          <a:lstStyle/>
+          <a:p>
+            <a:r>
+              <a:rPr lang="en-US" sz="2400" dirty="0">
+                <a:solidFill>
+                  <a:schemeClr val="tx1">
+                    <a:lumMod val="95000"/>
+                  </a:schemeClr>
+                </a:solidFill>
+              </a:rPr>
+              <a:t>GraphViz.org</a:t>
+            </a:r>
+            <a:br>
+              <a:rPr lang="en-US" sz="2400" dirty="0">
+                <a:solidFill>
+                  <a:schemeClr val="tx1">
+                    <a:lumMod val="95000"/>
+                  </a:schemeClr>
+                </a:solidFill>
+              </a:rPr>
+            </a:br>
+            <a:r>
+              <a:rPr lang="en-US" sz="2400" i="1" dirty="0">
+                <a:solidFill>
+                  <a:schemeClr val="tx1">
+                    <a:lumMod val="95000"/>
+                  </a:schemeClr>
+                </a:solidFill>
+              </a:rPr>
+              <a:t>the base site from the creators</a:t>
+            </a:r>
+            <a:endParaRPr lang="en-US" sz="2400" dirty="0">
+              <a:solidFill>
+                <a:schemeClr val="tx1">
+                  <a:lumMod val="95000"/>
+                </a:schemeClr>
+              </a:solidFill>
+            </a:endParaRPr>
+          </a:p>
+          <a:p>
+            <a:r>
+              <a:rPr lang="en-US" sz="2400" dirty="0" err="1">
+                <a:solidFill>
+                  <a:schemeClr val="tx1">
+                    <a:lumMod val="95000"/>
+                  </a:schemeClr>
+                </a:solidFill>
+              </a:rPr>
+              <a:t>GraphViz</a:t>
+            </a:r>
+            <a:r>
+              <a:rPr lang="en-US" sz="2400" dirty="0">
+                <a:solidFill>
+                  <a:schemeClr val="tx1">
+                    <a:lumMod val="95000"/>
+                  </a:schemeClr>
+                </a:solidFill>
+              </a:rPr>
+              <a:t> Pocket Reference – (graphs.grevian.org)</a:t>
+            </a:r>
+            <a:br>
+              <a:rPr lang="en-US" sz="2400" dirty="0">
+                <a:solidFill>
+                  <a:schemeClr val="tx1">
+                    <a:lumMod val="95000"/>
+                  </a:schemeClr>
+                </a:solidFill>
+              </a:rPr>
+            </a:br>
+            <a:r>
+              <a:rPr lang="en-US" sz="2400" i="1" dirty="0">
+                <a:solidFill>
+                  <a:schemeClr val="tx1">
+                    <a:lumMod val="95000"/>
+                  </a:schemeClr>
+                </a:solidFill>
+              </a:rPr>
+              <a:t>by Josh Hayes-Sheen</a:t>
+            </a:r>
+            <a:endParaRPr lang="en-US" sz="2400" dirty="0">
+              <a:solidFill>
+                <a:schemeClr val="tx1">
+                  <a:lumMod val="95000"/>
+                </a:schemeClr>
+              </a:solidFill>
+            </a:endParaRPr>
+          </a:p>
+          <a:p>
+            <a:r>
+              <a:rPr lang="en-US" sz="2400" dirty="0">
+                <a:solidFill>
+                  <a:schemeClr val="tx1">
+                    <a:lumMod val="95000"/>
+                  </a:schemeClr>
+                </a:solidFill>
+              </a:rPr>
+              <a:t>WebGraphViz.com</a:t>
+            </a:r>
+            <a:br>
+              <a:rPr lang="en-US" sz="2400" dirty="0">
+                <a:solidFill>
+                  <a:schemeClr val="tx1">
+                    <a:lumMod val="95000"/>
+                  </a:schemeClr>
+                </a:solidFill>
+              </a:rPr>
+            </a:br>
+            <a:r>
+              <a:rPr lang="en-US" sz="2400" i="1" dirty="0">
+                <a:solidFill>
+                  <a:schemeClr val="tx1">
+                    <a:lumMod val="95000"/>
+                  </a:schemeClr>
+                </a:solidFill>
+              </a:rPr>
+              <a:t>a web-based tool</a:t>
+            </a:r>
+          </a:p>
+          <a:p>
+            <a:r>
+              <a:rPr lang="en-US" sz="2400" dirty="0" err="1">
+                <a:solidFill>
+                  <a:schemeClr val="tx1">
+                    <a:lumMod val="95000"/>
+                  </a:schemeClr>
+                </a:solidFill>
+              </a:rPr>
+              <a:t>GraphViz</a:t>
+            </a:r>
+            <a:r>
+              <a:rPr lang="en-US" sz="2400" dirty="0">
+                <a:solidFill>
+                  <a:schemeClr val="tx1">
+                    <a:lumMod val="95000"/>
+                  </a:schemeClr>
+                </a:solidFill>
+              </a:rPr>
+              <a:t> Preview – Visual Studio Code Plugin</a:t>
+            </a:r>
+            <a:br>
+              <a:rPr lang="en-US" sz="2400" dirty="0">
+                <a:solidFill>
+                  <a:schemeClr val="tx1">
+                    <a:lumMod val="95000"/>
+                  </a:schemeClr>
+                </a:solidFill>
+              </a:rPr>
+            </a:br>
+            <a:r>
+              <a:rPr lang="en-US" sz="2400" dirty="0">
+                <a:solidFill>
+                  <a:schemeClr val="tx1">
+                    <a:lumMod val="95000"/>
+                  </a:schemeClr>
+                </a:solidFill>
+              </a:rPr>
+              <a:t>(</a:t>
+            </a:r>
+            <a:r>
+              <a:rPr lang="en-US" sz="1600" dirty="0">
+                <a:solidFill>
+                  <a:schemeClr val="tx1">
+                    <a:lumMod val="95000"/>
+                  </a:schemeClr>
+                </a:solidFill>
+              </a:rPr>
+              <a:t>https://marketplace.visualstudio.com/items?itemName=EFanZh.graphviz-preview</a:t>
+            </a:r>
+            <a:r>
+              <a:rPr lang="en-US" sz="2400" dirty="0">
+                <a:solidFill>
+                  <a:schemeClr val="tx1">
+                    <a:lumMod val="95000"/>
+                  </a:schemeClr>
+                </a:solidFill>
+              </a:rPr>
+              <a:t>)</a:t>
+            </a:r>
+          </a:p>
+        </p:txBody>
+      </p:sp>
+    </p:spTree>
+    <p:extLst>
+      <p:ext uri="{BB962C8B-B14F-4D97-AF65-F5344CB8AC3E}">
+        <p14:creationId xmlns:p14="http://schemas.microsoft.com/office/powerpoint/2010/main" val="2129563506"/>
+      </p:ext>
+    </p:extLst>
+  </p:cSld>
+  <p:clrMapOvr>
+    <a:masterClrMapping/>
+  </p:clrMapOvr>
+</p:sld>
+</file>
+
+<file path=ppt/slides/slide23.xml><?xml version="1.0" encoding="utf-8"?>
+<p:sld xmlns:a="http://schemas.openxmlformats.org/drawingml/2006/main" xmlns:r="http://schemas.openxmlformats.org/officeDocument/2006/relationships" xmlns:p="http://schemas.openxmlformats.org/presentationml/2006/main">
+  <p:cSld>
+    <p:bg>
+      <p:bgPr>
+        <a:blipFill dpi="0" rotWithShape="1">
+          <a:blip r:embed="rId2">
+            <a:lum/>
+            <a:extLst/>
+          </a:blip>
+          <a:srcRect/>
+          <a:stretch>
+            <a:fillRect/>
+          </a:stretch>
+        </a:blipFill>
+        <a:effectLst/>
+      </p:bgPr>
+    </p:bg>
+    <p:spTree>
+      <p:nvGrpSpPr>
+        <p:cNvPr id="1" name=""/>
+        <p:cNvGrpSpPr/>
+        <p:nvPr/>
+      </p:nvGrpSpPr>
+      <p:grpSpPr>
+        <a:xfrm>
+          <a:off x="0" y="0"/>
+          <a:ext cx="0" cy="0"/>
+          <a:chOff x="0" y="0"/>
+          <a:chExt cx="0" cy="0"/>
+        </a:xfrm>
+      </p:grpSpPr>
+      <p:sp>
+        <p:nvSpPr>
+          <p:cNvPr id="2" name="Title 1">
+            <a:extLst>
+              <a:ext uri="{FF2B5EF4-FFF2-40B4-BE49-F238E27FC236}">
+                <a16:creationId xmlns:a16="http://schemas.microsoft.com/office/drawing/2014/main" id="{522CEEE6-AAF2-4A81-BE28-44E6B2B115ED}"/>
+              </a:ext>
+            </a:extLst>
+          </p:cNvPr>
+          <p:cNvSpPr>
+            <a:spLocks noGrp="1"/>
+          </p:cNvSpPr>
+          <p:nvPr>
+            <p:ph type="title"/>
+          </p:nvPr>
+        </p:nvSpPr>
+        <p:spPr>
+          <a:xfrm>
+            <a:off x="838200" y="5145932"/>
+            <a:ext cx="10515600" cy="959586"/>
+          </a:xfrm>
+        </p:spPr>
+        <p:txBody>
+          <a:bodyPr vert="horz" wrap="none" lIns="91440" tIns="45720" rIns="91440" bIns="45720" rtlCol="0" anchor="t">
+            <a:normAutofit/>
+          </a:bodyPr>
+          <a:lstStyle/>
+          <a:p>
+            <a:pPr algn="r"/>
+            <a:r>
+              <a:rPr lang="en-US" sz="4000" spc="-300">
+                <a:gradFill flip="none" rotWithShape="1">
+                  <a:gsLst>
+                    <a:gs pos="32000">
+                      <a:schemeClr val="tx1">
+                        <a:lumMod val="89000"/>
+                      </a:schemeClr>
+                    </a:gs>
+                    <a:gs pos="0">
+                      <a:schemeClr val="bg1">
+                        <a:lumMod val="41000"/>
+                        <a:lumOff val="59000"/>
+                      </a:schemeClr>
+                    </a:gs>
+                    <a:gs pos="100000">
+                      <a:schemeClr val="tx2">
+                        <a:lumMod val="0"/>
+                        <a:lumOff val="100000"/>
+                      </a:schemeClr>
+                    </a:gs>
+                  </a:gsLst>
+                  <a:lin ang="8100000" scaled="1"/>
+                  <a:tileRect/>
+                </a:gradFill>
+                <a:effectLst>
+                  <a:outerShdw blurRad="469900" dist="342900" dir="5400000" sy="-20000" rotWithShape="0">
+                    <a:prstClr val="black">
+                      <a:alpha val="66000"/>
+                    </a:prstClr>
+                  </a:outerShdw>
+                </a:effectLst>
+              </a:rPr>
+              <a:t>Presentation Resources</a:t>
+            </a:r>
+          </a:p>
+        </p:txBody>
+      </p:sp>
+      <p:sp>
+        <p:nvSpPr>
+          <p:cNvPr id="3" name="Content Placeholder 2">
+            <a:extLst>
+              <a:ext uri="{FF2B5EF4-FFF2-40B4-BE49-F238E27FC236}">
+                <a16:creationId xmlns:a16="http://schemas.microsoft.com/office/drawing/2014/main" id="{71D8C61D-4AF1-4B90-ACDC-20B2CAB4F902}"/>
+              </a:ext>
+            </a:extLst>
+          </p:cNvPr>
+          <p:cNvSpPr>
+            <a:spLocks noGrp="1"/>
+          </p:cNvSpPr>
+          <p:nvPr>
+            <p:ph idx="1"/>
+          </p:nvPr>
+        </p:nvSpPr>
+        <p:spPr>
+          <a:xfrm>
+            <a:off x="2209799" y="4533089"/>
+            <a:ext cx="9144000" cy="612843"/>
+          </a:xfrm>
+        </p:spPr>
+        <p:txBody>
+          <a:bodyPr vert="horz" lIns="91440" tIns="45720" rIns="91440" bIns="45720" rtlCol="0" anchor="b">
+            <a:normAutofit/>
+          </a:bodyPr>
+          <a:lstStyle/>
+          <a:p>
+            <a:pPr marL="0" indent="0" algn="r">
+              <a:buNone/>
+            </a:pPr>
+            <a:r>
+              <a:rPr lang="en-US" sz="2000">
+                <a:gradFill flip="none" rotWithShape="1">
+                  <a:gsLst>
+                    <a:gs pos="15000">
+                      <a:schemeClr val="tx2"/>
+                    </a:gs>
+                    <a:gs pos="73000">
+                      <a:schemeClr val="tx2">
+                        <a:lumMod val="60000"/>
+                        <a:lumOff val="40000"/>
+                      </a:schemeClr>
+                    </a:gs>
+                    <a:gs pos="0">
+                      <a:schemeClr val="tx2">
+                        <a:lumMod val="90000"/>
+                        <a:lumOff val="10000"/>
+                      </a:schemeClr>
+                    </a:gs>
+                    <a:gs pos="100000">
+                      <a:schemeClr val="tx2">
+                        <a:lumMod val="0"/>
+                        <a:lumOff val="100000"/>
+                      </a:schemeClr>
+                    </a:gs>
+                  </a:gsLst>
+                  <a:lin ang="16200000" scaled="1"/>
+                  <a:tileRect/>
+                </a:gradFill>
+                <a:latin typeface="+mj-lt"/>
+              </a:rPr>
+              <a:t>https://github.com/whoiskevinrich/GraphViz-LightningTalk</a:t>
+            </a:r>
+          </a:p>
+        </p:txBody>
+      </p:sp>
+      <p:pic>
+        <p:nvPicPr>
+          <p:cNvPr id="7" name="Graphic 6" descr="Teacher">
+            <a:extLst>
+              <a:ext uri="{FF2B5EF4-FFF2-40B4-BE49-F238E27FC236}">
+                <a16:creationId xmlns:a16="http://schemas.microsoft.com/office/drawing/2014/main" id="{500A75E3-B46F-480A-8377-816C57EA0780}"/>
+              </a:ext>
+            </a:extLst>
+          </p:cNvPr>
+          <p:cNvPicPr>
+            <a:picLocks noChangeAspect="1"/>
+          </p:cNvPicPr>
+          <p:nvPr/>
+        </p:nvPicPr>
+        <p:blipFill>
+          <a:blip r:embed="rId3">
+            <a:extLst>
+              <a:ext uri="{28A0092B-C50C-407E-A947-70E740481C1C}">
+                <a14:useLocalDpi xmlns:a14="http://schemas.microsoft.com/office/drawing/2010/main" val="0"/>
+              </a:ext>
+              <a:ext uri="{96DAC541-7B7A-43D3-8B79-37D633B846F1}">
+                <asvg:svgBlip xmlns:asvg="http://schemas.microsoft.com/office/drawing/2016/SVG/main" r:embed="rId4"/>
+              </a:ext>
+            </a:extLst>
+          </a:blip>
+          <a:stretch>
+            <a:fillRect/>
+          </a:stretch>
+        </p:blipFill>
+        <p:spPr>
+          <a:xfrm>
+            <a:off x="838201" y="643464"/>
+            <a:ext cx="3889625" cy="3889625"/>
+          </a:xfrm>
+          <a:prstGeom prst="rect">
+            <a:avLst/>
+          </a:prstGeom>
+        </p:spPr>
+      </p:pic>
+    </p:spTree>
+    <p:extLst>
+      <p:ext uri="{BB962C8B-B14F-4D97-AF65-F5344CB8AC3E}">
+        <p14:creationId xmlns:p14="http://schemas.microsoft.com/office/powerpoint/2010/main" val="1149300295"/>
       </p:ext>
     </p:extLst>
   </p:cSld>
@@ -6679,7 +10463,7 @@
           <a:p>
             <a:pPr algn="ctr"/>
             <a:r>
-              <a:rPr lang="en-US" spc="-300">
+              <a:rPr lang="en-US" spc="-300" dirty="0">
                 <a:solidFill>
                   <a:schemeClr val="tx1">
                     <a:lumMod val="95000"/>
@@ -6693,7 +10477,7 @@
                   </a:outerShdw>
                 </a:effectLst>
               </a:rPr>
-              <a:t>Demonstration</a:t>
+              <a:t>Samples</a:t>
             </a:r>
           </a:p>
         </p:txBody>
@@ -6743,171 +10527,256 @@
           <a:chExt cx="0" cy="0"/>
         </a:xfrm>
       </p:grpSpPr>
-      <p:sp>
-        <p:nvSpPr>
-          <p:cNvPr id="2" name="Title 1">
+      <p:sp useBgFill="1">
+        <p:nvSpPr>
+          <p:cNvPr id="42" name="Rectangle 41">
             <a:extLst>
               <a:ext uri="{FF2B5EF4-FFF2-40B4-BE49-F238E27FC236}">
-                <a16:creationId xmlns:a16="http://schemas.microsoft.com/office/drawing/2014/main" id="{C92E15D8-3F73-4A6F-ABA4-2D9F1BA18219}"/>
+                <a16:creationId xmlns:a16="http://schemas.microsoft.com/office/drawing/2014/main" id="{53C572C3-50CF-4B3D-9D6B-34AE74C16FC3}"/>
+              </a:ext>
+              <a:ext uri="{C183D7F6-B498-43B3-948B-1728B52AA6E4}">
+                <adec:decorative xmlns:adec="http://schemas.microsoft.com/office/drawing/2017/decorative" val="1"/>
               </a:ext>
             </a:extLst>
           </p:cNvPr>
           <p:cNvSpPr>
-            <a:spLocks noGrp="1"/>
-          </p:cNvSpPr>
-          <p:nvPr>
-            <p:ph type="title"/>
-          </p:nvPr>
-        </p:nvSpPr>
-        <p:spPr>
-          <a:xfrm>
-            <a:off x="838200" y="365125"/>
-            <a:ext cx="7958667" cy="1137104"/>
-          </a:xfrm>
-        </p:spPr>
-        <p:txBody>
-          <a:bodyPr anchor="b">
-            <a:normAutofit/>
-          </a:bodyPr>
+            <a:spLocks noGrp="1" noRot="1" noChangeAspect="1" noMove="1" noResize="1" noEditPoints="1" noAdjustHandles="1" noChangeArrowheads="1" noChangeShapeType="1" noTextEdit="1"/>
+          </p:cNvSpPr>
+          <p:nvPr>
+            <p:extLst>
+              <p:ext uri="{386F3935-93C4-4BCD-93E2-E3B085C9AB24}">
+                <p16:designElem xmlns:p16="http://schemas.microsoft.com/office/powerpoint/2015/main" val="1"/>
+              </p:ext>
+            </p:extLst>
+          </p:nvPr>
+        </p:nvSpPr>
+        <p:spPr>
+          <a:xfrm>
+            <a:off x="0" y="0"/>
+            <a:ext cx="12192000" cy="6858000"/>
+          </a:xfrm>
+          <a:prstGeom prst="rect">
+            <a:avLst/>
+          </a:prstGeom>
+          <a:ln>
+            <a:noFill/>
+          </a:ln>
+        </p:spPr>
+        <p:style>
+          <a:lnRef idx="2">
+            <a:schemeClr val="accent1">
+              <a:shade val="50000"/>
+            </a:schemeClr>
+          </a:lnRef>
+          <a:fillRef idx="1">
+            <a:schemeClr val="accent1"/>
+          </a:fillRef>
+          <a:effectRef idx="0">
+            <a:schemeClr val="accent1"/>
+          </a:effectRef>
+          <a:fontRef idx="minor">
+            <a:schemeClr val="lt1"/>
+          </a:fontRef>
+        </p:style>
+        <p:txBody>
+          <a:bodyPr rtlCol="0" anchor="ctr"/>
           <a:lstStyle/>
           <a:p>
-            <a:r>
-              <a:rPr lang="en-US" sz="4400">
-                <a:solidFill>
-                  <a:schemeClr val="tx1">
-                    <a:lumMod val="95000"/>
-                  </a:schemeClr>
-                </a:solidFill>
-              </a:rPr>
-              <a:t>Who Should Use GraphViz?</a:t>
-            </a:r>
-          </a:p>
-        </p:txBody>
-      </p:sp>
-      <p:sp>
-        <p:nvSpPr>
-          <p:cNvPr id="3" name="Content Placeholder 2">
+            <a:pPr algn="ctr"/>
+            <a:endParaRPr lang="en-US"/>
+          </a:p>
+        </p:txBody>
+      </p:sp>
+      <p:sp>
+        <p:nvSpPr>
+          <p:cNvPr id="44" name="Rectangle 43">
             <a:extLst>
               <a:ext uri="{FF2B5EF4-FFF2-40B4-BE49-F238E27FC236}">
-                <a16:creationId xmlns:a16="http://schemas.microsoft.com/office/drawing/2014/main" id="{B9A87B34-E8D6-4AE4-9FEF-D5F3BABAF3C3}"/>
+                <a16:creationId xmlns:a16="http://schemas.microsoft.com/office/drawing/2014/main" id="{3E0D47CB-7BD5-4AB9-B25C-56750B645835}"/>
+              </a:ext>
+              <a:ext uri="{C183D7F6-B498-43B3-948B-1728B52AA6E4}">
+                <adec:decorative xmlns:adec="http://schemas.microsoft.com/office/drawing/2017/decorative" val="1"/>
               </a:ext>
             </a:extLst>
           </p:cNvPr>
           <p:cNvSpPr>
-            <a:spLocks noGrp="1"/>
-          </p:cNvSpPr>
-          <p:nvPr>
-            <p:ph idx="1"/>
-          </p:nvPr>
-        </p:nvSpPr>
-        <p:spPr>
-          <a:xfrm>
-            <a:off x="838200" y="1825625"/>
-            <a:ext cx="7958667" cy="4351338"/>
-          </a:xfrm>
-        </p:spPr>
-        <p:txBody>
-          <a:bodyPr>
-            <a:normAutofit/>
-          </a:bodyPr>
+            <a:spLocks noGrp="1" noRot="1" noChangeAspect="1" noMove="1" noResize="1" noEditPoints="1" noAdjustHandles="1" noChangeArrowheads="1" noChangeShapeType="1" noTextEdit="1"/>
+          </p:cNvSpPr>
+          <p:nvPr>
+            <p:extLst>
+              <p:ext uri="{386F3935-93C4-4BCD-93E2-E3B085C9AB24}">
+                <p16:designElem xmlns:p16="http://schemas.microsoft.com/office/powerpoint/2015/main" val="1"/>
+              </p:ext>
+            </p:extLst>
+          </p:nvPr>
+        </p:nvSpPr>
+        <p:spPr>
+          <a:xfrm>
+            <a:off x="643466" y="643468"/>
+            <a:ext cx="10905067" cy="5571066"/>
+          </a:xfrm>
+          <a:prstGeom prst="rect">
+            <a:avLst/>
+          </a:prstGeom>
+          <a:solidFill>
+            <a:srgbClr val="FFFFFF"/>
+          </a:solidFill>
+          <a:ln>
+            <a:noFill/>
+          </a:ln>
+        </p:spPr>
+        <p:style>
+          <a:lnRef idx="2">
+            <a:schemeClr val="accent1">
+              <a:shade val="50000"/>
+            </a:schemeClr>
+          </a:lnRef>
+          <a:fillRef idx="1">
+            <a:schemeClr val="accent1"/>
+          </a:fillRef>
+          <a:effectRef idx="0">
+            <a:schemeClr val="accent1"/>
+          </a:effectRef>
+          <a:fontRef idx="minor">
+            <a:schemeClr val="lt1"/>
+          </a:fontRef>
+        </p:style>
+        <p:txBody>
+          <a:bodyPr rtlCol="0" anchor="ctr"/>
           <a:lstStyle/>
           <a:p>
-            <a:r>
-              <a:rPr lang="en-US" sz="2400">
-                <a:solidFill>
-                  <a:schemeClr val="tx1">
-                    <a:lumMod val="95000"/>
-                  </a:schemeClr>
-                </a:solidFill>
-              </a:rPr>
-              <a:t>People who suck at drawing</a:t>
-            </a:r>
-          </a:p>
-          <a:p>
-            <a:r>
-              <a:rPr lang="en-US" sz="2400">
-                <a:solidFill>
-                  <a:schemeClr val="tx1">
-                    <a:lumMod val="95000"/>
-                  </a:schemeClr>
-                </a:solidFill>
-              </a:rPr>
-              <a:t>People who like source control</a:t>
-            </a:r>
-          </a:p>
-          <a:p>
-            <a:r>
-              <a:rPr lang="en-US" sz="2400">
-                <a:solidFill>
-                  <a:schemeClr val="tx1">
-                    <a:lumMod val="95000"/>
-                  </a:schemeClr>
-                </a:solidFill>
-              </a:rPr>
-              <a:t>Nerds</a:t>
-            </a:r>
-          </a:p>
-          <a:p>
-            <a:r>
-              <a:rPr lang="en-US" sz="2400">
-                <a:solidFill>
-                  <a:schemeClr val="tx1">
-                    <a:lumMod val="95000"/>
-                  </a:schemeClr>
-                </a:solidFill>
-              </a:rPr>
-              <a:t>People that prefer open-source tools </a:t>
-            </a:r>
-            <a:br>
-              <a:rPr lang="en-US" sz="2400">
-                <a:solidFill>
-                  <a:schemeClr val="tx1">
-                    <a:lumMod val="95000"/>
-                  </a:schemeClr>
-                </a:solidFill>
-              </a:rPr>
-            </a:br>
-            <a:r>
-              <a:rPr lang="en-US" sz="2400" i="1">
-                <a:solidFill>
-                  <a:schemeClr val="tx1">
-                    <a:lumMod val="95000"/>
-                  </a:schemeClr>
-                </a:solidFill>
-              </a:rPr>
-              <a:t>(Common Public License Version 1.0)</a:t>
-            </a:r>
-          </a:p>
-          <a:p>
-            <a:r>
-              <a:rPr lang="en-US" sz="2400">
-                <a:solidFill>
-                  <a:schemeClr val="tx1">
-                    <a:lumMod val="95000"/>
-                  </a:schemeClr>
-                </a:solidFill>
-              </a:rPr>
-              <a:t>People interested in a graphing/charting solution that integrates well with LaTeX</a:t>
-            </a:r>
-          </a:p>
-          <a:p>
-            <a:r>
-              <a:rPr lang="en-US" sz="2400">
-                <a:solidFill>
-                  <a:schemeClr val="tx1">
-                    <a:lumMod val="95000"/>
-                  </a:schemeClr>
-                </a:solidFill>
-              </a:rPr>
-              <a:t>People who don’t like Visio</a:t>
-            </a:r>
-          </a:p>
-        </p:txBody>
-      </p:sp>
+            <a:pPr algn="ctr"/>
+            <a:endParaRPr lang="en-US"/>
+          </a:p>
+        </p:txBody>
+      </p:sp>
+      <p:pic>
+        <p:nvPicPr>
+          <p:cNvPr id="10" name="Picture 9">
+            <a:extLst>
+              <a:ext uri="{FF2B5EF4-FFF2-40B4-BE49-F238E27FC236}">
+                <a16:creationId xmlns:a16="http://schemas.microsoft.com/office/drawing/2014/main" id="{2C88DEE9-74D2-43DB-B95E-7F6F28B7E33E}"/>
+              </a:ext>
+            </a:extLst>
+          </p:cNvPr>
+          <p:cNvPicPr>
+            <a:picLocks noChangeAspect="1"/>
+          </p:cNvPicPr>
+          <p:nvPr/>
+        </p:nvPicPr>
+        <p:blipFill>
+          <a:blip r:embed="rId3"/>
+          <a:stretch>
+            <a:fillRect/>
+          </a:stretch>
+        </p:blipFill>
+        <p:spPr>
+          <a:xfrm>
+            <a:off x="1120478" y="2060933"/>
+            <a:ext cx="4737014" cy="2729987"/>
+          </a:xfrm>
+          <a:prstGeom prst="rect">
+            <a:avLst/>
+          </a:prstGeom>
+        </p:spPr>
+      </p:pic>
+      <p:cxnSp>
+        <p:nvCxnSpPr>
+          <p:cNvPr id="46" name="Straight Connector 45">
+            <a:extLst>
+              <a:ext uri="{FF2B5EF4-FFF2-40B4-BE49-F238E27FC236}">
+                <a16:creationId xmlns:a16="http://schemas.microsoft.com/office/drawing/2014/main" id="{CB93E6D0-3FB9-4871-8AD0-DC05E0E6FA74}"/>
+              </a:ext>
+              <a:ext uri="{C183D7F6-B498-43B3-948B-1728B52AA6E4}">
+                <adec:decorative xmlns:adec="http://schemas.microsoft.com/office/drawing/2017/decorative" val="1"/>
+              </a:ext>
+            </a:extLst>
+          </p:cNvPr>
+          <p:cNvCxnSpPr>
+            <a:cxnSpLocks noGrp="1" noRot="1" noChangeAspect="1" noMove="1" noResize="1" noEditPoints="1" noAdjustHandles="1" noChangeArrowheads="1" noChangeShapeType="1"/>
+          </p:cNvCxnSpPr>
+          <p:nvPr>
+            <p:extLst>
+              <p:ext uri="{386F3935-93C4-4BCD-93E2-E3B085C9AB24}">
+                <p16:designElem xmlns:p16="http://schemas.microsoft.com/office/powerpoint/2015/main" val="1"/>
+              </p:ext>
+            </p:extLst>
+          </p:nvPr>
+        </p:nvCxnSpPr>
+        <p:spPr>
+          <a:xfrm>
+            <a:off x="6096000" y="1482969"/>
+            <a:ext cx="0" cy="3848100"/>
+          </a:xfrm>
+          <a:prstGeom prst="line">
+            <a:avLst/>
+          </a:prstGeom>
+          <a:ln>
+            <a:solidFill>
+              <a:schemeClr val="tx1">
+                <a:lumMod val="75000"/>
+              </a:schemeClr>
+            </a:solidFill>
+          </a:ln>
+        </p:spPr>
+        <p:style>
+          <a:lnRef idx="1">
+            <a:schemeClr val="accent1"/>
+          </a:lnRef>
+          <a:fillRef idx="0">
+            <a:schemeClr val="accent1"/>
+          </a:fillRef>
+          <a:effectRef idx="0">
+            <a:schemeClr val="accent1"/>
+          </a:effectRef>
+          <a:fontRef idx="minor">
+            <a:schemeClr val="tx1"/>
+          </a:fontRef>
+        </p:style>
+      </p:cxnSp>
+      <p:pic>
+        <p:nvPicPr>
+          <p:cNvPr id="7" name="Graphic 6">
+            <a:extLst>
+              <a:ext uri="{FF2B5EF4-FFF2-40B4-BE49-F238E27FC236}">
+                <a16:creationId xmlns:a16="http://schemas.microsoft.com/office/drawing/2014/main" id="{B0CA7BC4-DFAE-4E04-935E-FA5447048F8A}"/>
+              </a:ext>
+            </a:extLst>
+          </p:cNvPr>
+          <p:cNvPicPr>
+            <a:picLocks noChangeAspect="1"/>
+          </p:cNvPicPr>
+          <p:nvPr/>
+        </p:nvPicPr>
+        <p:blipFill>
+          <a:blip r:embed="rId4">
+            <a:extLst>
+              <a:ext uri="{28A0092B-C50C-407E-A947-70E740481C1C}">
+                <a14:useLocalDpi xmlns:a14="http://schemas.microsoft.com/office/drawing/2010/main" val="0"/>
+              </a:ext>
+              <a:ext uri="{96DAC541-7B7A-43D3-8B79-37D633B846F1}">
+                <asvg:svgBlip xmlns:asvg="http://schemas.microsoft.com/office/drawing/2016/SVG/main" r:embed="rId5"/>
+              </a:ext>
+            </a:extLst>
+          </a:blip>
+          <a:stretch>
+            <a:fillRect/>
+          </a:stretch>
+        </p:blipFill>
+        <p:spPr>
+          <a:xfrm>
+            <a:off x="6334503" y="3130279"/>
+            <a:ext cx="4737014" cy="591296"/>
+          </a:xfrm>
+          <a:prstGeom prst="rect">
+            <a:avLst/>
+          </a:prstGeom>
+        </p:spPr>
+      </p:pic>
     </p:spTree>
     <p:extLst>
       <p:ext uri="{BB962C8B-B14F-4D97-AF65-F5344CB8AC3E}">
-        <p14:creationId xmlns:p14="http://schemas.microsoft.com/office/powerpoint/2010/main" val="3914447399"/>
+        <p14:creationId xmlns:p14="http://schemas.microsoft.com/office/powerpoint/2010/main" val="2256638171"/>
       </p:ext>
     </p:extLst>
   </p:cSld>
@@ -6949,258 +10818,247 @@
           <a:chExt cx="0" cy="0"/>
         </a:xfrm>
       </p:grpSpPr>
-      <p:sp>
-        <p:nvSpPr>
-          <p:cNvPr id="2" name="Title 1">
+      <p:sp useBgFill="1">
+        <p:nvSpPr>
+          <p:cNvPr id="51" name="Rectangle 50">
             <a:extLst>
               <a:ext uri="{FF2B5EF4-FFF2-40B4-BE49-F238E27FC236}">
-                <a16:creationId xmlns:a16="http://schemas.microsoft.com/office/drawing/2014/main" id="{3246C9B7-AAA5-43CE-AE2D-898AD0C05F6D}"/>
+                <a16:creationId xmlns:a16="http://schemas.microsoft.com/office/drawing/2014/main" id="{53C572C3-50CF-4B3D-9D6B-34AE74C16FC3}"/>
+              </a:ext>
+              <a:ext uri="{C183D7F6-B498-43B3-948B-1728B52AA6E4}">
+                <adec:decorative xmlns:adec="http://schemas.microsoft.com/office/drawing/2017/decorative" val="1"/>
               </a:ext>
             </a:extLst>
           </p:cNvPr>
           <p:cNvSpPr>
-            <a:spLocks noGrp="1"/>
-          </p:cNvSpPr>
-          <p:nvPr>
-            <p:ph type="title"/>
-          </p:nvPr>
-        </p:nvSpPr>
-        <p:spPr>
-          <a:xfrm>
-            <a:off x="838200" y="365125"/>
-            <a:ext cx="7958667" cy="1137104"/>
-          </a:xfrm>
-        </p:spPr>
-        <p:txBody>
-          <a:bodyPr anchor="b">
-            <a:normAutofit/>
-          </a:bodyPr>
+            <a:spLocks noGrp="1" noRot="1" noChangeAspect="1" noMove="1" noResize="1" noEditPoints="1" noAdjustHandles="1" noChangeArrowheads="1" noChangeShapeType="1" noTextEdit="1"/>
+          </p:cNvSpPr>
+          <p:nvPr>
+            <p:extLst>
+              <p:ext uri="{386F3935-93C4-4BCD-93E2-E3B085C9AB24}">
+                <p16:designElem xmlns:p16="http://schemas.microsoft.com/office/powerpoint/2015/main" val="1"/>
+              </p:ext>
+            </p:extLst>
+          </p:nvPr>
+        </p:nvSpPr>
+        <p:spPr>
+          <a:xfrm>
+            <a:off x="0" y="0"/>
+            <a:ext cx="12192000" cy="6858000"/>
+          </a:xfrm>
+          <a:prstGeom prst="rect">
+            <a:avLst/>
+          </a:prstGeom>
+          <a:ln>
+            <a:noFill/>
+          </a:ln>
+        </p:spPr>
+        <p:style>
+          <a:lnRef idx="2">
+            <a:schemeClr val="accent1">
+              <a:shade val="50000"/>
+            </a:schemeClr>
+          </a:lnRef>
+          <a:fillRef idx="1">
+            <a:schemeClr val="accent1"/>
+          </a:fillRef>
+          <a:effectRef idx="0">
+            <a:schemeClr val="accent1"/>
+          </a:effectRef>
+          <a:fontRef idx="minor">
+            <a:schemeClr val="lt1"/>
+          </a:fontRef>
+        </p:style>
+        <p:txBody>
+          <a:bodyPr rtlCol="0" anchor="ctr"/>
           <a:lstStyle/>
           <a:p>
-            <a:r>
-              <a:rPr lang="en-US" sz="4400">
-                <a:solidFill>
-                  <a:schemeClr val="tx1">
-                    <a:lumMod val="95000"/>
-                  </a:schemeClr>
-                </a:solidFill>
-              </a:rPr>
-              <a:t>Resources</a:t>
-            </a:r>
-          </a:p>
-        </p:txBody>
-      </p:sp>
-      <p:sp>
-        <p:nvSpPr>
-          <p:cNvPr id="3" name="Content Placeholder 2">
+            <a:pPr algn="ctr"/>
+            <a:endParaRPr lang="en-US"/>
+          </a:p>
+        </p:txBody>
+      </p:sp>
+      <p:sp>
+        <p:nvSpPr>
+          <p:cNvPr id="53" name="Rectangle 52">
             <a:extLst>
               <a:ext uri="{FF2B5EF4-FFF2-40B4-BE49-F238E27FC236}">
-                <a16:creationId xmlns:a16="http://schemas.microsoft.com/office/drawing/2014/main" id="{0A495BF7-E4B2-458D-BBA2-B88EA9D0A151}"/>
+                <a16:creationId xmlns:a16="http://schemas.microsoft.com/office/drawing/2014/main" id="{3E0D47CB-7BD5-4AB9-B25C-56750B645835}"/>
+              </a:ext>
+              <a:ext uri="{C183D7F6-B498-43B3-948B-1728B52AA6E4}">
+                <adec:decorative xmlns:adec="http://schemas.microsoft.com/office/drawing/2017/decorative" val="1"/>
               </a:ext>
             </a:extLst>
           </p:cNvPr>
           <p:cNvSpPr>
-            <a:spLocks noGrp="1"/>
-          </p:cNvSpPr>
-          <p:nvPr>
-            <p:ph idx="1"/>
-          </p:nvPr>
-        </p:nvSpPr>
-        <p:spPr>
-          <a:xfrm>
-            <a:off x="838200" y="1825625"/>
-            <a:ext cx="7958667" cy="4351338"/>
-          </a:xfrm>
-        </p:spPr>
-        <p:txBody>
-          <a:bodyPr>
-            <a:normAutofit/>
-          </a:bodyPr>
+            <a:spLocks noGrp="1" noRot="1" noChangeAspect="1" noMove="1" noResize="1" noEditPoints="1" noAdjustHandles="1" noChangeArrowheads="1" noChangeShapeType="1" noTextEdit="1"/>
+          </p:cNvSpPr>
+          <p:nvPr>
+            <p:extLst>
+              <p:ext uri="{386F3935-93C4-4BCD-93E2-E3B085C9AB24}">
+                <p16:designElem xmlns:p16="http://schemas.microsoft.com/office/powerpoint/2015/main" val="1"/>
+              </p:ext>
+            </p:extLst>
+          </p:nvPr>
+        </p:nvSpPr>
+        <p:spPr>
+          <a:xfrm>
+            <a:off x="643466" y="643468"/>
+            <a:ext cx="10905067" cy="5571066"/>
+          </a:xfrm>
+          <a:prstGeom prst="rect">
+            <a:avLst/>
+          </a:prstGeom>
+          <a:solidFill>
+            <a:srgbClr val="FFFFFF"/>
+          </a:solidFill>
+          <a:ln>
+            <a:noFill/>
+          </a:ln>
+        </p:spPr>
+        <p:style>
+          <a:lnRef idx="2">
+            <a:schemeClr val="accent1">
+              <a:shade val="50000"/>
+            </a:schemeClr>
+          </a:lnRef>
+          <a:fillRef idx="1">
+            <a:schemeClr val="accent1"/>
+          </a:fillRef>
+          <a:effectRef idx="0">
+            <a:schemeClr val="accent1"/>
+          </a:effectRef>
+          <a:fontRef idx="minor">
+            <a:schemeClr val="lt1"/>
+          </a:fontRef>
+        </p:style>
+        <p:txBody>
+          <a:bodyPr rtlCol="0" anchor="ctr"/>
           <a:lstStyle/>
           <a:p>
-            <a:r>
-              <a:rPr lang="en-US" sz="2400" dirty="0">
-                <a:solidFill>
-                  <a:schemeClr val="tx1">
-                    <a:lumMod val="95000"/>
-                  </a:schemeClr>
-                </a:solidFill>
-              </a:rPr>
-              <a:t>GraphViz.org</a:t>
-            </a:r>
-            <a:br>
-              <a:rPr lang="en-US" sz="2400" dirty="0">
-                <a:solidFill>
-                  <a:schemeClr val="tx1">
-                    <a:lumMod val="95000"/>
-                  </a:schemeClr>
-                </a:solidFill>
-              </a:rPr>
-            </a:br>
-            <a:r>
-              <a:rPr lang="en-US" sz="2400" i="1" dirty="0">
-                <a:solidFill>
-                  <a:schemeClr val="tx1">
-                    <a:lumMod val="95000"/>
-                  </a:schemeClr>
-                </a:solidFill>
-              </a:rPr>
-              <a:t>the base site from the creators</a:t>
-            </a:r>
-            <a:endParaRPr lang="en-US" sz="2400" dirty="0">
-              <a:solidFill>
-                <a:schemeClr val="tx1">
-                  <a:lumMod val="95000"/>
-                </a:schemeClr>
-              </a:solidFill>
-            </a:endParaRPr>
-          </a:p>
-          <a:p>
-            <a:r>
-              <a:rPr lang="en-US" sz="2400" dirty="0" err="1">
-                <a:solidFill>
-                  <a:schemeClr val="tx1">
-                    <a:lumMod val="95000"/>
-                  </a:schemeClr>
-                </a:solidFill>
-              </a:rPr>
-              <a:t>GraphViz</a:t>
-            </a:r>
-            <a:r>
-              <a:rPr lang="en-US" sz="2400" dirty="0">
-                <a:solidFill>
-                  <a:schemeClr val="tx1">
-                    <a:lumMod val="95000"/>
-                  </a:schemeClr>
-                </a:solidFill>
-              </a:rPr>
-              <a:t> Pocket Reference – (graphs.grevian.org)</a:t>
-            </a:r>
-            <a:br>
-              <a:rPr lang="en-US" sz="2400" dirty="0">
-                <a:solidFill>
-                  <a:schemeClr val="tx1">
-                    <a:lumMod val="95000"/>
-                  </a:schemeClr>
-                </a:solidFill>
-              </a:rPr>
-            </a:br>
-            <a:r>
-              <a:rPr lang="en-US" sz="2400" i="1" dirty="0">
-                <a:solidFill>
-                  <a:schemeClr val="tx1">
-                    <a:lumMod val="95000"/>
-                  </a:schemeClr>
-                </a:solidFill>
-              </a:rPr>
-              <a:t>by Josh Hayes-Sheen</a:t>
-            </a:r>
-            <a:endParaRPr lang="en-US" sz="2400" dirty="0">
-              <a:solidFill>
-                <a:schemeClr val="tx1">
-                  <a:lumMod val="95000"/>
-                </a:schemeClr>
-              </a:solidFill>
-            </a:endParaRPr>
-          </a:p>
-          <a:p>
-            <a:r>
-              <a:rPr lang="en-US" sz="2400" dirty="0">
-                <a:solidFill>
-                  <a:schemeClr val="tx1">
-                    <a:lumMod val="95000"/>
-                  </a:schemeClr>
-                </a:solidFill>
-              </a:rPr>
-              <a:t>WebGraphViz.com</a:t>
-            </a:r>
-            <a:br>
-              <a:rPr lang="en-US" sz="2400" dirty="0">
-                <a:solidFill>
-                  <a:schemeClr val="tx1">
-                    <a:lumMod val="95000"/>
-                  </a:schemeClr>
-                </a:solidFill>
-              </a:rPr>
-            </a:br>
-            <a:r>
-              <a:rPr lang="en-US" sz="2400" i="1" dirty="0">
-                <a:solidFill>
-                  <a:schemeClr val="tx1">
-                    <a:lumMod val="95000"/>
-                  </a:schemeClr>
-                </a:solidFill>
-              </a:rPr>
-              <a:t>a web-based tool</a:t>
-            </a:r>
-          </a:p>
-          <a:p>
-            <a:r>
-              <a:rPr lang="en-US" sz="2400" dirty="0" err="1">
-                <a:solidFill>
-                  <a:schemeClr val="tx1">
-                    <a:lumMod val="95000"/>
-                  </a:schemeClr>
-                </a:solidFill>
-              </a:rPr>
-              <a:t>GraphViz</a:t>
-            </a:r>
-            <a:r>
-              <a:rPr lang="en-US" sz="2400" dirty="0">
-                <a:solidFill>
-                  <a:schemeClr val="tx1">
-                    <a:lumMod val="95000"/>
-                  </a:schemeClr>
-                </a:solidFill>
-              </a:rPr>
-              <a:t> Preview – Visual Studio Code Plugin</a:t>
-            </a:r>
-            <a:br>
-              <a:rPr lang="en-US" sz="2400" dirty="0">
-                <a:solidFill>
-                  <a:schemeClr val="tx1">
-                    <a:lumMod val="95000"/>
-                  </a:schemeClr>
-                </a:solidFill>
-              </a:rPr>
-            </a:br>
-            <a:r>
-              <a:rPr lang="en-US" sz="2400" dirty="0">
-                <a:solidFill>
-                  <a:schemeClr val="tx1">
-                    <a:lumMod val="95000"/>
-                  </a:schemeClr>
-                </a:solidFill>
-              </a:rPr>
-              <a:t>(</a:t>
-            </a:r>
-            <a:r>
-              <a:rPr lang="en-US" sz="1600" dirty="0">
-                <a:solidFill>
-                  <a:schemeClr val="tx1">
-                    <a:lumMod val="95000"/>
-                  </a:schemeClr>
-                </a:solidFill>
-              </a:rPr>
-              <a:t>https://marketplace.visualstudio.com/items?itemName=EFanZh.graphviz-preview</a:t>
-            </a:r>
-            <a:r>
-              <a:rPr lang="en-US" sz="2400" dirty="0">
-                <a:solidFill>
-                  <a:schemeClr val="tx1">
-                    <a:lumMod val="95000"/>
-                  </a:schemeClr>
-                </a:solidFill>
-              </a:rPr>
-              <a:t>)</a:t>
-            </a:r>
-          </a:p>
-        </p:txBody>
-      </p:sp>
+            <a:pPr algn="ctr"/>
+            <a:endParaRPr lang="en-US"/>
+          </a:p>
+        </p:txBody>
+      </p:sp>
+      <p:pic>
+        <p:nvPicPr>
+          <p:cNvPr id="3" name="Picture 2">
+            <a:extLst>
+              <a:ext uri="{FF2B5EF4-FFF2-40B4-BE49-F238E27FC236}">
+                <a16:creationId xmlns:a16="http://schemas.microsoft.com/office/drawing/2014/main" id="{52C73002-7826-4896-9AD5-8B664746AFE9}"/>
+              </a:ext>
+            </a:extLst>
+          </p:cNvPr>
+          <p:cNvPicPr>
+            <a:picLocks noChangeAspect="1"/>
+          </p:cNvPicPr>
+          <p:nvPr/>
+        </p:nvPicPr>
+        <p:blipFill>
+          <a:blip r:embed="rId3"/>
+          <a:stretch>
+            <a:fillRect/>
+          </a:stretch>
+        </p:blipFill>
+        <p:spPr>
+          <a:xfrm>
+            <a:off x="7738868" y="1126600"/>
+            <a:ext cx="2256352" cy="4604800"/>
+          </a:xfrm>
+          <a:prstGeom prst="rect">
+            <a:avLst/>
+          </a:prstGeom>
+        </p:spPr>
+      </p:pic>
+      <p:cxnSp>
+        <p:nvCxnSpPr>
+          <p:cNvPr id="55" name="Straight Connector 54">
+            <a:extLst>
+              <a:ext uri="{FF2B5EF4-FFF2-40B4-BE49-F238E27FC236}">
+                <a16:creationId xmlns:a16="http://schemas.microsoft.com/office/drawing/2014/main" id="{CB93E6D0-3FB9-4871-8AD0-DC05E0E6FA74}"/>
+              </a:ext>
+              <a:ext uri="{C183D7F6-B498-43B3-948B-1728B52AA6E4}">
+                <adec:decorative xmlns:adec="http://schemas.microsoft.com/office/drawing/2017/decorative" val="1"/>
+              </a:ext>
+            </a:extLst>
+          </p:cNvPr>
+          <p:cNvCxnSpPr>
+            <a:cxnSpLocks noGrp="1" noRot="1" noChangeAspect="1" noMove="1" noResize="1" noEditPoints="1" noAdjustHandles="1" noChangeArrowheads="1" noChangeShapeType="1"/>
+          </p:cNvCxnSpPr>
+          <p:nvPr>
+            <p:extLst>
+              <p:ext uri="{386F3935-93C4-4BCD-93E2-E3B085C9AB24}">
+                <p16:designElem xmlns:p16="http://schemas.microsoft.com/office/powerpoint/2015/main" val="1"/>
+              </p:ext>
+            </p:extLst>
+          </p:nvPr>
+        </p:nvCxnSpPr>
+        <p:spPr>
+          <a:xfrm>
+            <a:off x="6096000" y="1482969"/>
+            <a:ext cx="0" cy="3848100"/>
+          </a:xfrm>
+          <a:prstGeom prst="line">
+            <a:avLst/>
+          </a:prstGeom>
+          <a:ln>
+            <a:solidFill>
+              <a:schemeClr val="tx1">
+                <a:lumMod val="75000"/>
+              </a:schemeClr>
+            </a:solidFill>
+          </a:ln>
+        </p:spPr>
+        <p:style>
+          <a:lnRef idx="1">
+            <a:schemeClr val="accent1"/>
+          </a:lnRef>
+          <a:fillRef idx="0">
+            <a:schemeClr val="accent1"/>
+          </a:fillRef>
+          <a:effectRef idx="0">
+            <a:schemeClr val="accent1"/>
+          </a:effectRef>
+          <a:fontRef idx="minor">
+            <a:schemeClr val="tx1"/>
+          </a:fontRef>
+        </p:style>
+      </p:cxnSp>
+      <p:pic>
+        <p:nvPicPr>
+          <p:cNvPr id="2" name="Picture 1">
+            <a:extLst>
+              <a:ext uri="{FF2B5EF4-FFF2-40B4-BE49-F238E27FC236}">
+                <a16:creationId xmlns:a16="http://schemas.microsoft.com/office/drawing/2014/main" id="{E69C5C25-0AB2-4E49-8CE2-1F7D923C8664}"/>
+              </a:ext>
+            </a:extLst>
+          </p:cNvPr>
+          <p:cNvPicPr>
+            <a:picLocks noChangeAspect="1"/>
+          </p:cNvPicPr>
+          <p:nvPr/>
+        </p:nvPicPr>
+        <p:blipFill>
+          <a:blip r:embed="rId4"/>
+          <a:stretch>
+            <a:fillRect/>
+          </a:stretch>
+        </p:blipFill>
+        <p:spPr>
+          <a:xfrm>
+            <a:off x="1037253" y="1132024"/>
+            <a:ext cx="4737014" cy="4599376"/>
+          </a:xfrm>
+          <a:prstGeom prst="rect">
+            <a:avLst/>
+          </a:prstGeom>
+        </p:spPr>
+      </p:pic>
     </p:spTree>
     <p:extLst>
       <p:ext uri="{BB962C8B-B14F-4D97-AF65-F5344CB8AC3E}">
-        <p14:creationId xmlns:p14="http://schemas.microsoft.com/office/powerpoint/2010/main" val="2129563506"/>
+        <p14:creationId xmlns:p14="http://schemas.microsoft.com/office/powerpoint/2010/main" val="682668030"/>
       </p:ext>
     </p:extLst>
   </p:cSld>
@@ -7242,146 +11100,189 @@
           <a:chExt cx="0" cy="0"/>
         </a:xfrm>
       </p:grpSpPr>
-      <p:sp>
-        <p:nvSpPr>
-          <p:cNvPr id="2" name="Title 1">
+      <p:sp useBgFill="1">
+        <p:nvSpPr>
+          <p:cNvPr id="51" name="Rectangle 50">
             <a:extLst>
               <a:ext uri="{FF2B5EF4-FFF2-40B4-BE49-F238E27FC236}">
-                <a16:creationId xmlns:a16="http://schemas.microsoft.com/office/drawing/2014/main" id="{522CEEE6-AAF2-4A81-BE28-44E6B2B115ED}"/>
+                <a16:creationId xmlns:a16="http://schemas.microsoft.com/office/drawing/2014/main" id="{53C572C3-50CF-4B3D-9D6B-34AE74C16FC3}"/>
+              </a:ext>
+              <a:ext uri="{C183D7F6-B498-43B3-948B-1728B52AA6E4}">
+                <adec:decorative xmlns:adec="http://schemas.microsoft.com/office/drawing/2017/decorative" val="1"/>
               </a:ext>
             </a:extLst>
           </p:cNvPr>
           <p:cNvSpPr>
-            <a:spLocks noGrp="1"/>
-          </p:cNvSpPr>
-          <p:nvPr>
-            <p:ph type="title"/>
-          </p:nvPr>
-        </p:nvSpPr>
-        <p:spPr>
-          <a:xfrm>
-            <a:off x="838200" y="5145932"/>
-            <a:ext cx="10515600" cy="959586"/>
-          </a:xfrm>
-        </p:spPr>
-        <p:txBody>
-          <a:bodyPr vert="horz" wrap="none" lIns="91440" tIns="45720" rIns="91440" bIns="45720" rtlCol="0" anchor="t">
-            <a:normAutofit/>
-          </a:bodyPr>
+            <a:spLocks noGrp="1" noRot="1" noChangeAspect="1" noMove="1" noResize="1" noEditPoints="1" noAdjustHandles="1" noChangeArrowheads="1" noChangeShapeType="1" noTextEdit="1"/>
+          </p:cNvSpPr>
+          <p:nvPr>
+            <p:extLst>
+              <p:ext uri="{386F3935-93C4-4BCD-93E2-E3B085C9AB24}">
+                <p16:designElem xmlns:p16="http://schemas.microsoft.com/office/powerpoint/2015/main" val="1"/>
+              </p:ext>
+            </p:extLst>
+          </p:nvPr>
+        </p:nvSpPr>
+        <p:spPr>
+          <a:xfrm>
+            <a:off x="0" y="0"/>
+            <a:ext cx="12192000" cy="6858000"/>
+          </a:xfrm>
+          <a:prstGeom prst="rect">
+            <a:avLst/>
+          </a:prstGeom>
+          <a:ln>
+            <a:noFill/>
+          </a:ln>
+        </p:spPr>
+        <p:style>
+          <a:lnRef idx="2">
+            <a:schemeClr val="accent1">
+              <a:shade val="50000"/>
+            </a:schemeClr>
+          </a:lnRef>
+          <a:fillRef idx="1">
+            <a:schemeClr val="accent1"/>
+          </a:fillRef>
+          <a:effectRef idx="0">
+            <a:schemeClr val="accent1"/>
+          </a:effectRef>
+          <a:fontRef idx="minor">
+            <a:schemeClr val="lt1"/>
+          </a:fontRef>
+        </p:style>
+        <p:txBody>
+          <a:bodyPr rtlCol="0" anchor="ctr"/>
           <a:lstStyle/>
           <a:p>
-            <a:pPr algn="r"/>
-            <a:r>
-              <a:rPr lang="en-US" sz="4000" spc="-300">
-                <a:gradFill flip="none" rotWithShape="1">
-                  <a:gsLst>
-                    <a:gs pos="32000">
-                      <a:schemeClr val="tx1">
-                        <a:lumMod val="89000"/>
-                      </a:schemeClr>
-                    </a:gs>
-                    <a:gs pos="0">
-                      <a:schemeClr val="bg1">
-                        <a:lumMod val="41000"/>
-                        <a:lumOff val="59000"/>
-                      </a:schemeClr>
-                    </a:gs>
-                    <a:gs pos="100000">
-                      <a:schemeClr val="tx2">
-                        <a:lumMod val="0"/>
-                        <a:lumOff val="100000"/>
-                      </a:schemeClr>
-                    </a:gs>
-                  </a:gsLst>
-                  <a:lin ang="8100000" scaled="1"/>
-                  <a:tileRect/>
-                </a:gradFill>
-                <a:effectLst>
-                  <a:outerShdw blurRad="469900" dist="342900" dir="5400000" sy="-20000" rotWithShape="0">
-                    <a:prstClr val="black">
-                      <a:alpha val="66000"/>
-                    </a:prstClr>
-                  </a:outerShdw>
-                </a:effectLst>
-              </a:rPr>
-              <a:t>Presentation Resources</a:t>
-            </a:r>
-          </a:p>
-        </p:txBody>
-      </p:sp>
-      <p:sp>
-        <p:nvSpPr>
-          <p:cNvPr id="3" name="Content Placeholder 2">
+            <a:pPr algn="ctr"/>
+            <a:endParaRPr lang="en-US"/>
+          </a:p>
+        </p:txBody>
+      </p:sp>
+      <p:sp>
+        <p:nvSpPr>
+          <p:cNvPr id="53" name="Rectangle 52">
             <a:extLst>
               <a:ext uri="{FF2B5EF4-FFF2-40B4-BE49-F238E27FC236}">
-                <a16:creationId xmlns:a16="http://schemas.microsoft.com/office/drawing/2014/main" id="{71D8C61D-4AF1-4B90-ACDC-20B2CAB4F902}"/>
+                <a16:creationId xmlns:a16="http://schemas.microsoft.com/office/drawing/2014/main" id="{3E0D47CB-7BD5-4AB9-B25C-56750B645835}"/>
+              </a:ext>
+              <a:ext uri="{C183D7F6-B498-43B3-948B-1728B52AA6E4}">
+                <adec:decorative xmlns:adec="http://schemas.microsoft.com/office/drawing/2017/decorative" val="1"/>
               </a:ext>
             </a:extLst>
           </p:cNvPr>
           <p:cNvSpPr>
-            <a:spLocks noGrp="1"/>
-          </p:cNvSpPr>
-          <p:nvPr>
-            <p:ph idx="1"/>
-          </p:nvPr>
-        </p:nvSpPr>
-        <p:spPr>
-          <a:xfrm>
-            <a:off x="2209799" y="4533089"/>
-            <a:ext cx="9144000" cy="612843"/>
-          </a:xfrm>
-        </p:spPr>
-        <p:txBody>
-          <a:bodyPr vert="horz" lIns="91440" tIns="45720" rIns="91440" bIns="45720" rtlCol="0" anchor="b">
-            <a:normAutofit/>
-          </a:bodyPr>
+            <a:spLocks noGrp="1" noRot="1" noChangeAspect="1" noMove="1" noResize="1" noEditPoints="1" noAdjustHandles="1" noChangeArrowheads="1" noChangeShapeType="1" noTextEdit="1"/>
+          </p:cNvSpPr>
+          <p:nvPr>
+            <p:extLst>
+              <p:ext uri="{386F3935-93C4-4BCD-93E2-E3B085C9AB24}">
+                <p16:designElem xmlns:p16="http://schemas.microsoft.com/office/powerpoint/2015/main" val="1"/>
+              </p:ext>
+            </p:extLst>
+          </p:nvPr>
+        </p:nvSpPr>
+        <p:spPr>
+          <a:xfrm>
+            <a:off x="643466" y="643468"/>
+            <a:ext cx="10905067" cy="5571066"/>
+          </a:xfrm>
+          <a:prstGeom prst="rect">
+            <a:avLst/>
+          </a:prstGeom>
+          <a:solidFill>
+            <a:srgbClr val="FFFFFF"/>
+          </a:solidFill>
+          <a:ln>
+            <a:noFill/>
+          </a:ln>
+        </p:spPr>
+        <p:style>
+          <a:lnRef idx="2">
+            <a:schemeClr val="accent1">
+              <a:shade val="50000"/>
+            </a:schemeClr>
+          </a:lnRef>
+          <a:fillRef idx="1">
+            <a:schemeClr val="accent1"/>
+          </a:fillRef>
+          <a:effectRef idx="0">
+            <a:schemeClr val="accent1"/>
+          </a:effectRef>
+          <a:fontRef idx="minor">
+            <a:schemeClr val="lt1"/>
+          </a:fontRef>
+        </p:style>
+        <p:txBody>
+          <a:bodyPr rtlCol="0" anchor="ctr"/>
           <a:lstStyle/>
           <a:p>
-            <a:pPr marL="0" indent="0" algn="r">
-              <a:buNone/>
-            </a:pPr>
-            <a:r>
-              <a:rPr lang="en-US" sz="2000">
-                <a:gradFill flip="none" rotWithShape="1">
-                  <a:gsLst>
-                    <a:gs pos="15000">
-                      <a:schemeClr val="tx2"/>
-                    </a:gs>
-                    <a:gs pos="73000">
-                      <a:schemeClr val="tx2">
-                        <a:lumMod val="60000"/>
-                        <a:lumOff val="40000"/>
-                      </a:schemeClr>
-                    </a:gs>
-                    <a:gs pos="0">
-                      <a:schemeClr val="tx2">
-                        <a:lumMod val="90000"/>
-                        <a:lumOff val="10000"/>
-                      </a:schemeClr>
-                    </a:gs>
-                    <a:gs pos="100000">
-                      <a:schemeClr val="tx2">
-                        <a:lumMod val="0"/>
-                        <a:lumOff val="100000"/>
-                      </a:schemeClr>
-                    </a:gs>
-                  </a:gsLst>
-                  <a:lin ang="16200000" scaled="1"/>
-                  <a:tileRect/>
-                </a:gradFill>
-                <a:latin typeface="+mj-lt"/>
-              </a:rPr>
-              <a:t>https://github.com/whoiskevinrich/GraphViz-LightningTalk</a:t>
-            </a:r>
-          </a:p>
-        </p:txBody>
-      </p:sp>
+            <a:pPr algn="ctr"/>
+            <a:endParaRPr lang="en-US"/>
+          </a:p>
+        </p:txBody>
+      </p:sp>
+      <p:cxnSp>
+        <p:nvCxnSpPr>
+          <p:cNvPr id="55" name="Straight Connector 54">
+            <a:extLst>
+              <a:ext uri="{FF2B5EF4-FFF2-40B4-BE49-F238E27FC236}">
+                <a16:creationId xmlns:a16="http://schemas.microsoft.com/office/drawing/2014/main" id="{CB93E6D0-3FB9-4871-8AD0-DC05E0E6FA74}"/>
+              </a:ext>
+              <a:ext uri="{C183D7F6-B498-43B3-948B-1728B52AA6E4}">
+                <adec:decorative xmlns:adec="http://schemas.microsoft.com/office/drawing/2017/decorative" val="1"/>
+              </a:ext>
+            </a:extLst>
+          </p:cNvPr>
+          <p:cNvCxnSpPr>
+            <a:cxnSpLocks noGrp="1" noRot="1" noChangeAspect="1" noMove="1" noResize="1" noEditPoints="1" noAdjustHandles="1" noChangeArrowheads="1" noChangeShapeType="1"/>
+          </p:cNvCxnSpPr>
+          <p:nvPr>
+            <p:extLst>
+              <p:ext uri="{386F3935-93C4-4BCD-93E2-E3B085C9AB24}">
+                <p16:designElem xmlns:p16="http://schemas.microsoft.com/office/powerpoint/2015/main" val="1"/>
+              </p:ext>
+            </p:extLst>
+          </p:nvPr>
+        </p:nvCxnSpPr>
+        <p:spPr>
+          <a:xfrm>
+            <a:off x="6096000" y="1482969"/>
+            <a:ext cx="0" cy="3848100"/>
+          </a:xfrm>
+          <a:prstGeom prst="line">
+            <a:avLst/>
+          </a:prstGeom>
+          <a:ln>
+            <a:solidFill>
+              <a:schemeClr val="tx1">
+                <a:lumMod val="75000"/>
+              </a:schemeClr>
+            </a:solidFill>
+          </a:ln>
+        </p:spPr>
+        <p:style>
+          <a:lnRef idx="1">
+            <a:schemeClr val="accent1"/>
+          </a:lnRef>
+          <a:fillRef idx="0">
+            <a:schemeClr val="accent1"/>
+          </a:fillRef>
+          <a:effectRef idx="0">
+            <a:schemeClr val="accent1"/>
+          </a:effectRef>
+          <a:fontRef idx="minor">
+            <a:schemeClr val="tx1"/>
+          </a:fontRef>
+        </p:style>
+      </p:cxnSp>
       <p:pic>
         <p:nvPicPr>
-          <p:cNvPr id="7" name="Graphic 6" descr="Teacher">
+          <p:cNvPr id="4" name="Picture 3">
             <a:extLst>
               <a:ext uri="{FF2B5EF4-FFF2-40B4-BE49-F238E27FC236}">
-                <a16:creationId xmlns:a16="http://schemas.microsoft.com/office/drawing/2014/main" id="{500A75E3-B46F-480A-8377-816C57EA0780}"/>
+                <a16:creationId xmlns:a16="http://schemas.microsoft.com/office/drawing/2014/main" id="{AA9AE5FC-26B8-4C7C-A73E-C4CAE8592E6A}"/>
               </a:ext>
             </a:extLst>
           </p:cNvPr>
@@ -7391,24 +11292,45 @@
           <p:nvPr/>
         </p:nvPicPr>
         <p:blipFill>
-          <a:blip r:embed="rId3">
-            <a:extLst>
-              <a:ext uri="{28A0092B-C50C-407E-A947-70E740481C1C}">
-                <a14:useLocalDpi xmlns:a14="http://schemas.microsoft.com/office/drawing/2010/main" val="0"/>
-              </a:ext>
-              <a:ext uri="{96DAC541-7B7A-43D3-8B79-37D633B846F1}">
-                <asvg:svgBlip xmlns:asvg="http://schemas.microsoft.com/office/drawing/2016/SVG/main" r:embed="rId4"/>
-              </a:ext>
-            </a:extLst>
-          </a:blip>
+          <a:blip r:embed="rId3"/>
           <a:stretch>
             <a:fillRect/>
           </a:stretch>
         </p:blipFill>
         <p:spPr>
           <a:xfrm>
-            <a:off x="838201" y="643464"/>
-            <a:ext cx="3889625" cy="3889625"/>
+            <a:off x="2196780" y="2681287"/>
+            <a:ext cx="2495550" cy="1495425"/>
+          </a:xfrm>
+          <a:prstGeom prst="rect">
+            <a:avLst/>
+          </a:prstGeom>
+        </p:spPr>
+      </p:pic>
+      <p:pic>
+        <p:nvPicPr>
+          <p:cNvPr id="5" name="Picture 4">
+            <a:extLst>
+              <a:ext uri="{FF2B5EF4-FFF2-40B4-BE49-F238E27FC236}">
+                <a16:creationId xmlns:a16="http://schemas.microsoft.com/office/drawing/2014/main" id="{35F1B436-6B5A-46B9-BAE3-319892AB643E}"/>
+              </a:ext>
+            </a:extLst>
+          </p:cNvPr>
+          <p:cNvPicPr>
+            <a:picLocks noChangeAspect="1"/>
+          </p:cNvPicPr>
+          <p:nvPr/>
+        </p:nvPicPr>
+        <p:blipFill>
+          <a:blip r:embed="rId4"/>
+          <a:stretch>
+            <a:fillRect/>
+          </a:stretch>
+        </p:blipFill>
+        <p:spPr>
+          <a:xfrm>
+            <a:off x="7862368" y="2095499"/>
+            <a:ext cx="1771650" cy="2667000"/>
           </a:xfrm>
           <a:prstGeom prst="rect">
             <a:avLst/>
@@ -7418,7 +11340,571 @@
     </p:spTree>
     <p:extLst>
       <p:ext uri="{BB962C8B-B14F-4D97-AF65-F5344CB8AC3E}">
-        <p14:creationId xmlns:p14="http://schemas.microsoft.com/office/powerpoint/2010/main" val="1149300295"/>
+        <p14:creationId xmlns:p14="http://schemas.microsoft.com/office/powerpoint/2010/main" val="725856451"/>
+      </p:ext>
+    </p:extLst>
+  </p:cSld>
+  <p:clrMapOvr>
+    <a:masterClrMapping/>
+  </p:clrMapOvr>
+</p:sld>
+</file>
+
+<file path=ppt/slides/slide8.xml><?xml version="1.0" encoding="utf-8"?>
+<p:sld xmlns:a="http://schemas.openxmlformats.org/drawingml/2006/main" xmlns:r="http://schemas.openxmlformats.org/officeDocument/2006/relationships" xmlns:p="http://schemas.openxmlformats.org/presentationml/2006/main">
+  <p:cSld>
+    <p:bg>
+      <p:bgPr>
+        <a:blipFill dpi="0" rotWithShape="1">
+          <a:blip r:embed="rId2">
+            <a:lum/>
+            <a:extLst/>
+          </a:blip>
+          <a:srcRect/>
+          <a:stretch>
+            <a:fillRect/>
+          </a:stretch>
+        </a:blipFill>
+        <a:effectLst/>
+      </p:bgPr>
+    </p:bg>
+    <p:spTree>
+      <p:nvGrpSpPr>
+        <p:cNvPr id="1" name=""/>
+        <p:cNvGrpSpPr/>
+        <p:nvPr/>
+      </p:nvGrpSpPr>
+      <p:grpSpPr>
+        <a:xfrm>
+          <a:off x="0" y="0"/>
+          <a:ext cx="0" cy="0"/>
+          <a:chOff x="0" y="0"/>
+          <a:chExt cx="0" cy="0"/>
+        </a:xfrm>
+      </p:grpSpPr>
+      <p:sp useBgFill="1">
+        <p:nvSpPr>
+          <p:cNvPr id="51" name="Rectangle 50">
+            <a:extLst>
+              <a:ext uri="{FF2B5EF4-FFF2-40B4-BE49-F238E27FC236}">
+                <a16:creationId xmlns:a16="http://schemas.microsoft.com/office/drawing/2014/main" id="{53C572C3-50CF-4B3D-9D6B-34AE74C16FC3}"/>
+              </a:ext>
+              <a:ext uri="{C183D7F6-B498-43B3-948B-1728B52AA6E4}">
+                <adec:decorative xmlns:adec="http://schemas.microsoft.com/office/drawing/2017/decorative" val="1"/>
+              </a:ext>
+            </a:extLst>
+          </p:cNvPr>
+          <p:cNvSpPr>
+            <a:spLocks noGrp="1" noRot="1" noChangeAspect="1" noMove="1" noResize="1" noEditPoints="1" noAdjustHandles="1" noChangeArrowheads="1" noChangeShapeType="1" noTextEdit="1"/>
+          </p:cNvSpPr>
+          <p:nvPr>
+            <p:extLst>
+              <p:ext uri="{386F3935-93C4-4BCD-93E2-E3B085C9AB24}">
+                <p16:designElem xmlns:p16="http://schemas.microsoft.com/office/powerpoint/2015/main" val="1"/>
+              </p:ext>
+            </p:extLst>
+          </p:nvPr>
+        </p:nvSpPr>
+        <p:spPr>
+          <a:xfrm>
+            <a:off x="0" y="0"/>
+            <a:ext cx="12192000" cy="6858000"/>
+          </a:xfrm>
+          <a:prstGeom prst="rect">
+            <a:avLst/>
+          </a:prstGeom>
+          <a:ln>
+            <a:noFill/>
+          </a:ln>
+        </p:spPr>
+        <p:style>
+          <a:lnRef idx="2">
+            <a:schemeClr val="accent1">
+              <a:shade val="50000"/>
+            </a:schemeClr>
+          </a:lnRef>
+          <a:fillRef idx="1">
+            <a:schemeClr val="accent1"/>
+          </a:fillRef>
+          <a:effectRef idx="0">
+            <a:schemeClr val="accent1"/>
+          </a:effectRef>
+          <a:fontRef idx="minor">
+            <a:schemeClr val="lt1"/>
+          </a:fontRef>
+        </p:style>
+        <p:txBody>
+          <a:bodyPr rtlCol="0" anchor="ctr"/>
+          <a:lstStyle/>
+          <a:p>
+            <a:pPr algn="ctr"/>
+            <a:endParaRPr lang="en-US"/>
+          </a:p>
+        </p:txBody>
+      </p:sp>
+      <p:sp>
+        <p:nvSpPr>
+          <p:cNvPr id="53" name="Rectangle 52">
+            <a:extLst>
+              <a:ext uri="{FF2B5EF4-FFF2-40B4-BE49-F238E27FC236}">
+                <a16:creationId xmlns:a16="http://schemas.microsoft.com/office/drawing/2014/main" id="{3E0D47CB-7BD5-4AB9-B25C-56750B645835}"/>
+              </a:ext>
+              <a:ext uri="{C183D7F6-B498-43B3-948B-1728B52AA6E4}">
+                <adec:decorative xmlns:adec="http://schemas.microsoft.com/office/drawing/2017/decorative" val="1"/>
+              </a:ext>
+            </a:extLst>
+          </p:cNvPr>
+          <p:cNvSpPr>
+            <a:spLocks noGrp="1" noRot="1" noChangeAspect="1" noMove="1" noResize="1" noEditPoints="1" noAdjustHandles="1" noChangeArrowheads="1" noChangeShapeType="1" noTextEdit="1"/>
+          </p:cNvSpPr>
+          <p:nvPr>
+            <p:extLst>
+              <p:ext uri="{386F3935-93C4-4BCD-93E2-E3B085C9AB24}">
+                <p16:designElem xmlns:p16="http://schemas.microsoft.com/office/powerpoint/2015/main" val="1"/>
+              </p:ext>
+            </p:extLst>
+          </p:nvPr>
+        </p:nvSpPr>
+        <p:spPr>
+          <a:xfrm>
+            <a:off x="643466" y="643468"/>
+            <a:ext cx="10905067" cy="5571066"/>
+          </a:xfrm>
+          <a:prstGeom prst="rect">
+            <a:avLst/>
+          </a:prstGeom>
+          <a:solidFill>
+            <a:srgbClr val="FFFFFF"/>
+          </a:solidFill>
+          <a:ln>
+            <a:noFill/>
+          </a:ln>
+        </p:spPr>
+        <p:style>
+          <a:lnRef idx="2">
+            <a:schemeClr val="accent1">
+              <a:shade val="50000"/>
+            </a:schemeClr>
+          </a:lnRef>
+          <a:fillRef idx="1">
+            <a:schemeClr val="accent1"/>
+          </a:fillRef>
+          <a:effectRef idx="0">
+            <a:schemeClr val="accent1"/>
+          </a:effectRef>
+          <a:fontRef idx="minor">
+            <a:schemeClr val="lt1"/>
+          </a:fontRef>
+        </p:style>
+        <p:txBody>
+          <a:bodyPr rtlCol="0" anchor="ctr"/>
+          <a:lstStyle/>
+          <a:p>
+            <a:pPr algn="ctr"/>
+            <a:endParaRPr lang="en-US"/>
+          </a:p>
+        </p:txBody>
+      </p:sp>
+      <p:cxnSp>
+        <p:nvCxnSpPr>
+          <p:cNvPr id="55" name="Straight Connector 54">
+            <a:extLst>
+              <a:ext uri="{FF2B5EF4-FFF2-40B4-BE49-F238E27FC236}">
+                <a16:creationId xmlns:a16="http://schemas.microsoft.com/office/drawing/2014/main" id="{CB93E6D0-3FB9-4871-8AD0-DC05E0E6FA74}"/>
+              </a:ext>
+              <a:ext uri="{C183D7F6-B498-43B3-948B-1728B52AA6E4}">
+                <adec:decorative xmlns:adec="http://schemas.microsoft.com/office/drawing/2017/decorative" val="1"/>
+              </a:ext>
+            </a:extLst>
+          </p:cNvPr>
+          <p:cNvCxnSpPr>
+            <a:cxnSpLocks noGrp="1" noRot="1" noChangeAspect="1" noMove="1" noResize="1" noEditPoints="1" noAdjustHandles="1" noChangeArrowheads="1" noChangeShapeType="1"/>
+          </p:cNvCxnSpPr>
+          <p:nvPr>
+            <p:extLst>
+              <p:ext uri="{386F3935-93C4-4BCD-93E2-E3B085C9AB24}">
+                <p16:designElem xmlns:p16="http://schemas.microsoft.com/office/powerpoint/2015/main" val="1"/>
+              </p:ext>
+            </p:extLst>
+          </p:nvPr>
+        </p:nvCxnSpPr>
+        <p:spPr>
+          <a:xfrm>
+            <a:off x="6096000" y="1482969"/>
+            <a:ext cx="0" cy="3848100"/>
+          </a:xfrm>
+          <a:prstGeom prst="line">
+            <a:avLst/>
+          </a:prstGeom>
+          <a:ln>
+            <a:solidFill>
+              <a:schemeClr val="tx1">
+                <a:lumMod val="75000"/>
+              </a:schemeClr>
+            </a:solidFill>
+          </a:ln>
+        </p:spPr>
+        <p:style>
+          <a:lnRef idx="1">
+            <a:schemeClr val="accent1"/>
+          </a:lnRef>
+          <a:fillRef idx="0">
+            <a:schemeClr val="accent1"/>
+          </a:fillRef>
+          <a:effectRef idx="0">
+            <a:schemeClr val="accent1"/>
+          </a:effectRef>
+          <a:fontRef idx="minor">
+            <a:schemeClr val="tx1"/>
+          </a:fontRef>
+        </p:style>
+      </p:cxnSp>
+      <p:pic>
+        <p:nvPicPr>
+          <p:cNvPr id="3" name="Picture 2">
+            <a:extLst>
+              <a:ext uri="{FF2B5EF4-FFF2-40B4-BE49-F238E27FC236}">
+                <a16:creationId xmlns:a16="http://schemas.microsoft.com/office/drawing/2014/main" id="{62F1C999-604E-4852-A72D-B9E542D7B4AE}"/>
+              </a:ext>
+            </a:extLst>
+          </p:cNvPr>
+          <p:cNvPicPr>
+            <a:picLocks noChangeAspect="1"/>
+          </p:cNvPicPr>
+          <p:nvPr/>
+        </p:nvPicPr>
+        <p:blipFill>
+          <a:blip r:embed="rId3"/>
+          <a:stretch>
+            <a:fillRect/>
+          </a:stretch>
+        </p:blipFill>
+        <p:spPr>
+          <a:xfrm>
+            <a:off x="2202921" y="2554531"/>
+            <a:ext cx="2333625" cy="1704975"/>
+          </a:xfrm>
+          <a:prstGeom prst="rect">
+            <a:avLst/>
+          </a:prstGeom>
+        </p:spPr>
+      </p:pic>
+      <p:pic>
+        <p:nvPicPr>
+          <p:cNvPr id="6" name="Picture 5">
+            <a:extLst>
+              <a:ext uri="{FF2B5EF4-FFF2-40B4-BE49-F238E27FC236}">
+                <a16:creationId xmlns:a16="http://schemas.microsoft.com/office/drawing/2014/main" id="{43CCFE88-9123-4601-B6C9-E323BBB399DB}"/>
+              </a:ext>
+            </a:extLst>
+          </p:cNvPr>
+          <p:cNvPicPr>
+            <a:picLocks noChangeAspect="1"/>
+          </p:cNvPicPr>
+          <p:nvPr/>
+        </p:nvPicPr>
+        <p:blipFill>
+          <a:blip r:embed="rId4"/>
+          <a:stretch>
+            <a:fillRect/>
+          </a:stretch>
+        </p:blipFill>
+        <p:spPr>
+          <a:xfrm>
+            <a:off x="7901236" y="1638300"/>
+            <a:ext cx="1485900" cy="3581400"/>
+          </a:xfrm>
+          <a:prstGeom prst="rect">
+            <a:avLst/>
+          </a:prstGeom>
+        </p:spPr>
+      </p:pic>
+    </p:spTree>
+    <p:extLst>
+      <p:ext uri="{BB962C8B-B14F-4D97-AF65-F5344CB8AC3E}">
+        <p14:creationId xmlns:p14="http://schemas.microsoft.com/office/powerpoint/2010/main" val="762386940"/>
+      </p:ext>
+    </p:extLst>
+  </p:cSld>
+  <p:clrMapOvr>
+    <a:masterClrMapping/>
+  </p:clrMapOvr>
+</p:sld>
+</file>
+
+<file path=ppt/slides/slide9.xml><?xml version="1.0" encoding="utf-8"?>
+<p:sld xmlns:a="http://schemas.openxmlformats.org/drawingml/2006/main" xmlns:r="http://schemas.openxmlformats.org/officeDocument/2006/relationships" xmlns:p="http://schemas.openxmlformats.org/presentationml/2006/main">
+  <p:cSld>
+    <p:bg>
+      <p:bgPr>
+        <a:blipFill dpi="0" rotWithShape="1">
+          <a:blip r:embed="rId2">
+            <a:lum/>
+            <a:extLst/>
+          </a:blip>
+          <a:srcRect/>
+          <a:stretch>
+            <a:fillRect/>
+          </a:stretch>
+        </a:blipFill>
+        <a:effectLst/>
+      </p:bgPr>
+    </p:bg>
+    <p:spTree>
+      <p:nvGrpSpPr>
+        <p:cNvPr id="1" name=""/>
+        <p:cNvGrpSpPr/>
+        <p:nvPr/>
+      </p:nvGrpSpPr>
+      <p:grpSpPr>
+        <a:xfrm>
+          <a:off x="0" y="0"/>
+          <a:ext cx="0" cy="0"/>
+          <a:chOff x="0" y="0"/>
+          <a:chExt cx="0" cy="0"/>
+        </a:xfrm>
+      </p:grpSpPr>
+      <p:sp useBgFill="1">
+        <p:nvSpPr>
+          <p:cNvPr id="51" name="Rectangle 50">
+            <a:extLst>
+              <a:ext uri="{FF2B5EF4-FFF2-40B4-BE49-F238E27FC236}">
+                <a16:creationId xmlns:a16="http://schemas.microsoft.com/office/drawing/2014/main" id="{53C572C3-50CF-4B3D-9D6B-34AE74C16FC3}"/>
+              </a:ext>
+              <a:ext uri="{C183D7F6-B498-43B3-948B-1728B52AA6E4}">
+                <adec:decorative xmlns:adec="http://schemas.microsoft.com/office/drawing/2017/decorative" val="1"/>
+              </a:ext>
+            </a:extLst>
+          </p:cNvPr>
+          <p:cNvSpPr>
+            <a:spLocks noGrp="1" noRot="1" noChangeAspect="1" noMove="1" noResize="1" noEditPoints="1" noAdjustHandles="1" noChangeArrowheads="1" noChangeShapeType="1" noTextEdit="1"/>
+          </p:cNvSpPr>
+          <p:nvPr>
+            <p:extLst>
+              <p:ext uri="{386F3935-93C4-4BCD-93E2-E3B085C9AB24}">
+                <p16:designElem xmlns:p16="http://schemas.microsoft.com/office/powerpoint/2015/main" val="1"/>
+              </p:ext>
+            </p:extLst>
+          </p:nvPr>
+        </p:nvSpPr>
+        <p:spPr>
+          <a:xfrm>
+            <a:off x="0" y="0"/>
+            <a:ext cx="12192000" cy="6858000"/>
+          </a:xfrm>
+          <a:prstGeom prst="rect">
+            <a:avLst/>
+          </a:prstGeom>
+          <a:ln>
+            <a:noFill/>
+          </a:ln>
+        </p:spPr>
+        <p:style>
+          <a:lnRef idx="2">
+            <a:schemeClr val="accent1">
+              <a:shade val="50000"/>
+            </a:schemeClr>
+          </a:lnRef>
+          <a:fillRef idx="1">
+            <a:schemeClr val="accent1"/>
+          </a:fillRef>
+          <a:effectRef idx="0">
+            <a:schemeClr val="accent1"/>
+          </a:effectRef>
+          <a:fontRef idx="minor">
+            <a:schemeClr val="lt1"/>
+          </a:fontRef>
+        </p:style>
+        <p:txBody>
+          <a:bodyPr rtlCol="0" anchor="ctr"/>
+          <a:lstStyle/>
+          <a:p>
+            <a:pPr algn="ctr"/>
+            <a:endParaRPr lang="en-US"/>
+          </a:p>
+        </p:txBody>
+      </p:sp>
+      <p:sp>
+        <p:nvSpPr>
+          <p:cNvPr id="53" name="Rectangle 52">
+            <a:extLst>
+              <a:ext uri="{FF2B5EF4-FFF2-40B4-BE49-F238E27FC236}">
+                <a16:creationId xmlns:a16="http://schemas.microsoft.com/office/drawing/2014/main" id="{3E0D47CB-7BD5-4AB9-B25C-56750B645835}"/>
+              </a:ext>
+              <a:ext uri="{C183D7F6-B498-43B3-948B-1728B52AA6E4}">
+                <adec:decorative xmlns:adec="http://schemas.microsoft.com/office/drawing/2017/decorative" val="1"/>
+              </a:ext>
+            </a:extLst>
+          </p:cNvPr>
+          <p:cNvSpPr>
+            <a:spLocks noGrp="1" noRot="1" noChangeAspect="1" noMove="1" noResize="1" noEditPoints="1" noAdjustHandles="1" noChangeArrowheads="1" noChangeShapeType="1" noTextEdit="1"/>
+          </p:cNvSpPr>
+          <p:nvPr>
+            <p:extLst>
+              <p:ext uri="{386F3935-93C4-4BCD-93E2-E3B085C9AB24}">
+                <p16:designElem xmlns:p16="http://schemas.microsoft.com/office/powerpoint/2015/main" val="1"/>
+              </p:ext>
+            </p:extLst>
+          </p:nvPr>
+        </p:nvSpPr>
+        <p:spPr>
+          <a:xfrm>
+            <a:off x="643466" y="643468"/>
+            <a:ext cx="10905067" cy="5571066"/>
+          </a:xfrm>
+          <a:prstGeom prst="rect">
+            <a:avLst/>
+          </a:prstGeom>
+          <a:solidFill>
+            <a:srgbClr val="FFFFFF"/>
+          </a:solidFill>
+          <a:ln>
+            <a:noFill/>
+          </a:ln>
+        </p:spPr>
+        <p:style>
+          <a:lnRef idx="2">
+            <a:schemeClr val="accent1">
+              <a:shade val="50000"/>
+            </a:schemeClr>
+          </a:lnRef>
+          <a:fillRef idx="1">
+            <a:schemeClr val="accent1"/>
+          </a:fillRef>
+          <a:effectRef idx="0">
+            <a:schemeClr val="accent1"/>
+          </a:effectRef>
+          <a:fontRef idx="minor">
+            <a:schemeClr val="lt1"/>
+          </a:fontRef>
+        </p:style>
+        <p:txBody>
+          <a:bodyPr rtlCol="0" anchor="ctr"/>
+          <a:lstStyle/>
+          <a:p>
+            <a:pPr algn="ctr"/>
+            <a:endParaRPr lang="en-US"/>
+          </a:p>
+        </p:txBody>
+      </p:sp>
+      <p:cxnSp>
+        <p:nvCxnSpPr>
+          <p:cNvPr id="55" name="Straight Connector 54">
+            <a:extLst>
+              <a:ext uri="{FF2B5EF4-FFF2-40B4-BE49-F238E27FC236}">
+                <a16:creationId xmlns:a16="http://schemas.microsoft.com/office/drawing/2014/main" id="{CB93E6D0-3FB9-4871-8AD0-DC05E0E6FA74}"/>
+              </a:ext>
+              <a:ext uri="{C183D7F6-B498-43B3-948B-1728B52AA6E4}">
+                <adec:decorative xmlns:adec="http://schemas.microsoft.com/office/drawing/2017/decorative" val="1"/>
+              </a:ext>
+            </a:extLst>
+          </p:cNvPr>
+          <p:cNvCxnSpPr>
+            <a:cxnSpLocks noGrp="1" noRot="1" noChangeAspect="1" noMove="1" noResize="1" noEditPoints="1" noAdjustHandles="1" noChangeArrowheads="1" noChangeShapeType="1"/>
+          </p:cNvCxnSpPr>
+          <p:nvPr>
+            <p:extLst>
+              <p:ext uri="{386F3935-93C4-4BCD-93E2-E3B085C9AB24}">
+                <p16:designElem xmlns:p16="http://schemas.microsoft.com/office/powerpoint/2015/main" val="1"/>
+              </p:ext>
+            </p:extLst>
+          </p:nvPr>
+        </p:nvCxnSpPr>
+        <p:spPr>
+          <a:xfrm>
+            <a:off x="6096000" y="1482969"/>
+            <a:ext cx="0" cy="3848100"/>
+          </a:xfrm>
+          <a:prstGeom prst="line">
+            <a:avLst/>
+          </a:prstGeom>
+          <a:ln>
+            <a:solidFill>
+              <a:schemeClr val="tx1">
+                <a:lumMod val="75000"/>
+              </a:schemeClr>
+            </a:solidFill>
+          </a:ln>
+        </p:spPr>
+        <p:style>
+          <a:lnRef idx="1">
+            <a:schemeClr val="accent1"/>
+          </a:lnRef>
+          <a:fillRef idx="0">
+            <a:schemeClr val="accent1"/>
+          </a:fillRef>
+          <a:effectRef idx="0">
+            <a:schemeClr val="accent1"/>
+          </a:effectRef>
+          <a:fontRef idx="minor">
+            <a:schemeClr val="tx1"/>
+          </a:fontRef>
+        </p:style>
+      </p:cxnSp>
+      <p:pic>
+        <p:nvPicPr>
+          <p:cNvPr id="2" name="Picture 1">
+            <a:extLst>
+              <a:ext uri="{FF2B5EF4-FFF2-40B4-BE49-F238E27FC236}">
+                <a16:creationId xmlns:a16="http://schemas.microsoft.com/office/drawing/2014/main" id="{D4AA59F8-B790-4D8A-AC09-FA6D3F10EC9A}"/>
+              </a:ext>
+            </a:extLst>
+          </p:cNvPr>
+          <p:cNvPicPr>
+            <a:picLocks noChangeAspect="1"/>
+          </p:cNvPicPr>
+          <p:nvPr/>
+        </p:nvPicPr>
+        <p:blipFill>
+          <a:blip r:embed="rId3"/>
+          <a:stretch>
+            <a:fillRect/>
+          </a:stretch>
+        </p:blipFill>
+        <p:spPr>
+          <a:xfrm>
+            <a:off x="816283" y="2490787"/>
+            <a:ext cx="4973472" cy="1721923"/>
+          </a:xfrm>
+          <a:prstGeom prst="rect">
+            <a:avLst/>
+          </a:prstGeom>
+        </p:spPr>
+      </p:pic>
+      <p:pic>
+        <p:nvPicPr>
+          <p:cNvPr id="4" name="Picture 3">
+            <a:extLst>
+              <a:ext uri="{FF2B5EF4-FFF2-40B4-BE49-F238E27FC236}">
+                <a16:creationId xmlns:a16="http://schemas.microsoft.com/office/drawing/2014/main" id="{CF8CC193-A9D5-409B-B856-9F840EDF2069}"/>
+              </a:ext>
+            </a:extLst>
+          </p:cNvPr>
+          <p:cNvPicPr>
+            <a:picLocks noChangeAspect="1"/>
+          </p:cNvPicPr>
+          <p:nvPr/>
+        </p:nvPicPr>
+        <p:blipFill>
+          <a:blip r:embed="rId4"/>
+          <a:stretch>
+            <a:fillRect/>
+          </a:stretch>
+        </p:blipFill>
+        <p:spPr>
+          <a:xfrm>
+            <a:off x="6560017" y="2962274"/>
+            <a:ext cx="4324350" cy="933450"/>
+          </a:xfrm>
+          <a:prstGeom prst="rect">
+            <a:avLst/>
+          </a:prstGeom>
+        </p:spPr>
+      </p:pic>
+    </p:spTree>
+    <p:extLst>
+      <p:ext uri="{BB962C8B-B14F-4D97-AF65-F5344CB8AC3E}">
+        <p14:creationId xmlns:p14="http://schemas.microsoft.com/office/powerpoint/2010/main" val="428326649"/>
       </p:ext>
     </p:extLst>
   </p:cSld>
